--- a/paper-presentation/cmov-presentation.pptx
+++ b/paper-presentation/cmov-presentation.pptx
@@ -6,6 +6,8 @@
   </p:sldMasterIdLst>
   <p:sldIdLst>
     <p:sldId id="256" r:id="rId2"/>
+    <p:sldId id="257" r:id="rId3"/>
+    <p:sldId id="258" r:id="rId4"/>
   </p:sldIdLst>
   <p:sldSz cx="9144000" cy="6858000" type="screen4x3"/>
   <p:notesSz cx="6858000" cy="9144000"/>
@@ -3107,7 +3109,7 @@
         </p:nvSpPr>
         <p:spPr>
           <a:xfrm>
-            <a:off x="685800" y="1395412"/>
+            <a:off x="685800" y="1096463"/>
             <a:ext cx="7772400" cy="1470025"/>
           </a:xfrm>
         </p:spPr>
@@ -3117,7 +3119,7 @@
           <a:p>
             <a:r>
               <a:rPr lang="pt-PT" dirty="0" err="1" smtClean="0"/>
-              <a:t>Oddisey</a:t>
+              <a:t>Odyssey</a:t>
             </a:r>
             <a:r>
               <a:rPr lang="pt-PT" dirty="0" smtClean="0"/>
@@ -3201,7 +3203,7 @@
         </p:nvSpPr>
         <p:spPr>
           <a:xfrm>
-            <a:off x="376785" y="3614800"/>
+            <a:off x="376785" y="3420885"/>
             <a:ext cx="3335239" cy="2062103"/>
           </a:xfrm>
           <a:prstGeom prst="rect">
@@ -3324,7 +3326,7 @@
         </p:nvSpPr>
         <p:spPr>
           <a:xfrm>
-            <a:off x="5456397" y="4451937"/>
+            <a:off x="5456397" y="4251882"/>
             <a:ext cx="3001803" cy="1231106"/>
           </a:xfrm>
           <a:prstGeom prst="rect">
@@ -3354,11 +3356,7 @@
             </a:r>
             <a:r>
               <a:rPr lang="pt-PT" dirty="0" err="1" smtClean="0"/>
-              <a:t>Br</a:t>
-            </a:r>
-            <a:r>
-              <a:rPr lang="pt-PT" dirty="0" err="1" smtClean="0"/>
-              <a:t>áz</a:t>
+              <a:t>Bráz</a:t>
             </a:r>
             <a:r>
               <a:rPr lang="pt-PT" dirty="0" smtClean="0"/>
@@ -3384,6 +3382,630 @@
     <p:extLst>
       <p:ext uri="{BB962C8B-B14F-4D97-AF65-F5344CB8AC3E}">
         <p14:creationId xmlns:p14="http://schemas.microsoft.com/office/powerpoint/2010/main" val="1161767088"/>
+      </p:ext>
+    </p:extLst>
+  </p:cSld>
+  <p:clrMapOvr>
+    <a:masterClrMapping/>
+  </p:clrMapOvr>
+  <p:timing>
+    <p:tnLst>
+      <p:par>
+        <p:cTn xmlns:p14="http://schemas.microsoft.com/office/powerpoint/2010/main" id="1" dur="indefinite" restart="never" nodeType="tmRoot"/>
+      </p:par>
+    </p:tnLst>
+  </p:timing>
+</p:sld>
+</file>
+
+<file path=ppt/slides/slide2.xml><?xml version="1.0" encoding="utf-8"?>
+<p:sld xmlns:a="http://schemas.openxmlformats.org/drawingml/2006/main" xmlns:r="http://schemas.openxmlformats.org/officeDocument/2006/relationships" xmlns:p="http://schemas.openxmlformats.org/presentationml/2006/main">
+  <p:cSld>
+    <p:spTree>
+      <p:nvGrpSpPr>
+        <p:cNvPr id="1" name=""/>
+        <p:cNvGrpSpPr/>
+        <p:nvPr/>
+      </p:nvGrpSpPr>
+      <p:grpSpPr>
+        <a:xfrm>
+          <a:off x="0" y="0"/>
+          <a:ext cx="0" cy="0"/>
+          <a:chOff x="0" y="0"/>
+          <a:chExt cx="0" cy="0"/>
+        </a:xfrm>
+      </p:grpSpPr>
+      <p:sp>
+        <p:nvSpPr>
+          <p:cNvPr id="2" name="Title 1"/>
+          <p:cNvSpPr>
+            <a:spLocks noGrp="1"/>
+          </p:cNvSpPr>
+          <p:nvPr>
+            <p:ph type="ctrTitle"/>
+          </p:nvPr>
+        </p:nvSpPr>
+        <p:spPr>
+          <a:xfrm>
+            <a:off x="685800" y="761501"/>
+            <a:ext cx="7772400" cy="1190627"/>
+          </a:xfrm>
+        </p:spPr>
+        <p:txBody>
+          <a:bodyPr/>
+          <a:lstStyle/>
+          <a:p>
+            <a:r>
+              <a:rPr lang="en-US" sz="5000" dirty="0" smtClean="0"/>
+              <a:t>Motivation</a:t>
+            </a:r>
+            <a:endParaRPr lang="en-US" sz="5000" dirty="0"/>
+          </a:p>
+        </p:txBody>
+      </p:sp>
+      <p:pic>
+        <p:nvPicPr>
+          <p:cNvPr id="4" name="Picture 3" descr="ist.jpg"/>
+          <p:cNvPicPr>
+            <a:picLocks noChangeAspect="1"/>
+          </p:cNvPicPr>
+          <p:nvPr/>
+        </p:nvPicPr>
+        <p:blipFill>
+          <a:blip r:embed="rId2">
+            <a:extLst>
+              <a:ext uri="{28A0092B-C50C-407E-A947-70E740481C1C}">
+                <a14:useLocalDpi xmlns:a14="http://schemas.microsoft.com/office/drawing/2010/main" val="0"/>
+              </a:ext>
+            </a:extLst>
+          </a:blip>
+          <a:stretch>
+            <a:fillRect/>
+          </a:stretch>
+        </p:blipFill>
+        <p:spPr>
+          <a:xfrm>
+            <a:off x="262396" y="239123"/>
+            <a:ext cx="1949172" cy="857340"/>
+          </a:xfrm>
+          <a:prstGeom prst="rect">
+            <a:avLst/>
+          </a:prstGeom>
+        </p:spPr>
+      </p:pic>
+      <p:sp>
+        <p:nvSpPr>
+          <p:cNvPr id="3" name="TextBox 2"/>
+          <p:cNvSpPr txBox="1"/>
+          <p:nvPr/>
+        </p:nvSpPr>
+        <p:spPr>
+          <a:xfrm>
+            <a:off x="530288" y="2091695"/>
+            <a:ext cx="7927912" cy="3108544"/>
+          </a:xfrm>
+          <a:prstGeom prst="rect">
+            <a:avLst/>
+          </a:prstGeom>
+          <a:noFill/>
+        </p:spPr>
+        <p:txBody>
+          <a:bodyPr wrap="square" rtlCol="0">
+            <a:spAutoFit/>
+          </a:bodyPr>
+          <a:lstStyle/>
+          <a:p>
+            <a:pPr marL="285750" indent="-285750" algn="just">
+              <a:buFont typeface="Arial"/>
+              <a:buChar char="•"/>
+            </a:pPr>
+            <a:r>
+              <a:rPr lang="pt-PT" sz="2800" dirty="0" smtClean="0"/>
+              <a:t>A </a:t>
+            </a:r>
+            <a:r>
+              <a:rPr lang="pt-PT" sz="2800" dirty="0" err="1" smtClean="0"/>
+              <a:t>tourist</a:t>
+            </a:r>
+            <a:r>
+              <a:rPr lang="pt-PT" sz="2800" dirty="0" smtClean="0"/>
+              <a:t> </a:t>
+            </a:r>
+            <a:r>
+              <a:rPr lang="pt-PT" sz="2800" dirty="0" err="1" smtClean="0"/>
+              <a:t>with</a:t>
+            </a:r>
+            <a:r>
+              <a:rPr lang="pt-PT" sz="2800" dirty="0" smtClean="0"/>
+              <a:t> a </a:t>
+            </a:r>
+            <a:r>
+              <a:rPr lang="pt-PT" sz="2800" dirty="0" err="1" smtClean="0"/>
+              <a:t>wearable</a:t>
+            </a:r>
+            <a:r>
+              <a:rPr lang="pt-PT" sz="2800" dirty="0" smtClean="0"/>
+              <a:t> </a:t>
+            </a:r>
+            <a:r>
+              <a:rPr lang="pt-PT" sz="2800" dirty="0" err="1" smtClean="0"/>
+              <a:t>computer</a:t>
+            </a:r>
+            <a:r>
+              <a:rPr lang="pt-PT" sz="2800" dirty="0"/>
+              <a:t> </a:t>
+            </a:r>
+            <a:r>
+              <a:rPr lang="pt-PT" sz="2800" dirty="0" err="1" smtClean="0"/>
+              <a:t>is</a:t>
+            </a:r>
+            <a:r>
+              <a:rPr lang="pt-PT" sz="2800" dirty="0" smtClean="0"/>
+              <a:t> </a:t>
+            </a:r>
+            <a:r>
+              <a:rPr lang="pt-PT" sz="2800" dirty="0" err="1" smtClean="0"/>
+              <a:t>walking</a:t>
+            </a:r>
+            <a:r>
+              <a:rPr lang="pt-PT" sz="2800" dirty="0" smtClean="0"/>
+              <a:t> in </a:t>
+            </a:r>
+            <a:r>
+              <a:rPr lang="pt-PT" sz="2800" dirty="0" err="1" smtClean="0"/>
+              <a:t>the</a:t>
+            </a:r>
+            <a:r>
+              <a:rPr lang="pt-PT" sz="2800" dirty="0" smtClean="0"/>
+              <a:t> </a:t>
+            </a:r>
+            <a:r>
+              <a:rPr lang="pt-PT" sz="2800" dirty="0" err="1" smtClean="0"/>
+              <a:t>streets</a:t>
+            </a:r>
+            <a:r>
+              <a:rPr lang="pt-PT" sz="2800" dirty="0" smtClean="0"/>
+              <a:t> of </a:t>
+            </a:r>
+            <a:r>
+              <a:rPr lang="pt-PT" sz="2800" dirty="0" err="1"/>
+              <a:t>L</a:t>
+            </a:r>
+            <a:r>
+              <a:rPr lang="pt-PT" sz="2800" dirty="0" err="1" smtClean="0"/>
+              <a:t>isbon</a:t>
+            </a:r>
+            <a:r>
+              <a:rPr lang="pt-PT" sz="2800" dirty="0" smtClean="0"/>
+              <a:t>;</a:t>
+            </a:r>
+          </a:p>
+          <a:p>
+            <a:pPr marL="285750" indent="-285750" algn="just">
+              <a:buFont typeface="Arial"/>
+              <a:buChar char="•"/>
+            </a:pPr>
+            <a:endParaRPr lang="pt-PT" sz="2800" dirty="0"/>
+          </a:p>
+          <a:p>
+            <a:pPr marL="285750" indent="-285750" algn="just">
+              <a:buFont typeface="Arial"/>
+              <a:buChar char="•"/>
+            </a:pPr>
+            <a:r>
+              <a:rPr lang="pt-PT" sz="2800" dirty="0" err="1" smtClean="0"/>
+              <a:t>He</a:t>
+            </a:r>
+            <a:r>
+              <a:rPr lang="pt-PT" sz="2800" dirty="0" smtClean="0"/>
+              <a:t> </a:t>
+            </a:r>
+            <a:r>
+              <a:rPr lang="pt-PT" sz="2800" dirty="0" err="1" smtClean="0"/>
+              <a:t>interacts</a:t>
+            </a:r>
+            <a:r>
+              <a:rPr lang="pt-PT" sz="2800" dirty="0" smtClean="0"/>
+              <a:t> </a:t>
+            </a:r>
+            <a:r>
+              <a:rPr lang="pt-PT" sz="2800" dirty="0" err="1" smtClean="0"/>
+              <a:t>with</a:t>
+            </a:r>
+            <a:r>
+              <a:rPr lang="pt-PT" sz="2800" dirty="0" smtClean="0"/>
+              <a:t> </a:t>
+            </a:r>
+            <a:r>
+              <a:rPr lang="pt-PT" sz="2800" dirty="0" err="1" smtClean="0"/>
+              <a:t>his</a:t>
+            </a:r>
+            <a:r>
+              <a:rPr lang="pt-PT" sz="2800" dirty="0" smtClean="0"/>
+              <a:t> </a:t>
+            </a:r>
+            <a:r>
+              <a:rPr lang="pt-PT" sz="2800" dirty="0" err="1" smtClean="0"/>
+              <a:t>device</a:t>
+            </a:r>
+            <a:r>
+              <a:rPr lang="pt-PT" sz="2800" dirty="0" smtClean="0"/>
+              <a:t> </a:t>
+            </a:r>
+            <a:r>
+              <a:rPr lang="pt-PT" sz="2800" dirty="0" err="1" smtClean="0"/>
+              <a:t>through</a:t>
+            </a:r>
+            <a:r>
+              <a:rPr lang="pt-PT" sz="2800" dirty="0" smtClean="0"/>
+              <a:t> a </a:t>
+            </a:r>
+            <a:r>
+              <a:rPr lang="pt-PT" sz="2800" dirty="0" err="1" smtClean="0"/>
+              <a:t>speech</a:t>
+            </a:r>
+            <a:r>
+              <a:rPr lang="pt-PT" sz="2800" dirty="0" smtClean="0"/>
+              <a:t> </a:t>
+            </a:r>
+            <a:r>
+              <a:rPr lang="pt-PT" sz="2800" dirty="0" err="1" smtClean="0"/>
+              <a:t>recognizer</a:t>
+            </a:r>
+            <a:r>
+              <a:rPr lang="pt-PT" sz="2800" dirty="0" smtClean="0"/>
+              <a:t> software;</a:t>
+            </a:r>
+          </a:p>
+          <a:p>
+            <a:pPr marL="285750" indent="-285750" algn="just">
+              <a:buFont typeface="Arial"/>
+              <a:buChar char="•"/>
+            </a:pPr>
+            <a:endParaRPr lang="pt-PT" sz="2800" dirty="0"/>
+          </a:p>
+          <a:p>
+            <a:pPr marL="285750" indent="-285750" algn="just">
+              <a:buFont typeface="Arial"/>
+              <a:buChar char="•"/>
+            </a:pPr>
+            <a:r>
+              <a:rPr lang="pt-PT" sz="2800" dirty="0" err="1" smtClean="0"/>
+              <a:t>There</a:t>
+            </a:r>
+            <a:r>
+              <a:rPr lang="pt-PT" sz="2800" dirty="0" smtClean="0"/>
+              <a:t> </a:t>
+            </a:r>
+            <a:r>
+              <a:rPr lang="pt-PT" sz="2800" dirty="0" err="1" smtClean="0"/>
+              <a:t>is</a:t>
+            </a:r>
+            <a:r>
+              <a:rPr lang="pt-PT" sz="2800" dirty="0" smtClean="0"/>
+              <a:t> a wireless </a:t>
+            </a:r>
+            <a:r>
+              <a:rPr lang="pt-PT" sz="2800" dirty="0" err="1" smtClean="0"/>
+              <a:t>overlay</a:t>
+            </a:r>
+            <a:r>
+              <a:rPr lang="pt-PT" sz="2800" dirty="0" smtClean="0"/>
+              <a:t> network.</a:t>
+            </a:r>
+            <a:endParaRPr lang="pt-PT" sz="2800" dirty="0"/>
+          </a:p>
+        </p:txBody>
+      </p:sp>
+    </p:spTree>
+    <p:extLst>
+      <p:ext uri="{BB962C8B-B14F-4D97-AF65-F5344CB8AC3E}">
+        <p14:creationId xmlns:p14="http://schemas.microsoft.com/office/powerpoint/2010/main" val="2481420638"/>
+      </p:ext>
+    </p:extLst>
+  </p:cSld>
+  <p:clrMapOvr>
+    <a:masterClrMapping/>
+  </p:clrMapOvr>
+  <p:timing>
+    <p:tnLst>
+      <p:par>
+        <p:cTn xmlns:p14="http://schemas.microsoft.com/office/powerpoint/2010/main" id="1" dur="indefinite" restart="never" nodeType="tmRoot"/>
+      </p:par>
+    </p:tnLst>
+  </p:timing>
+</p:sld>
+</file>
+
+<file path=ppt/slides/slide3.xml><?xml version="1.0" encoding="utf-8"?>
+<p:sld xmlns:a="http://schemas.openxmlformats.org/drawingml/2006/main" xmlns:r="http://schemas.openxmlformats.org/officeDocument/2006/relationships" xmlns:p="http://schemas.openxmlformats.org/presentationml/2006/main">
+  <p:cSld>
+    <p:spTree>
+      <p:nvGrpSpPr>
+        <p:cNvPr id="1" name=""/>
+        <p:cNvGrpSpPr/>
+        <p:nvPr/>
+      </p:nvGrpSpPr>
+      <p:grpSpPr>
+        <a:xfrm>
+          <a:off x="0" y="0"/>
+          <a:ext cx="0" cy="0"/>
+          <a:chOff x="0" y="0"/>
+          <a:chExt cx="0" cy="0"/>
+        </a:xfrm>
+      </p:grpSpPr>
+      <p:sp>
+        <p:nvSpPr>
+          <p:cNvPr id="2" name="Title 1"/>
+          <p:cNvSpPr>
+            <a:spLocks noGrp="1"/>
+          </p:cNvSpPr>
+          <p:nvPr>
+            <p:ph type="ctrTitle"/>
+          </p:nvPr>
+        </p:nvSpPr>
+        <p:spPr>
+          <a:xfrm>
+            <a:off x="685800" y="761501"/>
+            <a:ext cx="7772400" cy="1190627"/>
+          </a:xfrm>
+        </p:spPr>
+        <p:txBody>
+          <a:bodyPr/>
+          <a:lstStyle/>
+          <a:p>
+            <a:r>
+              <a:rPr lang="en-US" sz="5000" dirty="0" smtClean="0"/>
+              <a:t>Goals</a:t>
+            </a:r>
+            <a:endParaRPr lang="en-US" sz="5000" dirty="0"/>
+          </a:p>
+        </p:txBody>
+      </p:sp>
+      <p:pic>
+        <p:nvPicPr>
+          <p:cNvPr id="4" name="Picture 3" descr="ist.jpg"/>
+          <p:cNvPicPr>
+            <a:picLocks noChangeAspect="1"/>
+          </p:cNvPicPr>
+          <p:nvPr/>
+        </p:nvPicPr>
+        <p:blipFill>
+          <a:blip r:embed="rId2">
+            <a:extLst>
+              <a:ext uri="{28A0092B-C50C-407E-A947-70E740481C1C}">
+                <a14:useLocalDpi xmlns:a14="http://schemas.microsoft.com/office/drawing/2010/main" val="0"/>
+              </a:ext>
+            </a:extLst>
+          </a:blip>
+          <a:stretch>
+            <a:fillRect/>
+          </a:stretch>
+        </p:blipFill>
+        <p:spPr>
+          <a:xfrm>
+            <a:off x="262396" y="239123"/>
+            <a:ext cx="1949172" cy="857340"/>
+          </a:xfrm>
+          <a:prstGeom prst="rect">
+            <a:avLst/>
+          </a:prstGeom>
+        </p:spPr>
+      </p:pic>
+      <p:sp>
+        <p:nvSpPr>
+          <p:cNvPr id="3" name="TextBox 2"/>
+          <p:cNvSpPr txBox="1"/>
+          <p:nvPr/>
+        </p:nvSpPr>
+        <p:spPr>
+          <a:xfrm>
+            <a:off x="530288" y="2091695"/>
+            <a:ext cx="7927912" cy="4832093"/>
+          </a:xfrm>
+          <a:prstGeom prst="rect">
+            <a:avLst/>
+          </a:prstGeom>
+          <a:noFill/>
+        </p:spPr>
+        <p:txBody>
+          <a:bodyPr wrap="square" rtlCol="0">
+            <a:spAutoFit/>
+          </a:bodyPr>
+          <a:lstStyle/>
+          <a:p>
+            <a:pPr marL="457200" indent="-457200" algn="just">
+              <a:buFont typeface="Arial"/>
+              <a:buChar char="•"/>
+            </a:pPr>
+            <a:r>
+              <a:rPr lang="pt-PT" sz="2800" dirty="0" err="1" smtClean="0"/>
+              <a:t>Dynamic</a:t>
+            </a:r>
+            <a:r>
+              <a:rPr lang="pt-PT" sz="2800" dirty="0" smtClean="0"/>
+              <a:t> </a:t>
+            </a:r>
+            <a:r>
+              <a:rPr lang="pt-PT" sz="2800" dirty="0" err="1" smtClean="0"/>
+              <a:t>adaptation</a:t>
+            </a:r>
+            <a:r>
+              <a:rPr lang="pt-PT" sz="2800" dirty="0" smtClean="0"/>
+              <a:t>: </a:t>
+            </a:r>
+            <a:r>
+              <a:rPr lang="pt-PT" sz="2800" dirty="0" err="1"/>
+              <a:t>c</a:t>
+            </a:r>
+            <a:r>
+              <a:rPr lang="pt-PT" sz="2800" dirty="0" err="1" smtClean="0"/>
+              <a:t>hange</a:t>
+            </a:r>
+            <a:r>
+              <a:rPr lang="pt-PT" sz="2800" dirty="0" smtClean="0"/>
+              <a:t> </a:t>
+            </a:r>
+            <a:r>
+              <a:rPr lang="pt-PT" sz="2800" dirty="0" err="1" smtClean="0"/>
+              <a:t>according</a:t>
+            </a:r>
+            <a:r>
+              <a:rPr lang="pt-PT" sz="2800" dirty="0" smtClean="0"/>
+              <a:t> to </a:t>
+            </a:r>
+            <a:r>
+              <a:rPr lang="pt-PT" sz="2800" dirty="0" err="1" smtClean="0"/>
+              <a:t>resources</a:t>
+            </a:r>
+            <a:r>
+              <a:rPr lang="pt-PT" sz="2800" dirty="0" smtClean="0"/>
+              <a:t>;</a:t>
+            </a:r>
+          </a:p>
+          <a:p>
+            <a:pPr marL="457200" indent="-457200" algn="just">
+              <a:buFont typeface="Arial"/>
+              <a:buChar char="•"/>
+            </a:pPr>
+            <a:endParaRPr lang="pt-PT" sz="2800" dirty="0"/>
+          </a:p>
+          <a:p>
+            <a:pPr marL="457200" indent="-457200" algn="just">
+              <a:buFont typeface="Arial"/>
+              <a:buChar char="•"/>
+            </a:pPr>
+            <a:r>
+              <a:rPr lang="pt-PT" sz="2800" dirty="0" err="1" smtClean="0"/>
+              <a:t>Concurrent</a:t>
+            </a:r>
+            <a:r>
+              <a:rPr lang="pt-PT" sz="2800" dirty="0" smtClean="0"/>
+              <a:t> </a:t>
+            </a:r>
+            <a:r>
+              <a:rPr lang="pt-PT" sz="2800" dirty="0" err="1" smtClean="0"/>
+              <a:t>application</a:t>
+            </a:r>
+            <a:r>
+              <a:rPr lang="pt-PT" sz="2800" dirty="0" smtClean="0"/>
+              <a:t> </a:t>
+            </a:r>
+            <a:r>
+              <a:rPr lang="pt-PT" sz="2800" dirty="0" err="1" smtClean="0"/>
+              <a:t>execution</a:t>
+            </a:r>
+            <a:r>
+              <a:rPr lang="pt-PT" sz="2800" dirty="0" smtClean="0"/>
+              <a:t>;</a:t>
+            </a:r>
+          </a:p>
+          <a:p>
+            <a:pPr marL="457200" indent="-457200" algn="just">
+              <a:buFont typeface="Arial"/>
+              <a:buChar char="•"/>
+            </a:pPr>
+            <a:endParaRPr lang="pt-PT" sz="2800" dirty="0" smtClean="0"/>
+          </a:p>
+          <a:p>
+            <a:pPr marL="457200" indent="-457200" algn="just">
+              <a:buFont typeface="Arial"/>
+              <a:buChar char="•"/>
+            </a:pPr>
+            <a:r>
+              <a:rPr lang="pt-PT" sz="2800" dirty="0" err="1" smtClean="0"/>
+              <a:t>Support</a:t>
+            </a:r>
+            <a:r>
+              <a:rPr lang="pt-PT" sz="2800" dirty="0" smtClean="0"/>
+              <a:t> </a:t>
+            </a:r>
+            <a:r>
+              <a:rPr lang="pt-PT" sz="2800" dirty="0" err="1" smtClean="0"/>
+              <a:t>variaty</a:t>
+            </a:r>
+            <a:r>
+              <a:rPr lang="pt-PT" sz="2800" dirty="0" smtClean="0"/>
+              <a:t> of </a:t>
+            </a:r>
+            <a:r>
+              <a:rPr lang="pt-PT" sz="2800" dirty="0" err="1" smtClean="0"/>
+              <a:t>applications</a:t>
+            </a:r>
+            <a:r>
+              <a:rPr lang="pt-PT" sz="2800" dirty="0" smtClean="0"/>
+              <a:t> </a:t>
+            </a:r>
+            <a:r>
+              <a:rPr lang="pt-PT" sz="2800" dirty="0" err="1" smtClean="0"/>
+              <a:t>and</a:t>
+            </a:r>
+            <a:r>
+              <a:rPr lang="pt-PT" sz="2800" dirty="0" smtClean="0"/>
+              <a:t> data </a:t>
+            </a:r>
+            <a:r>
+              <a:rPr lang="pt-PT" sz="2800" dirty="0" err="1" smtClean="0"/>
+              <a:t>types</a:t>
+            </a:r>
+            <a:r>
+              <a:rPr lang="pt-PT" sz="2800" dirty="0" smtClean="0"/>
+              <a:t>;</a:t>
+            </a:r>
+          </a:p>
+          <a:p>
+            <a:pPr marL="457200" indent="-457200" algn="just">
+              <a:buFont typeface="Arial"/>
+              <a:buChar char="•"/>
+            </a:pPr>
+            <a:endParaRPr lang="pt-PT" sz="2800" dirty="0"/>
+          </a:p>
+          <a:p>
+            <a:pPr marL="457200" indent="-457200" algn="just">
+              <a:buFont typeface="Arial"/>
+              <a:buChar char="•"/>
+            </a:pPr>
+            <a:r>
+              <a:rPr lang="pt-PT" sz="2800" dirty="0" err="1" smtClean="0"/>
+              <a:t>Fast</a:t>
+            </a:r>
+            <a:r>
+              <a:rPr lang="pt-PT" sz="2800" dirty="0" smtClean="0"/>
+              <a:t> </a:t>
+            </a:r>
+            <a:r>
+              <a:rPr lang="pt-PT" sz="2800" dirty="0" err="1" smtClean="0"/>
+              <a:t>adaptation</a:t>
+            </a:r>
+            <a:r>
+              <a:rPr lang="pt-PT" sz="2800" dirty="0" smtClean="0"/>
+              <a:t>.</a:t>
+            </a:r>
+          </a:p>
+          <a:p>
+            <a:pPr marL="457200" indent="-457200" algn="just">
+              <a:buFont typeface="Arial"/>
+              <a:buChar char="•"/>
+            </a:pPr>
+            <a:endParaRPr lang="pt-PT" sz="2800" dirty="0"/>
+          </a:p>
+          <a:p>
+            <a:pPr algn="just"/>
+            <a:endParaRPr lang="pt-PT" sz="2800" dirty="0"/>
+          </a:p>
+          <a:p>
+            <a:pPr marL="457200" indent="-457200" algn="just">
+              <a:buFont typeface="Arial"/>
+              <a:buChar char="•"/>
+            </a:pPr>
+            <a:endParaRPr lang="pt-PT" sz="2800" dirty="0"/>
+          </a:p>
+        </p:txBody>
+      </p:sp>
+    </p:spTree>
+    <p:extLst>
+      <p:ext uri="{BB962C8B-B14F-4D97-AF65-F5344CB8AC3E}">
+        <p14:creationId xmlns:p14="http://schemas.microsoft.com/office/powerpoint/2010/main" val="1907391904"/>
       </p:ext>
     </p:extLst>
   </p:cSld>

--- a/paper-presentation/cmov-presentation.pptx
+++ b/paper-presentation/cmov-presentation.pptx
@@ -8,6 +8,10 @@
     <p:sldId id="256" r:id="rId2"/>
     <p:sldId id="257" r:id="rId3"/>
     <p:sldId id="258" r:id="rId4"/>
+    <p:sldId id="259" r:id="rId5"/>
+    <p:sldId id="260" r:id="rId6"/>
+    <p:sldId id="261" r:id="rId7"/>
+    <p:sldId id="262" r:id="rId8"/>
   </p:sldIdLst>
   <p:sldSz cx="9144000" cy="6858000" type="screen4x3"/>
   <p:notesSz cx="6858000" cy="9144000"/>
@@ -4006,6 +4010,996 @@
     <p:extLst>
       <p:ext uri="{BB962C8B-B14F-4D97-AF65-F5344CB8AC3E}">
         <p14:creationId xmlns:p14="http://schemas.microsoft.com/office/powerpoint/2010/main" val="1907391904"/>
+      </p:ext>
+    </p:extLst>
+  </p:cSld>
+  <p:clrMapOvr>
+    <a:masterClrMapping/>
+  </p:clrMapOvr>
+  <p:timing>
+    <p:tnLst>
+      <p:par>
+        <p:cTn xmlns:p14="http://schemas.microsoft.com/office/powerpoint/2010/main" id="1" dur="indefinite" restart="never" nodeType="tmRoot"/>
+      </p:par>
+    </p:tnLst>
+  </p:timing>
+</p:sld>
+</file>
+
+<file path=ppt/slides/slide4.xml><?xml version="1.0" encoding="utf-8"?>
+<p:sld xmlns:a="http://schemas.openxmlformats.org/drawingml/2006/main" xmlns:r="http://schemas.openxmlformats.org/officeDocument/2006/relationships" xmlns:p="http://schemas.openxmlformats.org/presentationml/2006/main">
+  <p:cSld>
+    <p:spTree>
+      <p:nvGrpSpPr>
+        <p:cNvPr id="1" name=""/>
+        <p:cNvGrpSpPr/>
+        <p:nvPr/>
+      </p:nvGrpSpPr>
+      <p:grpSpPr>
+        <a:xfrm>
+          <a:off x="0" y="0"/>
+          <a:ext cx="0" cy="0"/>
+          <a:chOff x="0" y="0"/>
+          <a:chExt cx="0" cy="0"/>
+        </a:xfrm>
+      </p:grpSpPr>
+      <p:sp>
+        <p:nvSpPr>
+          <p:cNvPr id="2" name="Title 1"/>
+          <p:cNvSpPr>
+            <a:spLocks noGrp="1"/>
+          </p:cNvSpPr>
+          <p:nvPr>
+            <p:ph type="ctrTitle"/>
+          </p:nvPr>
+        </p:nvSpPr>
+        <p:spPr>
+          <a:xfrm>
+            <a:off x="685800" y="761501"/>
+            <a:ext cx="7772400" cy="1190627"/>
+          </a:xfrm>
+        </p:spPr>
+        <p:txBody>
+          <a:bodyPr/>
+          <a:lstStyle/>
+          <a:p>
+            <a:r>
+              <a:rPr lang="en-US" sz="5000" dirty="0" smtClean="0"/>
+              <a:t>Related work</a:t>
+            </a:r>
+            <a:endParaRPr lang="en-US" sz="5000" dirty="0"/>
+          </a:p>
+        </p:txBody>
+      </p:sp>
+      <p:pic>
+        <p:nvPicPr>
+          <p:cNvPr id="4" name="Picture 3" descr="ist.jpg"/>
+          <p:cNvPicPr>
+            <a:picLocks noChangeAspect="1"/>
+          </p:cNvPicPr>
+          <p:nvPr/>
+        </p:nvPicPr>
+        <p:blipFill>
+          <a:blip r:embed="rId2">
+            <a:extLst>
+              <a:ext uri="{28A0092B-C50C-407E-A947-70E740481C1C}">
+                <a14:useLocalDpi xmlns:a14="http://schemas.microsoft.com/office/drawing/2010/main" val="0"/>
+              </a:ext>
+            </a:extLst>
+          </a:blip>
+          <a:stretch>
+            <a:fillRect/>
+          </a:stretch>
+        </p:blipFill>
+        <p:spPr>
+          <a:xfrm>
+            <a:off x="262396" y="239123"/>
+            <a:ext cx="1949172" cy="857340"/>
+          </a:xfrm>
+          <a:prstGeom prst="rect">
+            <a:avLst/>
+          </a:prstGeom>
+        </p:spPr>
+      </p:pic>
+      <p:sp>
+        <p:nvSpPr>
+          <p:cNvPr id="5" name="TextBox 4"/>
+          <p:cNvSpPr txBox="1"/>
+          <p:nvPr/>
+        </p:nvSpPr>
+        <p:spPr>
+          <a:xfrm>
+            <a:off x="685800" y="2344735"/>
+            <a:ext cx="7772400" cy="1384995"/>
+          </a:xfrm>
+          <a:prstGeom prst="rect">
+            <a:avLst/>
+          </a:prstGeom>
+          <a:noFill/>
+        </p:spPr>
+        <p:txBody>
+          <a:bodyPr wrap="square" rtlCol="0">
+            <a:spAutoFit/>
+          </a:bodyPr>
+          <a:lstStyle/>
+          <a:p>
+            <a:pPr algn="just"/>
+            <a:r>
+              <a:rPr lang="pt-PT" sz="2800" dirty="0" err="1" smtClean="0"/>
+              <a:t>Odyssey</a:t>
+            </a:r>
+            <a:r>
+              <a:rPr lang="pt-PT" sz="2800" dirty="0" smtClean="0"/>
+              <a:t> </a:t>
+            </a:r>
+            <a:r>
+              <a:rPr lang="pt-PT" sz="2800" dirty="0" err="1" smtClean="0"/>
+              <a:t>is</a:t>
+            </a:r>
+            <a:r>
+              <a:rPr lang="pt-PT" sz="2800" dirty="0" smtClean="0"/>
+              <a:t> </a:t>
+            </a:r>
+            <a:r>
+              <a:rPr lang="pt-PT" sz="2800" dirty="0" err="1" smtClean="0"/>
+              <a:t>the</a:t>
+            </a:r>
+            <a:r>
+              <a:rPr lang="pt-PT" sz="2800" dirty="0" smtClean="0"/>
+              <a:t> </a:t>
+            </a:r>
+            <a:r>
+              <a:rPr lang="pt-PT" sz="2800" dirty="0" err="1" smtClean="0"/>
+              <a:t>first</a:t>
+            </a:r>
+            <a:r>
+              <a:rPr lang="pt-PT" sz="2800" dirty="0" smtClean="0"/>
+              <a:t> </a:t>
+            </a:r>
+            <a:r>
+              <a:rPr lang="pt-PT" sz="2800" dirty="0" err="1" smtClean="0"/>
+              <a:t>system</a:t>
+            </a:r>
+            <a:r>
+              <a:rPr lang="pt-PT" sz="2800" dirty="0" smtClean="0"/>
+              <a:t> to </a:t>
+            </a:r>
+            <a:r>
+              <a:rPr lang="pt-PT" sz="2800" dirty="0" err="1" smtClean="0"/>
+              <a:t>simultaneously</a:t>
+            </a:r>
+            <a:r>
+              <a:rPr lang="pt-PT" sz="2800" dirty="0" smtClean="0"/>
+              <a:t> </a:t>
+            </a:r>
+            <a:r>
+              <a:rPr lang="pt-PT" sz="2800" dirty="0" err="1" smtClean="0"/>
+              <a:t>address</a:t>
+            </a:r>
+            <a:r>
+              <a:rPr lang="pt-PT" sz="2800" dirty="0" smtClean="0"/>
+              <a:t> </a:t>
+            </a:r>
+            <a:r>
+              <a:rPr lang="pt-PT" sz="2800" dirty="0" err="1" smtClean="0"/>
+              <a:t>adaptation</a:t>
+            </a:r>
+            <a:r>
+              <a:rPr lang="pt-PT" sz="2800" dirty="0" smtClean="0"/>
+              <a:t> for </a:t>
+            </a:r>
+            <a:r>
+              <a:rPr lang="pt-PT" sz="2800" dirty="0" err="1" smtClean="0"/>
+              <a:t>mobility</a:t>
+            </a:r>
+            <a:r>
+              <a:rPr lang="pt-PT" sz="2800" dirty="0" smtClean="0"/>
+              <a:t>, </a:t>
+            </a:r>
+            <a:r>
+              <a:rPr lang="pt-PT" sz="2800" dirty="0" err="1" smtClean="0"/>
+              <a:t>application</a:t>
+            </a:r>
+            <a:r>
+              <a:rPr lang="pt-PT" sz="2800" dirty="0" smtClean="0"/>
+              <a:t> </a:t>
+            </a:r>
+            <a:r>
+              <a:rPr lang="pt-PT" sz="2800" dirty="0" err="1" smtClean="0"/>
+              <a:t>diversity</a:t>
+            </a:r>
+            <a:r>
+              <a:rPr lang="pt-PT" sz="2800" dirty="0" smtClean="0"/>
+              <a:t> </a:t>
+            </a:r>
+            <a:r>
+              <a:rPr lang="pt-PT" sz="2800" dirty="0" err="1" smtClean="0"/>
+              <a:t>and</a:t>
+            </a:r>
+            <a:r>
+              <a:rPr lang="pt-PT" sz="2800" dirty="0" smtClean="0"/>
+              <a:t> </a:t>
+            </a:r>
+            <a:r>
+              <a:rPr lang="pt-PT" sz="2800" dirty="0" err="1" smtClean="0"/>
+              <a:t>application</a:t>
+            </a:r>
+            <a:r>
+              <a:rPr lang="pt-PT" sz="2800" dirty="0" smtClean="0"/>
+              <a:t> </a:t>
+            </a:r>
+            <a:r>
+              <a:rPr lang="pt-PT" sz="2800" dirty="0" err="1" smtClean="0"/>
+              <a:t>concurrency</a:t>
+            </a:r>
+            <a:r>
+              <a:rPr lang="pt-PT" sz="2800" dirty="0" smtClean="0"/>
+              <a:t>.</a:t>
+            </a:r>
+            <a:endParaRPr lang="pt-PT" sz="2800" dirty="0"/>
+          </a:p>
+        </p:txBody>
+      </p:sp>
+    </p:spTree>
+    <p:extLst>
+      <p:ext uri="{BB962C8B-B14F-4D97-AF65-F5344CB8AC3E}">
+        <p14:creationId xmlns:p14="http://schemas.microsoft.com/office/powerpoint/2010/main" val="2030079067"/>
+      </p:ext>
+    </p:extLst>
+  </p:cSld>
+  <p:clrMapOvr>
+    <a:masterClrMapping/>
+  </p:clrMapOvr>
+  <p:timing>
+    <p:tnLst>
+      <p:par>
+        <p:cTn xmlns:p14="http://schemas.microsoft.com/office/powerpoint/2010/main" id="1" dur="indefinite" restart="never" nodeType="tmRoot"/>
+      </p:par>
+    </p:tnLst>
+  </p:timing>
+</p:sld>
+</file>
+
+<file path=ppt/slides/slide5.xml><?xml version="1.0" encoding="utf-8"?>
+<p:sld xmlns:a="http://schemas.openxmlformats.org/drawingml/2006/main" xmlns:r="http://schemas.openxmlformats.org/officeDocument/2006/relationships" xmlns:p="http://schemas.openxmlformats.org/presentationml/2006/main">
+  <p:cSld>
+    <p:spTree>
+      <p:nvGrpSpPr>
+        <p:cNvPr id="1" name=""/>
+        <p:cNvGrpSpPr/>
+        <p:nvPr/>
+      </p:nvGrpSpPr>
+      <p:grpSpPr>
+        <a:xfrm>
+          <a:off x="0" y="0"/>
+          <a:ext cx="0" cy="0"/>
+          <a:chOff x="0" y="0"/>
+          <a:chExt cx="0" cy="0"/>
+        </a:xfrm>
+      </p:grpSpPr>
+      <p:sp>
+        <p:nvSpPr>
+          <p:cNvPr id="2" name="Title 1"/>
+          <p:cNvSpPr>
+            <a:spLocks noGrp="1"/>
+          </p:cNvSpPr>
+          <p:nvPr>
+            <p:ph type="ctrTitle"/>
+          </p:nvPr>
+        </p:nvSpPr>
+        <p:spPr>
+          <a:xfrm>
+            <a:off x="685800" y="761501"/>
+            <a:ext cx="7772400" cy="1190627"/>
+          </a:xfrm>
+        </p:spPr>
+        <p:txBody>
+          <a:bodyPr/>
+          <a:lstStyle/>
+          <a:p>
+            <a:r>
+              <a:rPr lang="en-US" sz="5000" dirty="0" smtClean="0"/>
+              <a:t>M</a:t>
+            </a:r>
+            <a:r>
+              <a:rPr lang="en-US" sz="5000" dirty="0" smtClean="0"/>
+              <a:t>o</a:t>
+            </a:r>
+            <a:r>
+              <a:rPr lang="en-US" sz="5000" dirty="0" smtClean="0"/>
+              <a:t>dels of adaptation</a:t>
+            </a:r>
+            <a:endParaRPr lang="en-US" sz="5000" dirty="0"/>
+          </a:p>
+        </p:txBody>
+      </p:sp>
+      <p:pic>
+        <p:nvPicPr>
+          <p:cNvPr id="4" name="Picture 3" descr="ist.jpg"/>
+          <p:cNvPicPr>
+            <a:picLocks noChangeAspect="1"/>
+          </p:cNvPicPr>
+          <p:nvPr/>
+        </p:nvPicPr>
+        <p:blipFill>
+          <a:blip r:embed="rId2">
+            <a:extLst>
+              <a:ext uri="{28A0092B-C50C-407E-A947-70E740481C1C}">
+                <a14:useLocalDpi xmlns:a14="http://schemas.microsoft.com/office/drawing/2010/main" val="0"/>
+              </a:ext>
+            </a:extLst>
+          </a:blip>
+          <a:stretch>
+            <a:fillRect/>
+          </a:stretch>
+        </p:blipFill>
+        <p:spPr>
+          <a:xfrm>
+            <a:off x="262396" y="239123"/>
+            <a:ext cx="1949172" cy="857340"/>
+          </a:xfrm>
+          <a:prstGeom prst="rect">
+            <a:avLst/>
+          </a:prstGeom>
+        </p:spPr>
+      </p:pic>
+      <p:sp>
+        <p:nvSpPr>
+          <p:cNvPr id="5" name="TextBox 4"/>
+          <p:cNvSpPr txBox="1"/>
+          <p:nvPr/>
+        </p:nvSpPr>
+        <p:spPr>
+          <a:xfrm>
+            <a:off x="685800" y="2091695"/>
+            <a:ext cx="7772400" cy="3108544"/>
+          </a:xfrm>
+          <a:prstGeom prst="rect">
+            <a:avLst/>
+          </a:prstGeom>
+          <a:noFill/>
+        </p:spPr>
+        <p:txBody>
+          <a:bodyPr wrap="square" rtlCol="0">
+            <a:spAutoFit/>
+          </a:bodyPr>
+          <a:lstStyle/>
+          <a:p>
+            <a:pPr algn="just"/>
+            <a:r>
+              <a:rPr lang="pt-PT" sz="2800" dirty="0" err="1" smtClean="0"/>
+              <a:t>Who</a:t>
+            </a:r>
+            <a:r>
+              <a:rPr lang="pt-PT" sz="2800" dirty="0" smtClean="0"/>
+              <a:t> </a:t>
+            </a:r>
+            <a:r>
+              <a:rPr lang="pt-PT" sz="2800" dirty="0" err="1" smtClean="0"/>
+              <a:t>is</a:t>
+            </a:r>
+            <a:r>
+              <a:rPr lang="pt-PT" sz="2800" dirty="0" smtClean="0"/>
+              <a:t> </a:t>
+            </a:r>
+            <a:r>
+              <a:rPr lang="pt-PT" sz="2800" dirty="0" err="1" smtClean="0"/>
+              <a:t>responsible</a:t>
+            </a:r>
+            <a:r>
+              <a:rPr lang="pt-PT" sz="2800" dirty="0" smtClean="0"/>
+              <a:t> for </a:t>
+            </a:r>
+            <a:r>
+              <a:rPr lang="pt-PT" sz="2800" dirty="0" err="1" smtClean="0"/>
+              <a:t>adaptation</a:t>
+            </a:r>
+            <a:r>
+              <a:rPr lang="pt-PT" sz="2800" dirty="0" smtClean="0"/>
+              <a:t>?</a:t>
+            </a:r>
+          </a:p>
+          <a:p>
+            <a:pPr algn="just"/>
+            <a:endParaRPr lang="pt-PT" sz="2800" dirty="0"/>
+          </a:p>
+          <a:p>
+            <a:pPr marL="914400" lvl="1" indent="-457200" algn="just">
+              <a:buFont typeface="Arial"/>
+              <a:buChar char="•"/>
+            </a:pPr>
+            <a:r>
+              <a:rPr lang="pt-PT" sz="2800" dirty="0" smtClean="0"/>
+              <a:t>Individual </a:t>
+            </a:r>
+            <a:r>
+              <a:rPr lang="pt-PT" sz="2800" dirty="0" err="1" smtClean="0"/>
+              <a:t>applications</a:t>
+            </a:r>
+            <a:r>
+              <a:rPr lang="pt-PT" sz="2800" dirty="0" smtClean="0"/>
+              <a:t> (Eudora);</a:t>
+            </a:r>
+          </a:p>
+          <a:p>
+            <a:pPr marL="914400" lvl="1" indent="-457200" algn="just">
+              <a:buFont typeface="Arial"/>
+              <a:buChar char="•"/>
+            </a:pPr>
+            <a:r>
+              <a:rPr lang="pt-PT" sz="2800" dirty="0" err="1" smtClean="0"/>
+              <a:t>The</a:t>
+            </a:r>
+            <a:r>
+              <a:rPr lang="pt-PT" sz="2800" dirty="0" smtClean="0"/>
+              <a:t> </a:t>
+            </a:r>
+            <a:r>
+              <a:rPr lang="pt-PT" sz="2800" dirty="0" err="1" smtClean="0"/>
+              <a:t>system</a:t>
+            </a:r>
+            <a:r>
+              <a:rPr lang="pt-PT" sz="2800" dirty="0" smtClean="0"/>
+              <a:t> (Coda);</a:t>
+            </a:r>
+          </a:p>
+          <a:p>
+            <a:pPr marL="914400" lvl="1" indent="-457200" algn="just">
+              <a:buFont typeface="Arial"/>
+              <a:buChar char="•"/>
+            </a:pPr>
+            <a:r>
+              <a:rPr lang="pt-PT" sz="2800" dirty="0" smtClean="0"/>
+              <a:t>Both (</a:t>
+            </a:r>
+            <a:r>
+              <a:rPr lang="pt-PT" sz="2800" dirty="0" err="1"/>
+              <a:t>O</a:t>
+            </a:r>
+            <a:r>
+              <a:rPr lang="pt-PT" sz="2800" dirty="0" err="1" smtClean="0"/>
+              <a:t>dyssey</a:t>
+            </a:r>
+            <a:r>
+              <a:rPr lang="pt-PT" sz="2800" dirty="0" smtClean="0"/>
+              <a:t>);</a:t>
+            </a:r>
+          </a:p>
+          <a:p>
+            <a:pPr marL="914400" lvl="1" indent="-457200" algn="just">
+              <a:buFont typeface="Arial"/>
+              <a:buChar char="•"/>
+            </a:pPr>
+            <a:endParaRPr lang="pt-PT" sz="2800" dirty="0" smtClean="0"/>
+          </a:p>
+          <a:p>
+            <a:pPr marL="914400" lvl="1" indent="-457200" algn="just">
+              <a:buFont typeface="Arial"/>
+              <a:buChar char="•"/>
+            </a:pPr>
+            <a:r>
+              <a:rPr lang="pt-PT" sz="2800" dirty="0" smtClean="0"/>
+              <a:t>	</a:t>
+            </a:r>
+            <a:endParaRPr lang="pt-PT" sz="2800" dirty="0"/>
+          </a:p>
+        </p:txBody>
+      </p:sp>
+      <p:pic>
+        <p:nvPicPr>
+          <p:cNvPr id="3" name="Picture 2" descr="Captura de ecrã 2015-03-21, às 16.37.29.png"/>
+          <p:cNvPicPr>
+            <a:picLocks noChangeAspect="1"/>
+          </p:cNvPicPr>
+          <p:nvPr/>
+        </p:nvPicPr>
+        <p:blipFill>
+          <a:blip r:embed="rId3">
+            <a:extLst>
+              <a:ext uri="{28A0092B-C50C-407E-A947-70E740481C1C}">
+                <a14:useLocalDpi xmlns:a14="http://schemas.microsoft.com/office/drawing/2010/main" val="0"/>
+              </a:ext>
+            </a:extLst>
+          </a:blip>
+          <a:stretch>
+            <a:fillRect/>
+          </a:stretch>
+        </p:blipFill>
+        <p:spPr>
+          <a:xfrm>
+            <a:off x="796917" y="4529117"/>
+            <a:ext cx="7661283" cy="2328883"/>
+          </a:xfrm>
+          <a:prstGeom prst="rect">
+            <a:avLst/>
+          </a:prstGeom>
+        </p:spPr>
+      </p:pic>
+    </p:spTree>
+    <p:extLst>
+      <p:ext uri="{BB962C8B-B14F-4D97-AF65-F5344CB8AC3E}">
+        <p14:creationId xmlns:p14="http://schemas.microsoft.com/office/powerpoint/2010/main" val="620552252"/>
+      </p:ext>
+    </p:extLst>
+  </p:cSld>
+  <p:clrMapOvr>
+    <a:masterClrMapping/>
+  </p:clrMapOvr>
+  <p:timing>
+    <p:tnLst>
+      <p:par>
+        <p:cTn xmlns:p14="http://schemas.microsoft.com/office/powerpoint/2010/main" id="1" dur="indefinite" restart="never" nodeType="tmRoot"/>
+      </p:par>
+    </p:tnLst>
+  </p:timing>
+</p:sld>
+</file>
+
+<file path=ppt/slides/slide6.xml><?xml version="1.0" encoding="utf-8"?>
+<p:sld xmlns:a="http://schemas.openxmlformats.org/drawingml/2006/main" xmlns:r="http://schemas.openxmlformats.org/officeDocument/2006/relationships" xmlns:p="http://schemas.openxmlformats.org/presentationml/2006/main">
+  <p:cSld>
+    <p:spTree>
+      <p:nvGrpSpPr>
+        <p:cNvPr id="1" name=""/>
+        <p:cNvGrpSpPr/>
+        <p:nvPr/>
+      </p:nvGrpSpPr>
+      <p:grpSpPr>
+        <a:xfrm>
+          <a:off x="0" y="0"/>
+          <a:ext cx="0" cy="0"/>
+          <a:chOff x="0" y="0"/>
+          <a:chExt cx="0" cy="0"/>
+        </a:xfrm>
+      </p:grpSpPr>
+      <p:sp>
+        <p:nvSpPr>
+          <p:cNvPr id="2" name="Title 1"/>
+          <p:cNvSpPr>
+            <a:spLocks noGrp="1"/>
+          </p:cNvSpPr>
+          <p:nvPr>
+            <p:ph type="ctrTitle"/>
+          </p:nvPr>
+        </p:nvSpPr>
+        <p:spPr>
+          <a:xfrm>
+            <a:off x="685800" y="761501"/>
+            <a:ext cx="7772400" cy="1190627"/>
+          </a:xfrm>
+        </p:spPr>
+        <p:txBody>
+          <a:bodyPr/>
+          <a:lstStyle/>
+          <a:p>
+            <a:r>
+              <a:rPr lang="pt-PT" sz="5000" dirty="0" err="1" smtClean="0"/>
+              <a:t>Pro</a:t>
+            </a:r>
+            <a:r>
+              <a:rPr lang="pt-PT" sz="5000" dirty="0" err="1" smtClean="0"/>
+              <a:t>perties</a:t>
+            </a:r>
+            <a:endParaRPr lang="en-US" sz="5000" dirty="0"/>
+          </a:p>
+        </p:txBody>
+      </p:sp>
+      <p:pic>
+        <p:nvPicPr>
+          <p:cNvPr id="4" name="Picture 3" descr="ist.jpg"/>
+          <p:cNvPicPr>
+            <a:picLocks noChangeAspect="1"/>
+          </p:cNvPicPr>
+          <p:nvPr/>
+        </p:nvPicPr>
+        <p:blipFill>
+          <a:blip r:embed="rId2">
+            <a:extLst>
+              <a:ext uri="{28A0092B-C50C-407E-A947-70E740481C1C}">
+                <a14:useLocalDpi xmlns:a14="http://schemas.microsoft.com/office/drawing/2010/main" val="0"/>
+              </a:ext>
+            </a:extLst>
+          </a:blip>
+          <a:stretch>
+            <a:fillRect/>
+          </a:stretch>
+        </p:blipFill>
+        <p:spPr>
+          <a:xfrm>
+            <a:off x="262396" y="239123"/>
+            <a:ext cx="1949172" cy="857340"/>
+          </a:xfrm>
+          <a:prstGeom prst="rect">
+            <a:avLst/>
+          </a:prstGeom>
+        </p:spPr>
+      </p:pic>
+      <p:sp>
+        <p:nvSpPr>
+          <p:cNvPr id="5" name="TextBox 4"/>
+          <p:cNvSpPr txBox="1"/>
+          <p:nvPr/>
+        </p:nvSpPr>
+        <p:spPr>
+          <a:xfrm>
+            <a:off x="685800" y="2091695"/>
+            <a:ext cx="7772400" cy="3539431"/>
+          </a:xfrm>
+          <a:prstGeom prst="rect">
+            <a:avLst/>
+          </a:prstGeom>
+          <a:noFill/>
+        </p:spPr>
+        <p:txBody>
+          <a:bodyPr wrap="square" rtlCol="0">
+            <a:spAutoFit/>
+          </a:bodyPr>
+          <a:lstStyle/>
+          <a:p>
+            <a:pPr algn="just"/>
+            <a:r>
+              <a:rPr lang="pt-PT" sz="2800" b="1" dirty="0" err="1" smtClean="0"/>
+              <a:t>Fidelity</a:t>
+            </a:r>
+            <a:r>
+              <a:rPr lang="pt-PT" sz="2800" b="1" dirty="0" smtClean="0"/>
+              <a:t>: </a:t>
+            </a:r>
+            <a:r>
+              <a:rPr lang="pt-PT" sz="2800" dirty="0" err="1" smtClean="0"/>
+              <a:t>the</a:t>
+            </a:r>
+            <a:r>
+              <a:rPr lang="pt-PT" sz="2800" dirty="0" smtClean="0"/>
+              <a:t> </a:t>
+            </a:r>
+            <a:r>
+              <a:rPr lang="pt-PT" sz="2800" dirty="0" err="1" smtClean="0"/>
+              <a:t>degree</a:t>
+            </a:r>
+            <a:r>
+              <a:rPr lang="pt-PT" sz="2800" dirty="0" smtClean="0"/>
+              <a:t> to </a:t>
+            </a:r>
+            <a:r>
+              <a:rPr lang="pt-PT" sz="2800" dirty="0" err="1" smtClean="0"/>
+              <a:t>which</a:t>
+            </a:r>
+            <a:r>
+              <a:rPr lang="pt-PT" sz="2800" dirty="0" smtClean="0"/>
+              <a:t> data </a:t>
+            </a:r>
+            <a:r>
+              <a:rPr lang="pt-PT" sz="2800" dirty="0" err="1" smtClean="0"/>
+              <a:t>presented</a:t>
+            </a:r>
+            <a:r>
+              <a:rPr lang="pt-PT" sz="2800" dirty="0" smtClean="0"/>
+              <a:t> </a:t>
+            </a:r>
+            <a:r>
+              <a:rPr lang="pt-PT" sz="2800" dirty="0" err="1" smtClean="0"/>
+              <a:t>at</a:t>
+            </a:r>
+            <a:r>
+              <a:rPr lang="pt-PT" sz="2800" dirty="0" smtClean="0"/>
+              <a:t> a </a:t>
+            </a:r>
+            <a:r>
+              <a:rPr lang="pt-PT" sz="2800" dirty="0" err="1" smtClean="0"/>
+              <a:t>client</a:t>
+            </a:r>
+            <a:r>
+              <a:rPr lang="pt-PT" sz="2800" dirty="0" smtClean="0"/>
+              <a:t> matches </a:t>
+            </a:r>
+            <a:r>
+              <a:rPr lang="pt-PT" sz="2800" dirty="0" err="1" smtClean="0"/>
+              <a:t>the</a:t>
+            </a:r>
+            <a:r>
+              <a:rPr lang="pt-PT" sz="2800" dirty="0" smtClean="0"/>
+              <a:t> </a:t>
+            </a:r>
+            <a:r>
+              <a:rPr lang="pt-PT" sz="2800" dirty="0" err="1" smtClean="0"/>
+              <a:t>reference</a:t>
+            </a:r>
+            <a:r>
+              <a:rPr lang="pt-PT" sz="2800" dirty="0" smtClean="0"/>
+              <a:t> </a:t>
+            </a:r>
+            <a:r>
+              <a:rPr lang="pt-PT" sz="2800" dirty="0" err="1" smtClean="0"/>
+              <a:t>copy</a:t>
+            </a:r>
+            <a:r>
+              <a:rPr lang="pt-PT" sz="2800" dirty="0" smtClean="0"/>
+              <a:t> </a:t>
+            </a:r>
+            <a:r>
+              <a:rPr lang="pt-PT" sz="2800" dirty="0" err="1" smtClean="0"/>
+              <a:t>at</a:t>
+            </a:r>
+            <a:r>
+              <a:rPr lang="pt-PT" sz="2800" dirty="0" smtClean="0"/>
+              <a:t> </a:t>
+            </a:r>
+            <a:r>
+              <a:rPr lang="pt-PT" sz="2800" dirty="0" err="1" smtClean="0"/>
+              <a:t>the</a:t>
+            </a:r>
+            <a:r>
+              <a:rPr lang="pt-PT" sz="2800" dirty="0" smtClean="0"/>
+              <a:t> server.</a:t>
+            </a:r>
+          </a:p>
+          <a:p>
+            <a:pPr algn="just"/>
+            <a:endParaRPr lang="pt-PT" sz="2800" b="1" dirty="0"/>
+          </a:p>
+          <a:p>
+            <a:pPr algn="just"/>
+            <a:r>
+              <a:rPr lang="pt-PT" sz="2800" b="1" dirty="0" err="1" smtClean="0"/>
+              <a:t>Concurrency</a:t>
+            </a:r>
+            <a:r>
+              <a:rPr lang="pt-PT" sz="2800" b="1" dirty="0" smtClean="0"/>
+              <a:t>: </a:t>
+            </a:r>
+            <a:r>
+              <a:rPr lang="pt-PT" sz="2800" dirty="0" err="1" smtClean="0"/>
+              <a:t>ability</a:t>
+            </a:r>
+            <a:r>
+              <a:rPr lang="pt-PT" sz="2800" dirty="0" smtClean="0"/>
+              <a:t> to execute </a:t>
+            </a:r>
+            <a:r>
+              <a:rPr lang="pt-PT" sz="2800" dirty="0" err="1" smtClean="0"/>
+              <a:t>multiple</a:t>
+            </a:r>
+            <a:r>
+              <a:rPr lang="pt-PT" sz="2800" dirty="0" smtClean="0"/>
+              <a:t> </a:t>
+            </a:r>
+            <a:r>
+              <a:rPr lang="pt-PT" sz="2800" dirty="0" err="1" smtClean="0"/>
+              <a:t>independent</a:t>
+            </a:r>
+            <a:r>
+              <a:rPr lang="pt-PT" sz="2800" dirty="0" smtClean="0"/>
+              <a:t> </a:t>
+            </a:r>
+            <a:r>
+              <a:rPr lang="pt-PT" sz="2800" dirty="0" err="1" smtClean="0"/>
+              <a:t>applications</a:t>
+            </a:r>
+            <a:r>
+              <a:rPr lang="pt-PT" sz="2800" dirty="0" smtClean="0"/>
+              <a:t> </a:t>
+            </a:r>
+            <a:r>
+              <a:rPr lang="pt-PT" sz="2800" dirty="0" err="1" smtClean="0"/>
+              <a:t>on</a:t>
+            </a:r>
+            <a:r>
+              <a:rPr lang="pt-PT" sz="2800" dirty="0" smtClean="0"/>
+              <a:t> a mobile </a:t>
+            </a:r>
+            <a:r>
+              <a:rPr lang="pt-PT" sz="2800" dirty="0" err="1" smtClean="0"/>
+              <a:t>client</a:t>
+            </a:r>
+            <a:r>
+              <a:rPr lang="pt-PT" sz="2800" dirty="0" smtClean="0"/>
+              <a:t> </a:t>
+            </a:r>
+            <a:r>
+              <a:rPr lang="pt-PT" sz="2800" dirty="0" err="1" smtClean="0"/>
+              <a:t>concurrently</a:t>
+            </a:r>
+            <a:r>
+              <a:rPr lang="pt-PT" sz="2800" dirty="0" smtClean="0"/>
+              <a:t>.</a:t>
+            </a:r>
+          </a:p>
+          <a:p>
+            <a:pPr algn="just"/>
+            <a:endParaRPr lang="pt-PT" sz="2800" b="1" dirty="0"/>
+          </a:p>
+          <a:p>
+            <a:pPr algn="just"/>
+            <a:r>
+              <a:rPr lang="pt-PT" sz="2800" b="1" dirty="0" err="1" smtClean="0"/>
+              <a:t>Agility</a:t>
+            </a:r>
+            <a:r>
+              <a:rPr lang="pt-PT" sz="2800" b="1" dirty="0" smtClean="0"/>
+              <a:t>: </a:t>
+            </a:r>
+            <a:r>
+              <a:rPr lang="pt-PT" sz="2800" dirty="0" err="1" smtClean="0"/>
+              <a:t>detect</a:t>
+            </a:r>
+            <a:r>
+              <a:rPr lang="pt-PT" sz="2800" dirty="0" smtClean="0"/>
+              <a:t> </a:t>
+            </a:r>
+            <a:r>
+              <a:rPr lang="pt-PT" sz="2800" dirty="0" err="1" smtClean="0"/>
+              <a:t>and</a:t>
+            </a:r>
+            <a:r>
+              <a:rPr lang="pt-PT" sz="2800" dirty="0" smtClean="0"/>
+              <a:t> </a:t>
+            </a:r>
+            <a:r>
+              <a:rPr lang="pt-PT" sz="2800" dirty="0" err="1" smtClean="0"/>
+              <a:t>respond</a:t>
+            </a:r>
+            <a:r>
+              <a:rPr lang="pt-PT" sz="2800" dirty="0" smtClean="0"/>
+              <a:t> to </a:t>
+            </a:r>
+            <a:r>
+              <a:rPr lang="pt-PT" sz="2800" dirty="0" err="1" smtClean="0"/>
+              <a:t>change</a:t>
+            </a:r>
+            <a:r>
+              <a:rPr lang="pt-PT" sz="2800" dirty="0" smtClean="0"/>
+              <a:t> </a:t>
+            </a:r>
+            <a:r>
+              <a:rPr lang="pt-PT" sz="2800" dirty="0" err="1" smtClean="0"/>
+              <a:t>quickly</a:t>
+            </a:r>
+            <a:r>
+              <a:rPr lang="pt-PT" sz="2800" dirty="0" smtClean="0"/>
+              <a:t>.</a:t>
+            </a:r>
+            <a:endParaRPr lang="pt-PT" sz="2800" b="1" dirty="0"/>
+          </a:p>
+        </p:txBody>
+      </p:sp>
+    </p:spTree>
+    <p:extLst>
+      <p:ext uri="{BB962C8B-B14F-4D97-AF65-F5344CB8AC3E}">
+        <p14:creationId xmlns:p14="http://schemas.microsoft.com/office/powerpoint/2010/main" val="4167824462"/>
+      </p:ext>
+    </p:extLst>
+  </p:cSld>
+  <p:clrMapOvr>
+    <a:masterClrMapping/>
+  </p:clrMapOvr>
+  <p:timing>
+    <p:tnLst>
+      <p:par>
+        <p:cTn xmlns:p14="http://schemas.microsoft.com/office/powerpoint/2010/main" id="1" dur="indefinite" restart="never" nodeType="tmRoot"/>
+      </p:par>
+    </p:tnLst>
+  </p:timing>
+</p:sld>
+</file>
+
+<file path=ppt/slides/slide7.xml><?xml version="1.0" encoding="utf-8"?>
+<p:sld xmlns:a="http://schemas.openxmlformats.org/drawingml/2006/main" xmlns:r="http://schemas.openxmlformats.org/officeDocument/2006/relationships" xmlns:p="http://schemas.openxmlformats.org/presentationml/2006/main">
+  <p:cSld>
+    <p:spTree>
+      <p:nvGrpSpPr>
+        <p:cNvPr id="1" name=""/>
+        <p:cNvGrpSpPr/>
+        <p:nvPr/>
+      </p:nvGrpSpPr>
+      <p:grpSpPr>
+        <a:xfrm>
+          <a:off x="0" y="0"/>
+          <a:ext cx="0" cy="0"/>
+          <a:chOff x="0" y="0"/>
+          <a:chExt cx="0" cy="0"/>
+        </a:xfrm>
+      </p:grpSpPr>
+      <p:sp>
+        <p:nvSpPr>
+          <p:cNvPr id="2" name="Title 1"/>
+          <p:cNvSpPr>
+            <a:spLocks noGrp="1"/>
+          </p:cNvSpPr>
+          <p:nvPr>
+            <p:ph type="ctrTitle"/>
+          </p:nvPr>
+        </p:nvSpPr>
+        <p:spPr>
+          <a:xfrm>
+            <a:off x="685800" y="761501"/>
+            <a:ext cx="7772400" cy="1190627"/>
+          </a:xfrm>
+        </p:spPr>
+        <p:txBody>
+          <a:bodyPr/>
+          <a:lstStyle/>
+          <a:p>
+            <a:r>
+              <a:rPr lang="pt-PT" sz="5000" dirty="0" err="1" smtClean="0"/>
+              <a:t>Odyssey</a:t>
+            </a:r>
+            <a:r>
+              <a:rPr lang="pt-PT" sz="5000" dirty="0" smtClean="0"/>
+              <a:t> </a:t>
+            </a:r>
+            <a:r>
+              <a:rPr lang="pt-PT" sz="5000" dirty="0" err="1" smtClean="0"/>
+              <a:t>architecture</a:t>
+            </a:r>
+            <a:endParaRPr lang="en-US" sz="5000" dirty="0"/>
+          </a:p>
+        </p:txBody>
+      </p:sp>
+      <p:pic>
+        <p:nvPicPr>
+          <p:cNvPr id="4" name="Picture 3" descr="ist.jpg"/>
+          <p:cNvPicPr>
+            <a:picLocks noChangeAspect="1"/>
+          </p:cNvPicPr>
+          <p:nvPr/>
+        </p:nvPicPr>
+        <p:blipFill>
+          <a:blip r:embed="rId2">
+            <a:extLst>
+              <a:ext uri="{28A0092B-C50C-407E-A947-70E740481C1C}">
+                <a14:useLocalDpi xmlns:a14="http://schemas.microsoft.com/office/drawing/2010/main" val="0"/>
+              </a:ext>
+            </a:extLst>
+          </a:blip>
+          <a:stretch>
+            <a:fillRect/>
+          </a:stretch>
+        </p:blipFill>
+        <p:spPr>
+          <a:xfrm>
+            <a:off x="262396" y="239123"/>
+            <a:ext cx="1949172" cy="857340"/>
+          </a:xfrm>
+          <a:prstGeom prst="rect">
+            <a:avLst/>
+          </a:prstGeom>
+        </p:spPr>
+      </p:pic>
+      <p:pic>
+        <p:nvPicPr>
+          <p:cNvPr id="6" name="Picture 5" descr="Captura de ecrã 2015-03-21, às 16.48.08.png"/>
+          <p:cNvPicPr>
+            <a:picLocks noChangeAspect="1"/>
+          </p:cNvPicPr>
+          <p:nvPr/>
+        </p:nvPicPr>
+        <p:blipFill>
+          <a:blip r:embed="rId3">
+            <a:extLst>
+              <a:ext uri="{28A0092B-C50C-407E-A947-70E740481C1C}">
+                <a14:useLocalDpi xmlns:a14="http://schemas.microsoft.com/office/drawing/2010/main" val="0"/>
+              </a:ext>
+            </a:extLst>
+          </a:blip>
+          <a:stretch>
+            <a:fillRect/>
+          </a:stretch>
+        </p:blipFill>
+        <p:spPr>
+          <a:xfrm>
+            <a:off x="1977536" y="2222267"/>
+            <a:ext cx="5187655" cy="4072952"/>
+          </a:xfrm>
+          <a:prstGeom prst="rect">
+            <a:avLst/>
+          </a:prstGeom>
+        </p:spPr>
+      </p:pic>
+    </p:spTree>
+    <p:extLst>
+      <p:ext uri="{BB962C8B-B14F-4D97-AF65-F5344CB8AC3E}">
+        <p14:creationId xmlns:p14="http://schemas.microsoft.com/office/powerpoint/2010/main" val="2577862220"/>
       </p:ext>
     </p:extLst>
   </p:cSld>

--- a/paper-presentation/cmov-presentation.pptx
+++ b/paper-presentation/cmov-presentation.pptx
@@ -12,6 +12,12 @@
     <p:sldId id="260" r:id="rId6"/>
     <p:sldId id="261" r:id="rId7"/>
     <p:sldId id="262" r:id="rId8"/>
+    <p:sldId id="263" r:id="rId9"/>
+    <p:sldId id="264" r:id="rId10"/>
+    <p:sldId id="265" r:id="rId11"/>
+    <p:sldId id="266" r:id="rId12"/>
+    <p:sldId id="267" r:id="rId13"/>
+    <p:sldId id="268" r:id="rId14"/>
   </p:sldIdLst>
   <p:sldSz cx="9144000" cy="6858000" type="screen4x3"/>
   <p:notesSz cx="6858000" cy="9144000"/>
@@ -3402,6 +3408,592 @@
 </p:sld>
 </file>
 
+<file path=ppt/slides/slide10.xml><?xml version="1.0" encoding="utf-8"?>
+<p:sld xmlns:a="http://schemas.openxmlformats.org/drawingml/2006/main" xmlns:r="http://schemas.openxmlformats.org/officeDocument/2006/relationships" xmlns:p="http://schemas.openxmlformats.org/presentationml/2006/main">
+  <p:cSld>
+    <p:spTree>
+      <p:nvGrpSpPr>
+        <p:cNvPr id="1" name=""/>
+        <p:cNvGrpSpPr/>
+        <p:nvPr/>
+      </p:nvGrpSpPr>
+      <p:grpSpPr>
+        <a:xfrm>
+          <a:off x="0" y="0"/>
+          <a:ext cx="0" cy="0"/>
+          <a:chOff x="0" y="0"/>
+          <a:chExt cx="0" cy="0"/>
+        </a:xfrm>
+      </p:grpSpPr>
+      <p:sp>
+        <p:nvSpPr>
+          <p:cNvPr id="2" name="Title 1"/>
+          <p:cNvSpPr>
+            <a:spLocks noGrp="1"/>
+          </p:cNvSpPr>
+          <p:nvPr>
+            <p:ph type="ctrTitle"/>
+          </p:nvPr>
+        </p:nvSpPr>
+        <p:spPr>
+          <a:xfrm>
+            <a:off x="685800" y="761501"/>
+            <a:ext cx="7772400" cy="1190627"/>
+          </a:xfrm>
+        </p:spPr>
+        <p:txBody>
+          <a:bodyPr/>
+          <a:lstStyle/>
+          <a:p>
+            <a:r>
+              <a:rPr lang="pt-PT" sz="5000" dirty="0" err="1" smtClean="0"/>
+              <a:t>Video</a:t>
+            </a:r>
+            <a:r>
+              <a:rPr lang="pt-PT" sz="5000" dirty="0" smtClean="0"/>
+              <a:t> </a:t>
+            </a:r>
+            <a:r>
+              <a:rPr lang="pt-PT" sz="5000" dirty="0" err="1" smtClean="0"/>
+              <a:t>player</a:t>
+            </a:r>
+            <a:endParaRPr lang="en-US" sz="5000" dirty="0"/>
+          </a:p>
+        </p:txBody>
+      </p:sp>
+      <p:pic>
+        <p:nvPicPr>
+          <p:cNvPr id="4" name="Picture 3" descr="ist.jpg"/>
+          <p:cNvPicPr>
+            <a:picLocks noChangeAspect="1"/>
+          </p:cNvPicPr>
+          <p:nvPr/>
+        </p:nvPicPr>
+        <p:blipFill>
+          <a:blip r:embed="rId2">
+            <a:extLst>
+              <a:ext uri="{28A0092B-C50C-407E-A947-70E740481C1C}">
+                <a14:useLocalDpi xmlns:a14="http://schemas.microsoft.com/office/drawing/2010/main" val="0"/>
+              </a:ext>
+            </a:extLst>
+          </a:blip>
+          <a:stretch>
+            <a:fillRect/>
+          </a:stretch>
+        </p:blipFill>
+        <p:spPr>
+          <a:xfrm>
+            <a:off x="262396" y="239123"/>
+            <a:ext cx="1949172" cy="857340"/>
+          </a:xfrm>
+          <a:prstGeom prst="rect">
+            <a:avLst/>
+          </a:prstGeom>
+        </p:spPr>
+      </p:pic>
+      <p:pic>
+        <p:nvPicPr>
+          <p:cNvPr id="5" name="Picture 4" descr="Captura de ecrã 2015-03-21, às 17.38.57.png"/>
+          <p:cNvPicPr>
+            <a:picLocks noChangeAspect="1"/>
+          </p:cNvPicPr>
+          <p:nvPr/>
+        </p:nvPicPr>
+        <p:blipFill>
+          <a:blip r:embed="rId3">
+            <a:extLst>
+              <a:ext uri="{28A0092B-C50C-407E-A947-70E740481C1C}">
+                <a14:useLocalDpi xmlns:a14="http://schemas.microsoft.com/office/drawing/2010/main" val="0"/>
+              </a:ext>
+            </a:extLst>
+          </a:blip>
+          <a:stretch>
+            <a:fillRect/>
+          </a:stretch>
+        </p:blipFill>
+        <p:spPr>
+          <a:xfrm>
+            <a:off x="1590502" y="2161917"/>
+            <a:ext cx="6475476" cy="3868329"/>
+          </a:xfrm>
+          <a:prstGeom prst="rect">
+            <a:avLst/>
+          </a:prstGeom>
+        </p:spPr>
+      </p:pic>
+    </p:spTree>
+    <p:extLst>
+      <p:ext uri="{BB962C8B-B14F-4D97-AF65-F5344CB8AC3E}">
+        <p14:creationId xmlns:p14="http://schemas.microsoft.com/office/powerpoint/2010/main" val="3383572202"/>
+      </p:ext>
+    </p:extLst>
+  </p:cSld>
+  <p:clrMapOvr>
+    <a:masterClrMapping/>
+  </p:clrMapOvr>
+  <p:timing>
+    <p:tnLst>
+      <p:par>
+        <p:cTn xmlns:p14="http://schemas.microsoft.com/office/powerpoint/2010/main" id="1" dur="indefinite" restart="never" nodeType="tmRoot"/>
+      </p:par>
+    </p:tnLst>
+  </p:timing>
+</p:sld>
+</file>
+
+<file path=ppt/slides/slide11.xml><?xml version="1.0" encoding="utf-8"?>
+<p:sld xmlns:a="http://schemas.openxmlformats.org/drawingml/2006/main" xmlns:r="http://schemas.openxmlformats.org/officeDocument/2006/relationships" xmlns:p="http://schemas.openxmlformats.org/presentationml/2006/main">
+  <p:cSld>
+    <p:spTree>
+      <p:nvGrpSpPr>
+        <p:cNvPr id="1" name=""/>
+        <p:cNvGrpSpPr/>
+        <p:nvPr/>
+      </p:nvGrpSpPr>
+      <p:grpSpPr>
+        <a:xfrm>
+          <a:off x="0" y="0"/>
+          <a:ext cx="0" cy="0"/>
+          <a:chOff x="0" y="0"/>
+          <a:chExt cx="0" cy="0"/>
+        </a:xfrm>
+      </p:grpSpPr>
+      <p:sp>
+        <p:nvSpPr>
+          <p:cNvPr id="2" name="Title 1"/>
+          <p:cNvSpPr>
+            <a:spLocks noGrp="1"/>
+          </p:cNvSpPr>
+          <p:nvPr>
+            <p:ph type="ctrTitle"/>
+          </p:nvPr>
+        </p:nvSpPr>
+        <p:spPr>
+          <a:xfrm>
+            <a:off x="685800" y="761501"/>
+            <a:ext cx="7772400" cy="1190627"/>
+          </a:xfrm>
+        </p:spPr>
+        <p:txBody>
+          <a:bodyPr/>
+          <a:lstStyle/>
+          <a:p>
+            <a:r>
+              <a:rPr lang="pt-PT" sz="5000" dirty="0" smtClean="0"/>
+              <a:t>Web browser</a:t>
+            </a:r>
+            <a:endParaRPr lang="en-US" sz="5000" dirty="0"/>
+          </a:p>
+        </p:txBody>
+      </p:sp>
+      <p:pic>
+        <p:nvPicPr>
+          <p:cNvPr id="4" name="Picture 3" descr="ist.jpg"/>
+          <p:cNvPicPr>
+            <a:picLocks noChangeAspect="1"/>
+          </p:cNvPicPr>
+          <p:nvPr/>
+        </p:nvPicPr>
+        <p:blipFill>
+          <a:blip r:embed="rId2">
+            <a:extLst>
+              <a:ext uri="{28A0092B-C50C-407E-A947-70E740481C1C}">
+                <a14:useLocalDpi xmlns:a14="http://schemas.microsoft.com/office/drawing/2010/main" val="0"/>
+              </a:ext>
+            </a:extLst>
+          </a:blip>
+          <a:stretch>
+            <a:fillRect/>
+          </a:stretch>
+        </p:blipFill>
+        <p:spPr>
+          <a:xfrm>
+            <a:off x="262396" y="239123"/>
+            <a:ext cx="1949172" cy="857340"/>
+          </a:xfrm>
+          <a:prstGeom prst="rect">
+            <a:avLst/>
+          </a:prstGeom>
+        </p:spPr>
+      </p:pic>
+      <p:pic>
+        <p:nvPicPr>
+          <p:cNvPr id="3" name="Picture 2" descr="Captura de ecrã 2015-03-21, às 17.39.57.png"/>
+          <p:cNvPicPr>
+            <a:picLocks noChangeAspect="1"/>
+          </p:cNvPicPr>
+          <p:nvPr/>
+        </p:nvPicPr>
+        <p:blipFill>
+          <a:blip r:embed="rId3">
+            <a:extLst>
+              <a:ext uri="{28A0092B-C50C-407E-A947-70E740481C1C}">
+                <a14:useLocalDpi xmlns:a14="http://schemas.microsoft.com/office/drawing/2010/main" val="0"/>
+              </a:ext>
+            </a:extLst>
+          </a:blip>
+          <a:stretch>
+            <a:fillRect/>
+          </a:stretch>
+        </p:blipFill>
+        <p:spPr>
+          <a:xfrm>
+            <a:off x="1688552" y="2260994"/>
+            <a:ext cx="6467474" cy="3593041"/>
+          </a:xfrm>
+          <a:prstGeom prst="rect">
+            <a:avLst/>
+          </a:prstGeom>
+        </p:spPr>
+      </p:pic>
+    </p:spTree>
+    <p:extLst>
+      <p:ext uri="{BB962C8B-B14F-4D97-AF65-F5344CB8AC3E}">
+        <p14:creationId xmlns:p14="http://schemas.microsoft.com/office/powerpoint/2010/main" val="2039505199"/>
+      </p:ext>
+    </p:extLst>
+  </p:cSld>
+  <p:clrMapOvr>
+    <a:masterClrMapping/>
+  </p:clrMapOvr>
+  <p:timing>
+    <p:tnLst>
+      <p:par>
+        <p:cTn xmlns:p14="http://schemas.microsoft.com/office/powerpoint/2010/main" id="1" dur="indefinite" restart="never" nodeType="tmRoot"/>
+      </p:par>
+    </p:tnLst>
+  </p:timing>
+</p:sld>
+</file>
+
+<file path=ppt/slides/slide12.xml><?xml version="1.0" encoding="utf-8"?>
+<p:sld xmlns:a="http://schemas.openxmlformats.org/drawingml/2006/main" xmlns:r="http://schemas.openxmlformats.org/officeDocument/2006/relationships" xmlns:p="http://schemas.openxmlformats.org/presentationml/2006/main">
+  <p:cSld>
+    <p:spTree>
+      <p:nvGrpSpPr>
+        <p:cNvPr id="1" name=""/>
+        <p:cNvGrpSpPr/>
+        <p:nvPr/>
+      </p:nvGrpSpPr>
+      <p:grpSpPr>
+        <a:xfrm>
+          <a:off x="0" y="0"/>
+          <a:ext cx="0" cy="0"/>
+          <a:chOff x="0" y="0"/>
+          <a:chExt cx="0" cy="0"/>
+        </a:xfrm>
+      </p:grpSpPr>
+      <p:sp>
+        <p:nvSpPr>
+          <p:cNvPr id="2" name="Title 1"/>
+          <p:cNvSpPr>
+            <a:spLocks noGrp="1"/>
+          </p:cNvSpPr>
+          <p:nvPr>
+            <p:ph type="ctrTitle"/>
+          </p:nvPr>
+        </p:nvSpPr>
+        <p:spPr>
+          <a:xfrm>
+            <a:off x="685800" y="761501"/>
+            <a:ext cx="7772400" cy="1190627"/>
+          </a:xfrm>
+        </p:spPr>
+        <p:txBody>
+          <a:bodyPr/>
+          <a:lstStyle/>
+          <a:p>
+            <a:pPr marL="457200" indent="-457200"/>
+            <a:r>
+              <a:rPr lang="pt-PT" sz="5400" dirty="0" err="1"/>
+              <a:t>Speech</a:t>
+            </a:r>
+            <a:r>
+              <a:rPr lang="pt-PT" sz="5400" dirty="0"/>
+              <a:t> </a:t>
+            </a:r>
+            <a:r>
+              <a:rPr lang="pt-PT" sz="5400" dirty="0" err="1" smtClean="0"/>
+              <a:t>recognizer</a:t>
+            </a:r>
+            <a:endParaRPr lang="pt-PT" sz="5400" dirty="0"/>
+          </a:p>
+        </p:txBody>
+      </p:sp>
+      <p:pic>
+        <p:nvPicPr>
+          <p:cNvPr id="4" name="Picture 3" descr="ist.jpg"/>
+          <p:cNvPicPr>
+            <a:picLocks noChangeAspect="1"/>
+          </p:cNvPicPr>
+          <p:nvPr/>
+        </p:nvPicPr>
+        <p:blipFill>
+          <a:blip r:embed="rId2">
+            <a:extLst>
+              <a:ext uri="{28A0092B-C50C-407E-A947-70E740481C1C}">
+                <a14:useLocalDpi xmlns:a14="http://schemas.microsoft.com/office/drawing/2010/main" val="0"/>
+              </a:ext>
+            </a:extLst>
+          </a:blip>
+          <a:stretch>
+            <a:fillRect/>
+          </a:stretch>
+        </p:blipFill>
+        <p:spPr>
+          <a:xfrm>
+            <a:off x="262396" y="239123"/>
+            <a:ext cx="1949172" cy="857340"/>
+          </a:xfrm>
+          <a:prstGeom prst="rect">
+            <a:avLst/>
+          </a:prstGeom>
+        </p:spPr>
+      </p:pic>
+      <p:pic>
+        <p:nvPicPr>
+          <p:cNvPr id="5" name="Picture 4" descr="Captura de ecrã 2015-03-21, às 17.41.00.png"/>
+          <p:cNvPicPr>
+            <a:picLocks noChangeAspect="1"/>
+          </p:cNvPicPr>
+          <p:nvPr/>
+        </p:nvPicPr>
+        <p:blipFill>
+          <a:blip r:embed="rId3">
+            <a:extLst>
+              <a:ext uri="{28A0092B-C50C-407E-A947-70E740481C1C}">
+                <a14:useLocalDpi xmlns:a14="http://schemas.microsoft.com/office/drawing/2010/main" val="0"/>
+              </a:ext>
+            </a:extLst>
+          </a:blip>
+          <a:stretch>
+            <a:fillRect/>
+          </a:stretch>
+        </p:blipFill>
+        <p:spPr>
+          <a:xfrm>
+            <a:off x="1731307" y="1952128"/>
+            <a:ext cx="5582289" cy="4680745"/>
+          </a:xfrm>
+          <a:prstGeom prst="rect">
+            <a:avLst/>
+          </a:prstGeom>
+        </p:spPr>
+      </p:pic>
+    </p:spTree>
+    <p:extLst>
+      <p:ext uri="{BB962C8B-B14F-4D97-AF65-F5344CB8AC3E}">
+        <p14:creationId xmlns:p14="http://schemas.microsoft.com/office/powerpoint/2010/main" val="1161101909"/>
+      </p:ext>
+    </p:extLst>
+  </p:cSld>
+  <p:clrMapOvr>
+    <a:masterClrMapping/>
+  </p:clrMapOvr>
+  <p:timing>
+    <p:tnLst>
+      <p:par>
+        <p:cTn xmlns:p14="http://schemas.microsoft.com/office/powerpoint/2010/main" id="1" dur="indefinite" restart="never" nodeType="tmRoot"/>
+      </p:par>
+    </p:tnLst>
+  </p:timing>
+</p:sld>
+</file>
+
+<file path=ppt/slides/slide13.xml><?xml version="1.0" encoding="utf-8"?>
+<p:sld xmlns:a="http://schemas.openxmlformats.org/drawingml/2006/main" xmlns:r="http://schemas.openxmlformats.org/officeDocument/2006/relationships" xmlns:p="http://schemas.openxmlformats.org/presentationml/2006/main">
+  <p:cSld>
+    <p:spTree>
+      <p:nvGrpSpPr>
+        <p:cNvPr id="1" name=""/>
+        <p:cNvGrpSpPr/>
+        <p:nvPr/>
+      </p:nvGrpSpPr>
+      <p:grpSpPr>
+        <a:xfrm>
+          <a:off x="0" y="0"/>
+          <a:ext cx="0" cy="0"/>
+          <a:chOff x="0" y="0"/>
+          <a:chExt cx="0" cy="0"/>
+        </a:xfrm>
+      </p:grpSpPr>
+      <p:sp>
+        <p:nvSpPr>
+          <p:cNvPr id="2" name="Title 1"/>
+          <p:cNvSpPr>
+            <a:spLocks noGrp="1"/>
+          </p:cNvSpPr>
+          <p:nvPr>
+            <p:ph type="ctrTitle"/>
+          </p:nvPr>
+        </p:nvSpPr>
+        <p:spPr>
+          <a:xfrm>
+            <a:off x="685800" y="761501"/>
+            <a:ext cx="7772400" cy="1190627"/>
+          </a:xfrm>
+        </p:spPr>
+        <p:txBody>
+          <a:bodyPr/>
+          <a:lstStyle/>
+          <a:p>
+            <a:pPr marL="457200" indent="-457200"/>
+            <a:r>
+              <a:rPr lang="pt-PT" sz="5400" dirty="0" err="1" smtClean="0"/>
+              <a:t>Evaluation</a:t>
+            </a:r>
+            <a:endParaRPr lang="pt-PT" sz="5400" dirty="0"/>
+          </a:p>
+        </p:txBody>
+      </p:sp>
+      <p:pic>
+        <p:nvPicPr>
+          <p:cNvPr id="4" name="Picture 3" descr="ist.jpg"/>
+          <p:cNvPicPr>
+            <a:picLocks noChangeAspect="1"/>
+          </p:cNvPicPr>
+          <p:nvPr/>
+        </p:nvPicPr>
+        <p:blipFill>
+          <a:blip r:embed="rId2">
+            <a:extLst>
+              <a:ext uri="{28A0092B-C50C-407E-A947-70E740481C1C}">
+                <a14:useLocalDpi xmlns:a14="http://schemas.microsoft.com/office/drawing/2010/main" val="0"/>
+              </a:ext>
+            </a:extLst>
+          </a:blip>
+          <a:stretch>
+            <a:fillRect/>
+          </a:stretch>
+        </p:blipFill>
+        <p:spPr>
+          <a:xfrm>
+            <a:off x="262396" y="239123"/>
+            <a:ext cx="1949172" cy="857340"/>
+          </a:xfrm>
+          <a:prstGeom prst="rect">
+            <a:avLst/>
+          </a:prstGeom>
+        </p:spPr>
+      </p:pic>
+      <p:pic>
+        <p:nvPicPr>
+          <p:cNvPr id="3" name="Picture 2" descr="Captura de ecrã 2015-03-21, às 17.43.23.png"/>
+          <p:cNvPicPr>
+            <a:picLocks noChangeAspect="1"/>
+          </p:cNvPicPr>
+          <p:nvPr/>
+        </p:nvPicPr>
+        <p:blipFill>
+          <a:blip r:embed="rId3">
+            <a:extLst>
+              <a:ext uri="{28A0092B-C50C-407E-A947-70E740481C1C}">
+                <a14:useLocalDpi xmlns:a14="http://schemas.microsoft.com/office/drawing/2010/main" val="0"/>
+              </a:ext>
+            </a:extLst>
+          </a:blip>
+          <a:stretch>
+            <a:fillRect/>
+          </a:stretch>
+        </p:blipFill>
+        <p:spPr>
+          <a:xfrm>
+            <a:off x="1915607" y="3117810"/>
+            <a:ext cx="5661947" cy="3405228"/>
+          </a:xfrm>
+          <a:prstGeom prst="rect">
+            <a:avLst/>
+          </a:prstGeom>
+        </p:spPr>
+      </p:pic>
+      <p:sp>
+        <p:nvSpPr>
+          <p:cNvPr id="6" name="TextBox 5"/>
+          <p:cNvSpPr txBox="1"/>
+          <p:nvPr/>
+        </p:nvSpPr>
+        <p:spPr>
+          <a:xfrm>
+            <a:off x="837299" y="1952128"/>
+            <a:ext cx="7479868" cy="954107"/>
+          </a:xfrm>
+          <a:prstGeom prst="rect">
+            <a:avLst/>
+          </a:prstGeom>
+          <a:noFill/>
+        </p:spPr>
+        <p:txBody>
+          <a:bodyPr wrap="square" rtlCol="0">
+            <a:spAutoFit/>
+          </a:bodyPr>
+          <a:lstStyle/>
+          <a:p>
+            <a:pPr marL="457200" indent="-457200">
+              <a:buFont typeface="Arial"/>
+              <a:buChar char="•"/>
+            </a:pPr>
+            <a:r>
+              <a:rPr lang="pt-PT" sz="2800" dirty="0" err="1" smtClean="0"/>
+              <a:t>Changes</a:t>
+            </a:r>
+            <a:r>
+              <a:rPr lang="pt-PT" sz="2800" dirty="0" smtClean="0"/>
+              <a:t> in </a:t>
+            </a:r>
+            <a:r>
+              <a:rPr lang="pt-PT" sz="2800" dirty="0" err="1" smtClean="0"/>
+              <a:t>bandwith</a:t>
+            </a:r>
+            <a:r>
+              <a:rPr lang="pt-PT" sz="2800" dirty="0" smtClean="0"/>
+              <a:t>;</a:t>
+            </a:r>
+          </a:p>
+          <a:p>
+            <a:pPr marL="457200" indent="-457200">
+              <a:buFont typeface="Arial"/>
+              <a:buChar char="•"/>
+            </a:pPr>
+            <a:r>
+              <a:rPr lang="pt-PT" sz="2800" smtClean="0"/>
+              <a:t>Reference</a:t>
+            </a:r>
+            <a:r>
+              <a:rPr lang="pt-PT" sz="2800" dirty="0" smtClean="0"/>
+              <a:t> </a:t>
+            </a:r>
+            <a:r>
+              <a:rPr lang="pt-PT" sz="2800" dirty="0" err="1" smtClean="0"/>
+              <a:t>waveforms</a:t>
+            </a:r>
+            <a:r>
+              <a:rPr lang="pt-PT" sz="2800" dirty="0" smtClean="0"/>
+              <a:t>.</a:t>
+            </a:r>
+            <a:endParaRPr lang="pt-PT" sz="2800" dirty="0"/>
+          </a:p>
+        </p:txBody>
+      </p:sp>
+    </p:spTree>
+    <p:extLst>
+      <p:ext uri="{BB962C8B-B14F-4D97-AF65-F5344CB8AC3E}">
+        <p14:creationId xmlns:p14="http://schemas.microsoft.com/office/powerpoint/2010/main" val="1905604195"/>
+      </p:ext>
+    </p:extLst>
+  </p:cSld>
+  <p:clrMapOvr>
+    <a:masterClrMapping/>
+  </p:clrMapOvr>
+  <p:timing>
+    <p:tnLst>
+      <p:par>
+        <p:cTn xmlns:p14="http://schemas.microsoft.com/office/powerpoint/2010/main" id="1" dur="indefinite" restart="never" nodeType="tmRoot"/>
+      </p:par>
+    </p:tnLst>
+  </p:timing>
+</p:sld>
+</file>
+
 <file path=ppt/slides/slide2.xml><?xml version="1.0" encoding="utf-8"?>
 <p:sld xmlns:a="http://schemas.openxmlformats.org/drawingml/2006/main" xmlns:r="http://schemas.openxmlformats.org/officeDocument/2006/relationships" xmlns:p="http://schemas.openxmlformats.org/presentationml/2006/main">
   <p:cSld>
@@ -5000,6 +5592,493 @@
     <p:extLst>
       <p:ext uri="{BB962C8B-B14F-4D97-AF65-F5344CB8AC3E}">
         <p14:creationId xmlns:p14="http://schemas.microsoft.com/office/powerpoint/2010/main" val="2577862220"/>
+      </p:ext>
+    </p:extLst>
+  </p:cSld>
+  <p:clrMapOvr>
+    <a:masterClrMapping/>
+  </p:clrMapOvr>
+  <p:timing>
+    <p:tnLst>
+      <p:par>
+        <p:cTn xmlns:p14="http://schemas.microsoft.com/office/powerpoint/2010/main" id="1" dur="indefinite" restart="never" nodeType="tmRoot"/>
+      </p:par>
+    </p:tnLst>
+  </p:timing>
+</p:sld>
+</file>
+
+<file path=ppt/slides/slide8.xml><?xml version="1.0" encoding="utf-8"?>
+<p:sld xmlns:a="http://schemas.openxmlformats.org/drawingml/2006/main" xmlns:r="http://schemas.openxmlformats.org/officeDocument/2006/relationships" xmlns:p="http://schemas.openxmlformats.org/presentationml/2006/main">
+  <p:cSld>
+    <p:spTree>
+      <p:nvGrpSpPr>
+        <p:cNvPr id="1" name=""/>
+        <p:cNvGrpSpPr/>
+        <p:nvPr/>
+      </p:nvGrpSpPr>
+      <p:grpSpPr>
+        <a:xfrm>
+          <a:off x="0" y="0"/>
+          <a:ext cx="0" cy="0"/>
+          <a:chOff x="0" y="0"/>
+          <a:chExt cx="0" cy="0"/>
+        </a:xfrm>
+      </p:grpSpPr>
+      <p:sp>
+        <p:nvSpPr>
+          <p:cNvPr id="2" name="Title 1"/>
+          <p:cNvSpPr>
+            <a:spLocks noGrp="1"/>
+          </p:cNvSpPr>
+          <p:nvPr>
+            <p:ph type="ctrTitle"/>
+          </p:nvPr>
+        </p:nvSpPr>
+        <p:spPr>
+          <a:xfrm>
+            <a:off x="685800" y="761501"/>
+            <a:ext cx="7772400" cy="1190627"/>
+          </a:xfrm>
+        </p:spPr>
+        <p:txBody>
+          <a:bodyPr/>
+          <a:lstStyle/>
+          <a:p>
+            <a:r>
+              <a:rPr lang="pt-PT" sz="5000" dirty="0" err="1" smtClean="0"/>
+              <a:t>Vicery</a:t>
+            </a:r>
+            <a:r>
+              <a:rPr lang="pt-PT" sz="5000" dirty="0" smtClean="0"/>
+              <a:t> </a:t>
+            </a:r>
+            <a:r>
+              <a:rPr lang="pt-PT" sz="5000" dirty="0" err="1" smtClean="0"/>
+              <a:t>and</a:t>
+            </a:r>
+            <a:r>
+              <a:rPr lang="pt-PT" sz="5000" dirty="0" smtClean="0"/>
+              <a:t> </a:t>
+            </a:r>
+            <a:r>
+              <a:rPr lang="pt-PT" sz="5000" dirty="0" err="1" smtClean="0"/>
+              <a:t>Wardens</a:t>
+            </a:r>
+            <a:endParaRPr lang="en-US" sz="5000" dirty="0"/>
+          </a:p>
+        </p:txBody>
+      </p:sp>
+      <p:pic>
+        <p:nvPicPr>
+          <p:cNvPr id="4" name="Picture 3" descr="ist.jpg"/>
+          <p:cNvPicPr>
+            <a:picLocks noChangeAspect="1"/>
+          </p:cNvPicPr>
+          <p:nvPr/>
+        </p:nvPicPr>
+        <p:blipFill>
+          <a:blip r:embed="rId2">
+            <a:extLst>
+              <a:ext uri="{28A0092B-C50C-407E-A947-70E740481C1C}">
+                <a14:useLocalDpi xmlns:a14="http://schemas.microsoft.com/office/drawing/2010/main" val="0"/>
+              </a:ext>
+            </a:extLst>
+          </a:blip>
+          <a:stretch>
+            <a:fillRect/>
+          </a:stretch>
+        </p:blipFill>
+        <p:spPr>
+          <a:xfrm>
+            <a:off x="262396" y="239123"/>
+            <a:ext cx="1949172" cy="857340"/>
+          </a:xfrm>
+          <a:prstGeom prst="rect">
+            <a:avLst/>
+          </a:prstGeom>
+        </p:spPr>
+      </p:pic>
+      <p:sp>
+        <p:nvSpPr>
+          <p:cNvPr id="3" name="TextBox 2"/>
+          <p:cNvSpPr txBox="1"/>
+          <p:nvPr/>
+        </p:nvSpPr>
+        <p:spPr>
+          <a:xfrm>
+            <a:off x="544244" y="2107470"/>
+            <a:ext cx="7465914" cy="2677656"/>
+          </a:xfrm>
+          <a:prstGeom prst="rect">
+            <a:avLst/>
+          </a:prstGeom>
+          <a:noFill/>
+        </p:spPr>
+        <p:txBody>
+          <a:bodyPr wrap="square" rtlCol="0">
+            <a:spAutoFit/>
+          </a:bodyPr>
+          <a:lstStyle/>
+          <a:p>
+            <a:pPr marL="457200" indent="-457200">
+              <a:buFont typeface="Arial"/>
+              <a:buChar char="•"/>
+            </a:pPr>
+            <a:r>
+              <a:rPr lang="pt-PT" sz="2800" b="1" dirty="0" err="1" smtClean="0"/>
+              <a:t>Wardens</a:t>
+            </a:r>
+            <a:r>
+              <a:rPr lang="pt-PT" sz="2800" dirty="0" smtClean="0"/>
+              <a:t>: </a:t>
+            </a:r>
+            <a:r>
+              <a:rPr lang="pt-PT" sz="2800" dirty="0" err="1" smtClean="0"/>
+              <a:t>each</a:t>
+            </a:r>
+            <a:r>
+              <a:rPr lang="pt-PT" sz="2800" dirty="0" smtClean="0"/>
+              <a:t> </a:t>
+            </a:r>
+            <a:r>
+              <a:rPr lang="pt-PT" sz="2800" dirty="0" err="1" smtClean="0"/>
+              <a:t>one</a:t>
+            </a:r>
+            <a:r>
+              <a:rPr lang="pt-PT" sz="2800" dirty="0" smtClean="0"/>
+              <a:t> </a:t>
+            </a:r>
+            <a:r>
+              <a:rPr lang="pt-PT" sz="2800" dirty="0" err="1" smtClean="0"/>
+              <a:t>support</a:t>
+            </a:r>
+            <a:r>
+              <a:rPr lang="pt-PT" sz="2800" dirty="0" smtClean="0"/>
+              <a:t> </a:t>
+            </a:r>
+            <a:r>
+              <a:rPr lang="pt-PT" sz="2800" dirty="0" err="1" smtClean="0"/>
+              <a:t>an</a:t>
+            </a:r>
+            <a:r>
+              <a:rPr lang="pt-PT" sz="2800" dirty="0"/>
+              <a:t> </a:t>
+            </a:r>
+            <a:r>
+              <a:rPr lang="pt-PT" sz="2800" dirty="0" smtClean="0"/>
+              <a:t>individual data </a:t>
+            </a:r>
+            <a:r>
+              <a:rPr lang="pt-PT" sz="2800" dirty="0" err="1" smtClean="0"/>
+              <a:t>type</a:t>
+            </a:r>
+            <a:r>
+              <a:rPr lang="pt-PT" sz="2800" dirty="0" smtClean="0"/>
+              <a:t>. </a:t>
+            </a:r>
+            <a:r>
+              <a:rPr lang="pt-PT" sz="2800" dirty="0" err="1" smtClean="0"/>
+              <a:t>System-level</a:t>
+            </a:r>
+            <a:r>
+              <a:rPr lang="pt-PT" sz="2800" dirty="0" smtClean="0"/>
+              <a:t> data </a:t>
+            </a:r>
+            <a:r>
+              <a:rPr lang="pt-PT" sz="2800" dirty="0" err="1" smtClean="0"/>
+              <a:t>differenciation</a:t>
+            </a:r>
+            <a:r>
+              <a:rPr lang="pt-PT" sz="2800" dirty="0" smtClean="0"/>
+              <a:t>;</a:t>
+            </a:r>
+          </a:p>
+          <a:p>
+            <a:pPr marL="457200" indent="-457200">
+              <a:buFont typeface="Arial"/>
+              <a:buChar char="•"/>
+            </a:pPr>
+            <a:endParaRPr lang="pt-PT" sz="2800" dirty="0"/>
+          </a:p>
+          <a:p>
+            <a:pPr marL="457200" indent="-457200" algn="just">
+              <a:buFont typeface="Arial"/>
+              <a:buChar char="•"/>
+            </a:pPr>
+            <a:r>
+              <a:rPr lang="pt-PT" sz="2800" b="1" dirty="0" err="1" smtClean="0"/>
+              <a:t>Vicery</a:t>
+            </a:r>
+            <a:r>
+              <a:rPr lang="pt-PT" sz="2800" dirty="0" smtClean="0"/>
+              <a:t>: </a:t>
+            </a:r>
+            <a:r>
+              <a:rPr lang="pt-PT" sz="2800" dirty="0" err="1" smtClean="0"/>
+              <a:t>type</a:t>
+            </a:r>
+            <a:r>
+              <a:rPr lang="pt-PT" sz="2800" dirty="0" smtClean="0"/>
+              <a:t> </a:t>
+            </a:r>
+            <a:r>
+              <a:rPr lang="pt-PT" sz="2800" dirty="0" err="1" smtClean="0"/>
+              <a:t>independent</a:t>
+            </a:r>
+            <a:r>
+              <a:rPr lang="pt-PT" sz="2800" dirty="0" smtClean="0"/>
+              <a:t>, single </a:t>
+            </a:r>
+            <a:r>
+              <a:rPr lang="pt-PT" sz="2800" dirty="0" err="1" smtClean="0"/>
+              <a:t>and</a:t>
+            </a:r>
+            <a:r>
+              <a:rPr lang="pt-PT" sz="2800" dirty="0" smtClean="0"/>
+              <a:t> central </a:t>
+            </a:r>
+            <a:r>
+              <a:rPr lang="pt-PT" sz="2800" dirty="0" err="1" smtClean="0"/>
+              <a:t>component</a:t>
+            </a:r>
+            <a:r>
+              <a:rPr lang="pt-PT" sz="2800" dirty="0" smtClean="0"/>
+              <a:t> </a:t>
+            </a:r>
+            <a:r>
+              <a:rPr lang="pt-PT" sz="2800" dirty="0" err="1" smtClean="0"/>
+              <a:t>responsibe</a:t>
+            </a:r>
+            <a:r>
+              <a:rPr lang="pt-PT" sz="2800" dirty="0" smtClean="0"/>
+              <a:t> for </a:t>
+            </a:r>
+            <a:r>
+              <a:rPr lang="pt-PT" sz="2800" dirty="0" err="1" smtClean="0"/>
+              <a:t>all</a:t>
+            </a:r>
+            <a:r>
+              <a:rPr lang="pt-PT" sz="2800" dirty="0" smtClean="0"/>
+              <a:t> </a:t>
+            </a:r>
+            <a:r>
+              <a:rPr lang="pt-PT" sz="2800" dirty="0" err="1" smtClean="0"/>
+              <a:t>resource</a:t>
+            </a:r>
+            <a:r>
+              <a:rPr lang="pt-PT" sz="2800" dirty="0" smtClean="0"/>
+              <a:t> </a:t>
+            </a:r>
+            <a:r>
+              <a:rPr lang="pt-PT" sz="2800" dirty="0" err="1" smtClean="0"/>
+              <a:t>allocation</a:t>
+            </a:r>
+            <a:r>
+              <a:rPr lang="pt-PT" sz="2800" dirty="0" smtClean="0"/>
+              <a:t>.</a:t>
+            </a:r>
+          </a:p>
+        </p:txBody>
+      </p:sp>
+    </p:spTree>
+    <p:extLst>
+      <p:ext uri="{BB962C8B-B14F-4D97-AF65-F5344CB8AC3E}">
+        <p14:creationId xmlns:p14="http://schemas.microsoft.com/office/powerpoint/2010/main" val="791260866"/>
+      </p:ext>
+    </p:extLst>
+  </p:cSld>
+  <p:clrMapOvr>
+    <a:masterClrMapping/>
+  </p:clrMapOvr>
+  <p:timing>
+    <p:tnLst>
+      <p:par>
+        <p:cTn xmlns:p14="http://schemas.microsoft.com/office/powerpoint/2010/main" id="1" dur="indefinite" restart="never" nodeType="tmRoot"/>
+      </p:par>
+    </p:tnLst>
+  </p:timing>
+</p:sld>
+</file>
+
+<file path=ppt/slides/slide9.xml><?xml version="1.0" encoding="utf-8"?>
+<p:sld xmlns:a="http://schemas.openxmlformats.org/drawingml/2006/main" xmlns:r="http://schemas.openxmlformats.org/officeDocument/2006/relationships" xmlns:p="http://schemas.openxmlformats.org/presentationml/2006/main">
+  <p:cSld>
+    <p:spTree>
+      <p:nvGrpSpPr>
+        <p:cNvPr id="1" name=""/>
+        <p:cNvGrpSpPr/>
+        <p:nvPr/>
+      </p:nvGrpSpPr>
+      <p:grpSpPr>
+        <a:xfrm>
+          <a:off x="0" y="0"/>
+          <a:ext cx="0" cy="0"/>
+          <a:chOff x="0" y="0"/>
+          <a:chExt cx="0" cy="0"/>
+        </a:xfrm>
+      </p:grpSpPr>
+      <p:sp>
+        <p:nvSpPr>
+          <p:cNvPr id="2" name="Title 1"/>
+          <p:cNvSpPr>
+            <a:spLocks noGrp="1"/>
+          </p:cNvSpPr>
+          <p:nvPr>
+            <p:ph type="ctrTitle"/>
+          </p:nvPr>
+        </p:nvSpPr>
+        <p:spPr>
+          <a:xfrm>
+            <a:off x="685800" y="761501"/>
+            <a:ext cx="7772400" cy="1190627"/>
+          </a:xfrm>
+        </p:spPr>
+        <p:txBody>
+          <a:bodyPr/>
+          <a:lstStyle/>
+          <a:p>
+            <a:r>
+              <a:rPr lang="pt-PT" sz="5000" dirty="0" err="1" smtClean="0"/>
+              <a:t>Example</a:t>
+            </a:r>
+            <a:r>
+              <a:rPr lang="pt-PT" sz="5000" dirty="0" smtClean="0"/>
+              <a:t> </a:t>
+            </a:r>
+            <a:r>
+              <a:rPr lang="pt-PT" sz="5000" dirty="0" err="1" smtClean="0"/>
+              <a:t>applications</a:t>
+            </a:r>
+            <a:endParaRPr lang="en-US" sz="5000" dirty="0"/>
+          </a:p>
+        </p:txBody>
+      </p:sp>
+      <p:pic>
+        <p:nvPicPr>
+          <p:cNvPr id="4" name="Picture 3" descr="ist.jpg"/>
+          <p:cNvPicPr>
+            <a:picLocks noChangeAspect="1"/>
+          </p:cNvPicPr>
+          <p:nvPr/>
+        </p:nvPicPr>
+        <p:blipFill>
+          <a:blip r:embed="rId2">
+            <a:extLst>
+              <a:ext uri="{28A0092B-C50C-407E-A947-70E740481C1C}">
+                <a14:useLocalDpi xmlns:a14="http://schemas.microsoft.com/office/drawing/2010/main" val="0"/>
+              </a:ext>
+            </a:extLst>
+          </a:blip>
+          <a:stretch>
+            <a:fillRect/>
+          </a:stretch>
+        </p:blipFill>
+        <p:spPr>
+          <a:xfrm>
+            <a:off x="262396" y="239123"/>
+            <a:ext cx="1949172" cy="857340"/>
+          </a:xfrm>
+          <a:prstGeom prst="rect">
+            <a:avLst/>
+          </a:prstGeom>
+        </p:spPr>
+      </p:pic>
+      <p:sp>
+        <p:nvSpPr>
+          <p:cNvPr id="3" name="TextBox 2"/>
+          <p:cNvSpPr txBox="1"/>
+          <p:nvPr/>
+        </p:nvSpPr>
+        <p:spPr>
+          <a:xfrm>
+            <a:off x="544244" y="2288907"/>
+            <a:ext cx="7465914" cy="2246769"/>
+          </a:xfrm>
+          <a:prstGeom prst="rect">
+            <a:avLst/>
+          </a:prstGeom>
+          <a:noFill/>
+        </p:spPr>
+        <p:txBody>
+          <a:bodyPr wrap="square" rtlCol="0">
+            <a:spAutoFit/>
+          </a:bodyPr>
+          <a:lstStyle/>
+          <a:p>
+            <a:pPr marL="457200" indent="-457200">
+              <a:buFont typeface="Arial"/>
+              <a:buChar char="•"/>
+            </a:pPr>
+            <a:r>
+              <a:rPr lang="pt-PT" sz="2800" dirty="0" err="1" smtClean="0"/>
+              <a:t>Video</a:t>
+            </a:r>
+            <a:r>
+              <a:rPr lang="pt-PT" sz="2800" dirty="0" smtClean="0"/>
+              <a:t> </a:t>
+            </a:r>
+            <a:r>
+              <a:rPr lang="pt-PT" sz="2800" dirty="0" err="1" smtClean="0"/>
+              <a:t>player</a:t>
+            </a:r>
+            <a:r>
+              <a:rPr lang="pt-PT" sz="2800" dirty="0" smtClean="0"/>
+              <a:t>;</a:t>
+            </a:r>
+          </a:p>
+          <a:p>
+            <a:pPr marL="457200" indent="-457200">
+              <a:buFont typeface="Arial"/>
+              <a:buChar char="•"/>
+            </a:pPr>
+            <a:endParaRPr lang="pt-PT" sz="2800" dirty="0"/>
+          </a:p>
+          <a:p>
+            <a:pPr marL="457200" indent="-457200" algn="just">
+              <a:buFont typeface="Arial"/>
+              <a:buChar char="•"/>
+            </a:pPr>
+            <a:r>
+              <a:rPr lang="pt-PT" sz="2800" dirty="0" smtClean="0"/>
+              <a:t>Web browser;</a:t>
+            </a:r>
+          </a:p>
+          <a:p>
+            <a:pPr marL="457200" indent="-457200" algn="just">
+              <a:buFont typeface="Arial"/>
+              <a:buChar char="•"/>
+            </a:pPr>
+            <a:endParaRPr lang="pt-PT" sz="2800" dirty="0"/>
+          </a:p>
+          <a:p>
+            <a:pPr marL="457200" indent="-457200" algn="just">
+              <a:buFont typeface="Arial"/>
+              <a:buChar char="•"/>
+            </a:pPr>
+            <a:r>
+              <a:rPr lang="pt-PT" sz="2800" dirty="0" err="1" smtClean="0"/>
+              <a:t>Speech</a:t>
+            </a:r>
+            <a:r>
+              <a:rPr lang="pt-PT" sz="2800" dirty="0" smtClean="0"/>
+              <a:t> </a:t>
+            </a:r>
+            <a:r>
+              <a:rPr lang="pt-PT" sz="2800" dirty="0" err="1" smtClean="0"/>
+              <a:t>recognizer</a:t>
+            </a:r>
+            <a:r>
+              <a:rPr lang="pt-PT" sz="2800" dirty="0" smtClean="0"/>
+              <a:t>.</a:t>
+            </a:r>
+          </a:p>
+        </p:txBody>
+      </p:sp>
+    </p:spTree>
+    <p:extLst>
+      <p:ext uri="{BB962C8B-B14F-4D97-AF65-F5344CB8AC3E}">
+        <p14:creationId xmlns:p14="http://schemas.microsoft.com/office/powerpoint/2010/main" val="3642800954"/>
       </p:ext>
     </p:extLst>
   </p:cSld>

--- a/paper-presentation/cmov-presentation.pptx
+++ b/paper-presentation/cmov-presentation.pptx
@@ -18,6 +18,12 @@
     <p:sldId id="266" r:id="rId12"/>
     <p:sldId id="267" r:id="rId13"/>
     <p:sldId id="268" r:id="rId14"/>
+    <p:sldId id="269" r:id="rId15"/>
+    <p:sldId id="270" r:id="rId16"/>
+    <p:sldId id="271" r:id="rId17"/>
+    <p:sldId id="272" r:id="rId18"/>
+    <p:sldId id="273" r:id="rId19"/>
+    <p:sldId id="274" r:id="rId20"/>
   </p:sldIdLst>
   <p:sldSz cx="9144000" cy="6858000" type="screen4x3"/>
   <p:notesSz cx="6858000" cy="9144000"/>
@@ -3955,7 +3961,7 @@
               <a:buChar char="•"/>
             </a:pPr>
             <a:r>
-              <a:rPr lang="pt-PT" sz="2800" smtClean="0"/>
+              <a:rPr lang="pt-PT" sz="2800" dirty="0" err="1" smtClean="0"/>
               <a:t>Reference</a:t>
             </a:r>
             <a:r>
@@ -3978,6 +3984,951 @@
     <p:extLst>
       <p:ext uri="{BB962C8B-B14F-4D97-AF65-F5344CB8AC3E}">
         <p14:creationId xmlns:p14="http://schemas.microsoft.com/office/powerpoint/2010/main" val="1905604195"/>
+      </p:ext>
+    </p:extLst>
+  </p:cSld>
+  <p:clrMapOvr>
+    <a:masterClrMapping/>
+  </p:clrMapOvr>
+  <p:timing>
+    <p:tnLst>
+      <p:par>
+        <p:cTn xmlns:p14="http://schemas.microsoft.com/office/powerpoint/2010/main" id="1" dur="indefinite" restart="never" nodeType="tmRoot"/>
+      </p:par>
+    </p:tnLst>
+  </p:timing>
+</p:sld>
+</file>
+
+<file path=ppt/slides/slide14.xml><?xml version="1.0" encoding="utf-8"?>
+<p:sld xmlns:a="http://schemas.openxmlformats.org/drawingml/2006/main" xmlns:r="http://schemas.openxmlformats.org/officeDocument/2006/relationships" xmlns:p="http://schemas.openxmlformats.org/presentationml/2006/main">
+  <p:cSld>
+    <p:spTree>
+      <p:nvGrpSpPr>
+        <p:cNvPr id="1" name=""/>
+        <p:cNvGrpSpPr/>
+        <p:nvPr/>
+      </p:nvGrpSpPr>
+      <p:grpSpPr>
+        <a:xfrm>
+          <a:off x="0" y="0"/>
+          <a:ext cx="0" cy="0"/>
+          <a:chOff x="0" y="0"/>
+          <a:chExt cx="0" cy="0"/>
+        </a:xfrm>
+      </p:grpSpPr>
+      <p:sp>
+        <p:nvSpPr>
+          <p:cNvPr id="2" name="Title 1"/>
+          <p:cNvSpPr>
+            <a:spLocks noGrp="1"/>
+          </p:cNvSpPr>
+          <p:nvPr>
+            <p:ph type="ctrTitle"/>
+          </p:nvPr>
+        </p:nvSpPr>
+        <p:spPr>
+          <a:xfrm>
+            <a:off x="881170" y="640317"/>
+            <a:ext cx="7772400" cy="1190627"/>
+          </a:xfrm>
+        </p:spPr>
+        <p:txBody>
+          <a:bodyPr/>
+          <a:lstStyle/>
+          <a:p>
+            <a:pPr marL="457200" indent="-457200"/>
+            <a:r>
+              <a:rPr lang="pt-PT" sz="5400" dirty="0" err="1" smtClean="0"/>
+              <a:t>How</a:t>
+            </a:r>
+            <a:r>
+              <a:rPr lang="pt-PT" sz="5400" dirty="0" smtClean="0"/>
+              <a:t> </a:t>
+            </a:r>
+            <a:r>
+              <a:rPr lang="pt-PT" sz="5400" dirty="0" err="1" smtClean="0"/>
+              <a:t>agile</a:t>
+            </a:r>
+            <a:r>
+              <a:rPr lang="pt-PT" sz="5400" dirty="0" smtClean="0"/>
+              <a:t> </a:t>
+            </a:r>
+            <a:r>
+              <a:rPr lang="pt-PT" sz="5400" dirty="0" err="1" smtClean="0"/>
+              <a:t>is</a:t>
+            </a:r>
+            <a:r>
+              <a:rPr lang="pt-PT" sz="5400" dirty="0" smtClean="0"/>
+              <a:t> </a:t>
+            </a:r>
+            <a:r>
+              <a:rPr lang="pt-PT" sz="5400" dirty="0" err="1" smtClean="0"/>
+              <a:t>odyssey</a:t>
+            </a:r>
+            <a:r>
+              <a:rPr lang="pt-PT" sz="5400" dirty="0" smtClean="0"/>
+              <a:t>?</a:t>
+            </a:r>
+            <a:endParaRPr lang="pt-PT" sz="5400" dirty="0"/>
+          </a:p>
+        </p:txBody>
+      </p:sp>
+      <p:pic>
+        <p:nvPicPr>
+          <p:cNvPr id="4" name="Picture 3" descr="ist.jpg"/>
+          <p:cNvPicPr>
+            <a:picLocks noChangeAspect="1"/>
+          </p:cNvPicPr>
+          <p:nvPr/>
+        </p:nvPicPr>
+        <p:blipFill>
+          <a:blip r:embed="rId2">
+            <a:extLst>
+              <a:ext uri="{28A0092B-C50C-407E-A947-70E740481C1C}">
+                <a14:useLocalDpi xmlns:a14="http://schemas.microsoft.com/office/drawing/2010/main" val="0"/>
+              </a:ext>
+            </a:extLst>
+          </a:blip>
+          <a:stretch>
+            <a:fillRect/>
+          </a:stretch>
+        </p:blipFill>
+        <p:spPr>
+          <a:xfrm>
+            <a:off x="262396" y="239123"/>
+            <a:ext cx="1949172" cy="857340"/>
+          </a:xfrm>
+          <a:prstGeom prst="rect">
+            <a:avLst/>
+          </a:prstGeom>
+        </p:spPr>
+      </p:pic>
+      <p:pic>
+        <p:nvPicPr>
+          <p:cNvPr id="5" name="Picture 4" descr="Captura de ecrã 2015-03-21, às 18.08.43.png"/>
+          <p:cNvPicPr>
+            <a:picLocks noChangeAspect="1"/>
+          </p:cNvPicPr>
+          <p:nvPr/>
+        </p:nvPicPr>
+        <p:blipFill>
+          <a:blip r:embed="rId3">
+            <a:extLst>
+              <a:ext uri="{28A0092B-C50C-407E-A947-70E740481C1C}">
+                <a14:useLocalDpi xmlns:a14="http://schemas.microsoft.com/office/drawing/2010/main" val="0"/>
+              </a:ext>
+            </a:extLst>
+          </a:blip>
+          <a:stretch>
+            <a:fillRect/>
+          </a:stretch>
+        </p:blipFill>
+        <p:spPr>
+          <a:xfrm>
+            <a:off x="188096" y="1796899"/>
+            <a:ext cx="4046944" cy="4963404"/>
+          </a:xfrm>
+          <a:prstGeom prst="rect">
+            <a:avLst/>
+          </a:prstGeom>
+        </p:spPr>
+      </p:pic>
+      <p:pic>
+        <p:nvPicPr>
+          <p:cNvPr id="7" name="Picture 6" descr="Captura de ecrã 2015-03-21, às 18.09.16.png"/>
+          <p:cNvPicPr>
+            <a:picLocks noChangeAspect="1"/>
+          </p:cNvPicPr>
+          <p:nvPr/>
+        </p:nvPicPr>
+        <p:blipFill>
+          <a:blip r:embed="rId4">
+            <a:extLst>
+              <a:ext uri="{28A0092B-C50C-407E-A947-70E740481C1C}">
+                <a14:useLocalDpi xmlns:a14="http://schemas.microsoft.com/office/drawing/2010/main" val="0"/>
+              </a:ext>
+            </a:extLst>
+          </a:blip>
+          <a:stretch>
+            <a:fillRect/>
+          </a:stretch>
+        </p:blipFill>
+        <p:spPr>
+          <a:xfrm>
+            <a:off x="5045292" y="1952128"/>
+            <a:ext cx="3864402" cy="4905871"/>
+          </a:xfrm>
+          <a:prstGeom prst="rect">
+            <a:avLst/>
+          </a:prstGeom>
+        </p:spPr>
+      </p:pic>
+    </p:spTree>
+    <p:extLst>
+      <p:ext uri="{BB962C8B-B14F-4D97-AF65-F5344CB8AC3E}">
+        <p14:creationId xmlns:p14="http://schemas.microsoft.com/office/powerpoint/2010/main" val="3182577467"/>
+      </p:ext>
+    </p:extLst>
+  </p:cSld>
+  <p:clrMapOvr>
+    <a:masterClrMapping/>
+  </p:clrMapOvr>
+  <p:timing>
+    <p:tnLst>
+      <p:par>
+        <p:cTn xmlns:p14="http://schemas.microsoft.com/office/powerpoint/2010/main" id="1" dur="indefinite" restart="never" nodeType="tmRoot"/>
+      </p:par>
+    </p:tnLst>
+  </p:timing>
+</p:sld>
+</file>
+
+<file path=ppt/slides/slide15.xml><?xml version="1.0" encoding="utf-8"?>
+<p:sld xmlns:a="http://schemas.openxmlformats.org/drawingml/2006/main" xmlns:r="http://schemas.openxmlformats.org/officeDocument/2006/relationships" xmlns:p="http://schemas.openxmlformats.org/presentationml/2006/main">
+  <p:cSld>
+    <p:spTree>
+      <p:nvGrpSpPr>
+        <p:cNvPr id="1" name=""/>
+        <p:cNvGrpSpPr/>
+        <p:nvPr/>
+      </p:nvGrpSpPr>
+      <p:grpSpPr>
+        <a:xfrm>
+          <a:off x="0" y="0"/>
+          <a:ext cx="0" cy="0"/>
+          <a:chOff x="0" y="0"/>
+          <a:chExt cx="0" cy="0"/>
+        </a:xfrm>
+      </p:grpSpPr>
+      <p:sp>
+        <p:nvSpPr>
+          <p:cNvPr id="2" name="Title 1"/>
+          <p:cNvSpPr>
+            <a:spLocks noGrp="1"/>
+          </p:cNvSpPr>
+          <p:nvPr>
+            <p:ph type="ctrTitle"/>
+          </p:nvPr>
+        </p:nvSpPr>
+        <p:spPr>
+          <a:xfrm>
+            <a:off x="685800" y="927277"/>
+            <a:ext cx="7772400" cy="1190627"/>
+          </a:xfrm>
+        </p:spPr>
+        <p:txBody>
+          <a:bodyPr/>
+          <a:lstStyle/>
+          <a:p>
+            <a:pPr marL="457200" indent="-457200"/>
+            <a:r>
+              <a:rPr lang="pt-PT" sz="5400" dirty="0" err="1" smtClean="0"/>
+              <a:t>Video</a:t>
+            </a:r>
+            <a:r>
+              <a:rPr lang="pt-PT" sz="5400" dirty="0" smtClean="0"/>
+              <a:t> </a:t>
+            </a:r>
+            <a:r>
+              <a:rPr lang="pt-PT" sz="5400" dirty="0" err="1" smtClean="0"/>
+              <a:t>player</a:t>
+            </a:r>
+            <a:r>
+              <a:rPr lang="pt-PT" sz="5400" dirty="0" smtClean="0"/>
+              <a:t> performance</a:t>
+            </a:r>
+            <a:endParaRPr lang="pt-PT" sz="5400" dirty="0"/>
+          </a:p>
+        </p:txBody>
+      </p:sp>
+      <p:pic>
+        <p:nvPicPr>
+          <p:cNvPr id="4" name="Picture 3" descr="ist.jpg"/>
+          <p:cNvPicPr>
+            <a:picLocks noChangeAspect="1"/>
+          </p:cNvPicPr>
+          <p:nvPr/>
+        </p:nvPicPr>
+        <p:blipFill>
+          <a:blip r:embed="rId2">
+            <a:extLst>
+              <a:ext uri="{28A0092B-C50C-407E-A947-70E740481C1C}">
+                <a14:useLocalDpi xmlns:a14="http://schemas.microsoft.com/office/drawing/2010/main" val="0"/>
+              </a:ext>
+            </a:extLst>
+          </a:blip>
+          <a:stretch>
+            <a:fillRect/>
+          </a:stretch>
+        </p:blipFill>
+        <p:spPr>
+          <a:xfrm>
+            <a:off x="262396" y="239123"/>
+            <a:ext cx="1949172" cy="857340"/>
+          </a:xfrm>
+          <a:prstGeom prst="rect">
+            <a:avLst/>
+          </a:prstGeom>
+        </p:spPr>
+      </p:pic>
+      <p:pic>
+        <p:nvPicPr>
+          <p:cNvPr id="3" name="Picture 2" descr="Captura de ecrã 2015-03-21, às 18.10.42.png"/>
+          <p:cNvPicPr>
+            <a:picLocks noChangeAspect="1"/>
+          </p:cNvPicPr>
+          <p:nvPr/>
+        </p:nvPicPr>
+        <p:blipFill>
+          <a:blip r:embed="rId3">
+            <a:extLst>
+              <a:ext uri="{28A0092B-C50C-407E-A947-70E740481C1C}">
+                <a14:useLocalDpi xmlns:a14="http://schemas.microsoft.com/office/drawing/2010/main" val="0"/>
+              </a:ext>
+            </a:extLst>
+          </a:blip>
+          <a:stretch>
+            <a:fillRect/>
+          </a:stretch>
+        </p:blipFill>
+        <p:spPr>
+          <a:xfrm>
+            <a:off x="0" y="2876357"/>
+            <a:ext cx="9144000" cy="2483037"/>
+          </a:xfrm>
+          <a:prstGeom prst="rect">
+            <a:avLst/>
+          </a:prstGeom>
+        </p:spPr>
+      </p:pic>
+    </p:spTree>
+    <p:extLst>
+      <p:ext uri="{BB962C8B-B14F-4D97-AF65-F5344CB8AC3E}">
+        <p14:creationId xmlns:p14="http://schemas.microsoft.com/office/powerpoint/2010/main" val="1278221969"/>
+      </p:ext>
+    </p:extLst>
+  </p:cSld>
+  <p:clrMapOvr>
+    <a:masterClrMapping/>
+  </p:clrMapOvr>
+  <p:timing>
+    <p:tnLst>
+      <p:par>
+        <p:cTn xmlns:p14="http://schemas.microsoft.com/office/powerpoint/2010/main" id="1" dur="indefinite" restart="never" nodeType="tmRoot"/>
+      </p:par>
+    </p:tnLst>
+  </p:timing>
+</p:sld>
+</file>
+
+<file path=ppt/slides/slide16.xml><?xml version="1.0" encoding="utf-8"?>
+<p:sld xmlns:a="http://schemas.openxmlformats.org/drawingml/2006/main" xmlns:r="http://schemas.openxmlformats.org/officeDocument/2006/relationships" xmlns:p="http://schemas.openxmlformats.org/presentationml/2006/main">
+  <p:cSld>
+    <p:spTree>
+      <p:nvGrpSpPr>
+        <p:cNvPr id="1" name=""/>
+        <p:cNvGrpSpPr/>
+        <p:nvPr/>
+      </p:nvGrpSpPr>
+      <p:grpSpPr>
+        <a:xfrm>
+          <a:off x="0" y="0"/>
+          <a:ext cx="0" cy="0"/>
+          <a:chOff x="0" y="0"/>
+          <a:chExt cx="0" cy="0"/>
+        </a:xfrm>
+      </p:grpSpPr>
+      <p:sp>
+        <p:nvSpPr>
+          <p:cNvPr id="2" name="Title 1"/>
+          <p:cNvSpPr>
+            <a:spLocks noGrp="1"/>
+          </p:cNvSpPr>
+          <p:nvPr>
+            <p:ph type="ctrTitle"/>
+          </p:nvPr>
+        </p:nvSpPr>
+        <p:spPr>
+          <a:xfrm>
+            <a:off x="685800" y="927277"/>
+            <a:ext cx="7772400" cy="1190627"/>
+          </a:xfrm>
+        </p:spPr>
+        <p:txBody>
+          <a:bodyPr/>
+          <a:lstStyle/>
+          <a:p>
+            <a:pPr marL="457200" indent="-457200"/>
+            <a:r>
+              <a:rPr lang="pt-PT" sz="5400" dirty="0" smtClean="0"/>
+              <a:t>Web browser performance</a:t>
+            </a:r>
+            <a:endParaRPr lang="pt-PT" sz="5400" dirty="0"/>
+          </a:p>
+        </p:txBody>
+      </p:sp>
+      <p:pic>
+        <p:nvPicPr>
+          <p:cNvPr id="4" name="Picture 3" descr="ist.jpg"/>
+          <p:cNvPicPr>
+            <a:picLocks noChangeAspect="1"/>
+          </p:cNvPicPr>
+          <p:nvPr/>
+        </p:nvPicPr>
+        <p:blipFill>
+          <a:blip r:embed="rId2">
+            <a:extLst>
+              <a:ext uri="{28A0092B-C50C-407E-A947-70E740481C1C}">
+                <a14:useLocalDpi xmlns:a14="http://schemas.microsoft.com/office/drawing/2010/main" val="0"/>
+              </a:ext>
+            </a:extLst>
+          </a:blip>
+          <a:stretch>
+            <a:fillRect/>
+          </a:stretch>
+        </p:blipFill>
+        <p:spPr>
+          <a:xfrm>
+            <a:off x="262396" y="239123"/>
+            <a:ext cx="1949172" cy="857340"/>
+          </a:xfrm>
+          <a:prstGeom prst="rect">
+            <a:avLst/>
+          </a:prstGeom>
+        </p:spPr>
+      </p:pic>
+      <p:pic>
+        <p:nvPicPr>
+          <p:cNvPr id="5" name="Picture 4" descr="Captura de ecrã 2015-03-21, às 18.11.21.png"/>
+          <p:cNvPicPr>
+            <a:picLocks noChangeAspect="1"/>
+          </p:cNvPicPr>
+          <p:nvPr/>
+        </p:nvPicPr>
+        <p:blipFill>
+          <a:blip r:embed="rId3">
+            <a:extLst>
+              <a:ext uri="{28A0092B-C50C-407E-A947-70E740481C1C}">
+                <a14:useLocalDpi xmlns:a14="http://schemas.microsoft.com/office/drawing/2010/main" val="0"/>
+              </a:ext>
+            </a:extLst>
+          </a:blip>
+          <a:stretch>
+            <a:fillRect/>
+          </a:stretch>
+        </p:blipFill>
+        <p:spPr>
+          <a:xfrm>
+            <a:off x="0" y="2526172"/>
+            <a:ext cx="9144000" cy="2707611"/>
+          </a:xfrm>
+          <a:prstGeom prst="rect">
+            <a:avLst/>
+          </a:prstGeom>
+        </p:spPr>
+      </p:pic>
+    </p:spTree>
+    <p:extLst>
+      <p:ext uri="{BB962C8B-B14F-4D97-AF65-F5344CB8AC3E}">
+        <p14:creationId xmlns:p14="http://schemas.microsoft.com/office/powerpoint/2010/main" val="3739394827"/>
+      </p:ext>
+    </p:extLst>
+  </p:cSld>
+  <p:clrMapOvr>
+    <a:masterClrMapping/>
+  </p:clrMapOvr>
+  <p:timing>
+    <p:tnLst>
+      <p:par>
+        <p:cTn xmlns:p14="http://schemas.microsoft.com/office/powerpoint/2010/main" id="1" dur="indefinite" restart="never" nodeType="tmRoot"/>
+      </p:par>
+    </p:tnLst>
+  </p:timing>
+</p:sld>
+</file>
+
+<file path=ppt/slides/slide17.xml><?xml version="1.0" encoding="utf-8"?>
+<p:sld xmlns:a="http://schemas.openxmlformats.org/drawingml/2006/main" xmlns:r="http://schemas.openxmlformats.org/officeDocument/2006/relationships" xmlns:p="http://schemas.openxmlformats.org/presentationml/2006/main">
+  <p:cSld>
+    <p:spTree>
+      <p:nvGrpSpPr>
+        <p:cNvPr id="1" name=""/>
+        <p:cNvGrpSpPr/>
+        <p:nvPr/>
+      </p:nvGrpSpPr>
+      <p:grpSpPr>
+        <a:xfrm>
+          <a:off x="0" y="0"/>
+          <a:ext cx="0" cy="0"/>
+          <a:chOff x="0" y="0"/>
+          <a:chExt cx="0" cy="0"/>
+        </a:xfrm>
+      </p:grpSpPr>
+      <p:sp>
+        <p:nvSpPr>
+          <p:cNvPr id="2" name="Title 1"/>
+          <p:cNvSpPr>
+            <a:spLocks noGrp="1"/>
+          </p:cNvSpPr>
+          <p:nvPr>
+            <p:ph type="ctrTitle"/>
+          </p:nvPr>
+        </p:nvSpPr>
+        <p:spPr>
+          <a:xfrm>
+            <a:off x="685800" y="927277"/>
+            <a:ext cx="7772400" cy="1190627"/>
+          </a:xfrm>
+        </p:spPr>
+        <p:txBody>
+          <a:bodyPr>
+            <a:normAutofit fontScale="90000"/>
+          </a:bodyPr>
+          <a:lstStyle/>
+          <a:p>
+            <a:pPr marL="457200" indent="-457200"/>
+            <a:r>
+              <a:rPr lang="pt-PT" sz="5400" dirty="0" err="1" smtClean="0"/>
+              <a:t>Speech</a:t>
+            </a:r>
+            <a:r>
+              <a:rPr lang="pt-PT" sz="5400" dirty="0" smtClean="0"/>
+              <a:t> </a:t>
+            </a:r>
+            <a:r>
+              <a:rPr lang="pt-PT" sz="5400" dirty="0" err="1" smtClean="0"/>
+              <a:t>recognizer</a:t>
+            </a:r>
+            <a:r>
+              <a:rPr lang="pt-PT" sz="5400" dirty="0" smtClean="0"/>
+              <a:t> performance</a:t>
+            </a:r>
+            <a:endParaRPr lang="pt-PT" sz="5400" dirty="0"/>
+          </a:p>
+        </p:txBody>
+      </p:sp>
+      <p:pic>
+        <p:nvPicPr>
+          <p:cNvPr id="4" name="Picture 3" descr="ist.jpg"/>
+          <p:cNvPicPr>
+            <a:picLocks noChangeAspect="1"/>
+          </p:cNvPicPr>
+          <p:nvPr/>
+        </p:nvPicPr>
+        <p:blipFill>
+          <a:blip r:embed="rId2">
+            <a:extLst>
+              <a:ext uri="{28A0092B-C50C-407E-A947-70E740481C1C}">
+                <a14:useLocalDpi xmlns:a14="http://schemas.microsoft.com/office/drawing/2010/main" val="0"/>
+              </a:ext>
+            </a:extLst>
+          </a:blip>
+          <a:stretch>
+            <a:fillRect/>
+          </a:stretch>
+        </p:blipFill>
+        <p:spPr>
+          <a:xfrm>
+            <a:off x="262396" y="239123"/>
+            <a:ext cx="1949172" cy="857340"/>
+          </a:xfrm>
+          <a:prstGeom prst="rect">
+            <a:avLst/>
+          </a:prstGeom>
+        </p:spPr>
+      </p:pic>
+      <p:pic>
+        <p:nvPicPr>
+          <p:cNvPr id="3" name="Picture 2" descr="Captura de ecrã 2015-03-21, às 18.12.23.png"/>
+          <p:cNvPicPr>
+            <a:picLocks noChangeAspect="1"/>
+          </p:cNvPicPr>
+          <p:nvPr/>
+        </p:nvPicPr>
+        <p:blipFill>
+          <a:blip r:embed="rId3">
+            <a:extLst>
+              <a:ext uri="{28A0092B-C50C-407E-A947-70E740481C1C}">
+                <a14:useLocalDpi xmlns:a14="http://schemas.microsoft.com/office/drawing/2010/main" val="0"/>
+              </a:ext>
+            </a:extLst>
+          </a:blip>
+          <a:stretch>
+            <a:fillRect/>
+          </a:stretch>
+        </p:blipFill>
+        <p:spPr>
+          <a:xfrm>
+            <a:off x="685800" y="2602040"/>
+            <a:ext cx="8166100" cy="3225800"/>
+          </a:xfrm>
+          <a:prstGeom prst="rect">
+            <a:avLst/>
+          </a:prstGeom>
+        </p:spPr>
+      </p:pic>
+    </p:spTree>
+    <p:extLst>
+      <p:ext uri="{BB962C8B-B14F-4D97-AF65-F5344CB8AC3E}">
+        <p14:creationId xmlns:p14="http://schemas.microsoft.com/office/powerpoint/2010/main" val="438159243"/>
+      </p:ext>
+    </p:extLst>
+  </p:cSld>
+  <p:clrMapOvr>
+    <a:masterClrMapping/>
+  </p:clrMapOvr>
+  <p:timing>
+    <p:tnLst>
+      <p:par>
+        <p:cTn xmlns:p14="http://schemas.microsoft.com/office/powerpoint/2010/main" id="1" dur="indefinite" restart="never" nodeType="tmRoot"/>
+      </p:par>
+    </p:tnLst>
+  </p:timing>
+</p:sld>
+</file>
+
+<file path=ppt/slides/slide18.xml><?xml version="1.0" encoding="utf-8"?>
+<p:sld xmlns:a="http://schemas.openxmlformats.org/drawingml/2006/main" xmlns:r="http://schemas.openxmlformats.org/officeDocument/2006/relationships" xmlns:p="http://schemas.openxmlformats.org/presentationml/2006/main">
+  <p:cSld>
+    <p:spTree>
+      <p:nvGrpSpPr>
+        <p:cNvPr id="1" name=""/>
+        <p:cNvGrpSpPr/>
+        <p:nvPr/>
+      </p:nvGrpSpPr>
+      <p:grpSpPr>
+        <a:xfrm>
+          <a:off x="0" y="0"/>
+          <a:ext cx="0" cy="0"/>
+          <a:chOff x="0" y="0"/>
+          <a:chExt cx="0" cy="0"/>
+        </a:xfrm>
+      </p:grpSpPr>
+      <p:sp>
+        <p:nvSpPr>
+          <p:cNvPr id="2" name="Title 1"/>
+          <p:cNvSpPr>
+            <a:spLocks noGrp="1"/>
+          </p:cNvSpPr>
+          <p:nvPr>
+            <p:ph type="ctrTitle"/>
+          </p:nvPr>
+        </p:nvSpPr>
+        <p:spPr>
+          <a:xfrm>
+            <a:off x="685800" y="927277"/>
+            <a:ext cx="7772400" cy="1190627"/>
+          </a:xfrm>
+        </p:spPr>
+        <p:txBody>
+          <a:bodyPr>
+            <a:normAutofit/>
+          </a:bodyPr>
+          <a:lstStyle/>
+          <a:p>
+            <a:pPr marL="457200" indent="-457200"/>
+            <a:r>
+              <a:rPr lang="pt-PT" sz="5400" dirty="0" err="1" smtClean="0"/>
+              <a:t>Conclusion</a:t>
+            </a:r>
+            <a:endParaRPr lang="pt-PT" sz="5400" dirty="0"/>
+          </a:p>
+        </p:txBody>
+      </p:sp>
+      <p:pic>
+        <p:nvPicPr>
+          <p:cNvPr id="4" name="Picture 3" descr="ist.jpg"/>
+          <p:cNvPicPr>
+            <a:picLocks noChangeAspect="1"/>
+          </p:cNvPicPr>
+          <p:nvPr/>
+        </p:nvPicPr>
+        <p:blipFill>
+          <a:blip r:embed="rId2">
+            <a:extLst>
+              <a:ext uri="{28A0092B-C50C-407E-A947-70E740481C1C}">
+                <a14:useLocalDpi xmlns:a14="http://schemas.microsoft.com/office/drawing/2010/main" val="0"/>
+              </a:ext>
+            </a:extLst>
+          </a:blip>
+          <a:stretch>
+            <a:fillRect/>
+          </a:stretch>
+        </p:blipFill>
+        <p:spPr>
+          <a:xfrm>
+            <a:off x="262396" y="239123"/>
+            <a:ext cx="1949172" cy="857340"/>
+          </a:xfrm>
+          <a:prstGeom prst="rect">
+            <a:avLst/>
+          </a:prstGeom>
+        </p:spPr>
+      </p:pic>
+      <p:sp>
+        <p:nvSpPr>
+          <p:cNvPr id="5" name="TextBox 4"/>
+          <p:cNvSpPr txBox="1"/>
+          <p:nvPr/>
+        </p:nvSpPr>
+        <p:spPr>
+          <a:xfrm>
+            <a:off x="741620" y="2358691"/>
+            <a:ext cx="7226674" cy="1815882"/>
+          </a:xfrm>
+          <a:prstGeom prst="rect">
+            <a:avLst/>
+          </a:prstGeom>
+          <a:noFill/>
+        </p:spPr>
+        <p:txBody>
+          <a:bodyPr wrap="square" rtlCol="0">
+            <a:spAutoFit/>
+          </a:bodyPr>
+          <a:lstStyle/>
+          <a:p>
+            <a:pPr marL="457200" indent="-457200">
+              <a:buFont typeface="Arial"/>
+              <a:buChar char="•"/>
+            </a:pPr>
+            <a:r>
+              <a:rPr lang="pt-PT" sz="2800" dirty="0" err="1" smtClean="0"/>
+              <a:t>Partnership</a:t>
+            </a:r>
+            <a:r>
+              <a:rPr lang="pt-PT" sz="2800" dirty="0" smtClean="0"/>
+              <a:t> </a:t>
+            </a:r>
+            <a:r>
+              <a:rPr lang="pt-PT" sz="2800" dirty="0" err="1" smtClean="0"/>
+              <a:t>between</a:t>
+            </a:r>
+            <a:r>
+              <a:rPr lang="pt-PT" sz="2800" dirty="0" smtClean="0"/>
+              <a:t> </a:t>
+            </a:r>
+            <a:r>
+              <a:rPr lang="pt-PT" sz="2800" dirty="0" err="1" smtClean="0"/>
+              <a:t>application</a:t>
+            </a:r>
+            <a:r>
+              <a:rPr lang="pt-PT" sz="2800" dirty="0" smtClean="0"/>
+              <a:t> </a:t>
+            </a:r>
+            <a:r>
+              <a:rPr lang="pt-PT" sz="2800" dirty="0" err="1" smtClean="0"/>
+              <a:t>and</a:t>
+            </a:r>
+            <a:r>
+              <a:rPr lang="pt-PT" sz="2800" dirty="0" smtClean="0"/>
+              <a:t> </a:t>
+            </a:r>
+            <a:r>
+              <a:rPr lang="pt-PT" sz="2800" dirty="0" err="1" smtClean="0"/>
+              <a:t>system</a:t>
+            </a:r>
+            <a:r>
+              <a:rPr lang="pt-PT" sz="2800" dirty="0" smtClean="0"/>
+              <a:t>;</a:t>
+            </a:r>
+          </a:p>
+          <a:p>
+            <a:pPr marL="457200" indent="-457200">
+              <a:buFont typeface="Arial"/>
+              <a:buChar char="•"/>
+            </a:pPr>
+            <a:endParaRPr lang="pt-PT" sz="2800" dirty="0"/>
+          </a:p>
+          <a:p>
+            <a:pPr marL="457200" indent="-457200" algn="just">
+              <a:buFont typeface="Arial"/>
+              <a:buChar char="•"/>
+            </a:pPr>
+            <a:r>
+              <a:rPr lang="pt-PT" sz="2800" dirty="0" err="1" smtClean="0"/>
+              <a:t>Application</a:t>
+            </a:r>
+            <a:r>
+              <a:rPr lang="pt-PT" sz="2800" dirty="0" err="1"/>
+              <a:t>-</a:t>
+            </a:r>
+            <a:r>
+              <a:rPr lang="pt-PT" sz="2800" dirty="0" err="1" smtClean="0"/>
+              <a:t>aware</a:t>
+            </a:r>
+            <a:r>
+              <a:rPr lang="pt-PT" sz="2800" dirty="0" smtClean="0"/>
+              <a:t> </a:t>
+            </a:r>
+            <a:r>
+              <a:rPr lang="pt-PT" sz="2800" dirty="0" err="1" smtClean="0"/>
+              <a:t>adaptation</a:t>
+            </a:r>
+            <a:r>
+              <a:rPr lang="pt-PT" sz="2800" dirty="0" smtClean="0"/>
+              <a:t> </a:t>
+            </a:r>
+            <a:r>
+              <a:rPr lang="pt-PT" sz="2800" dirty="0" err="1" smtClean="0"/>
+              <a:t>is</a:t>
+            </a:r>
+            <a:r>
+              <a:rPr lang="pt-PT" sz="2800" dirty="0" smtClean="0"/>
+              <a:t> superior to </a:t>
+            </a:r>
+            <a:r>
+              <a:rPr lang="pt-PT" sz="2800" dirty="0" err="1" smtClean="0"/>
+              <a:t>static</a:t>
+            </a:r>
+            <a:r>
+              <a:rPr lang="pt-PT" sz="2800" dirty="0" smtClean="0"/>
+              <a:t> </a:t>
+            </a:r>
+            <a:r>
+              <a:rPr lang="pt-PT" sz="2800" dirty="0" err="1" smtClean="0"/>
+              <a:t>strategies</a:t>
+            </a:r>
+            <a:r>
+              <a:rPr lang="pt-PT" sz="2800" dirty="0" smtClean="0"/>
+              <a:t>.</a:t>
+            </a:r>
+            <a:endParaRPr lang="pt-PT" sz="2800" dirty="0"/>
+          </a:p>
+        </p:txBody>
+      </p:sp>
+    </p:spTree>
+    <p:extLst>
+      <p:ext uri="{BB962C8B-B14F-4D97-AF65-F5344CB8AC3E}">
+        <p14:creationId xmlns:p14="http://schemas.microsoft.com/office/powerpoint/2010/main" val="923480829"/>
+      </p:ext>
+    </p:extLst>
+  </p:cSld>
+  <p:clrMapOvr>
+    <a:masterClrMapping/>
+  </p:clrMapOvr>
+  <p:timing>
+    <p:tnLst>
+      <p:par>
+        <p:cTn xmlns:p14="http://schemas.microsoft.com/office/powerpoint/2010/main" id="1" dur="indefinite" restart="never" nodeType="tmRoot"/>
+      </p:par>
+    </p:tnLst>
+  </p:timing>
+</p:sld>
+</file>
+
+<file path=ppt/slides/slide19.xml><?xml version="1.0" encoding="utf-8"?>
+<p:sld xmlns:a="http://schemas.openxmlformats.org/drawingml/2006/main" xmlns:r="http://schemas.openxmlformats.org/officeDocument/2006/relationships" xmlns:p="http://schemas.openxmlformats.org/presentationml/2006/main">
+  <p:cSld>
+    <p:spTree>
+      <p:nvGrpSpPr>
+        <p:cNvPr id="1" name=""/>
+        <p:cNvGrpSpPr/>
+        <p:nvPr/>
+      </p:nvGrpSpPr>
+      <p:grpSpPr>
+        <a:xfrm>
+          <a:off x="0" y="0"/>
+          <a:ext cx="0" cy="0"/>
+          <a:chOff x="0" y="0"/>
+          <a:chExt cx="0" cy="0"/>
+        </a:xfrm>
+      </p:grpSpPr>
+      <p:sp>
+        <p:nvSpPr>
+          <p:cNvPr id="2" name="Title 1"/>
+          <p:cNvSpPr>
+            <a:spLocks noGrp="1"/>
+          </p:cNvSpPr>
+          <p:nvPr>
+            <p:ph type="ctrTitle"/>
+          </p:nvPr>
+        </p:nvSpPr>
+        <p:spPr>
+          <a:xfrm>
+            <a:off x="685800" y="927277"/>
+            <a:ext cx="7772400" cy="1190627"/>
+          </a:xfrm>
+        </p:spPr>
+        <p:txBody>
+          <a:bodyPr>
+            <a:normAutofit/>
+          </a:bodyPr>
+          <a:lstStyle/>
+          <a:p>
+            <a:pPr marL="457200" indent="-457200"/>
+            <a:r>
+              <a:rPr lang="pt-PT" sz="5400" dirty="0" smtClean="0"/>
+              <a:t>Q&amp;A</a:t>
+            </a:r>
+            <a:endParaRPr lang="pt-PT" sz="5400" dirty="0"/>
+          </a:p>
+        </p:txBody>
+      </p:sp>
+      <p:pic>
+        <p:nvPicPr>
+          <p:cNvPr id="4" name="Picture 3" descr="ist.jpg"/>
+          <p:cNvPicPr>
+            <a:picLocks noChangeAspect="1"/>
+          </p:cNvPicPr>
+          <p:nvPr/>
+        </p:nvPicPr>
+        <p:blipFill>
+          <a:blip r:embed="rId2">
+            <a:extLst>
+              <a:ext uri="{28A0092B-C50C-407E-A947-70E740481C1C}">
+                <a14:useLocalDpi xmlns:a14="http://schemas.microsoft.com/office/drawing/2010/main" val="0"/>
+              </a:ext>
+            </a:extLst>
+          </a:blip>
+          <a:stretch>
+            <a:fillRect/>
+          </a:stretch>
+        </p:blipFill>
+        <p:spPr>
+          <a:xfrm>
+            <a:off x="262396" y="239123"/>
+            <a:ext cx="1949172" cy="857340"/>
+          </a:xfrm>
+          <a:prstGeom prst="rect">
+            <a:avLst/>
+          </a:prstGeom>
+        </p:spPr>
+      </p:pic>
+      <p:pic>
+        <p:nvPicPr>
+          <p:cNvPr id="3" name="Picture 2" descr="question21.gif"/>
+          <p:cNvPicPr>
+            <a:picLocks noChangeAspect="1"/>
+          </p:cNvPicPr>
+          <p:nvPr/>
+        </p:nvPicPr>
+        <p:blipFill>
+          <a:blip r:embed="rId3">
+            <a:extLst>
+              <a:ext uri="{28A0092B-C50C-407E-A947-70E740481C1C}">
+                <a14:useLocalDpi xmlns:a14="http://schemas.microsoft.com/office/drawing/2010/main" val="0"/>
+              </a:ext>
+            </a:extLst>
+          </a:blip>
+          <a:stretch>
+            <a:fillRect/>
+          </a:stretch>
+        </p:blipFill>
+        <p:spPr>
+          <a:xfrm>
+            <a:off x="2630515" y="2552803"/>
+            <a:ext cx="3621316" cy="3621316"/>
+          </a:xfrm>
+          <a:prstGeom prst="rect">
+            <a:avLst/>
+          </a:prstGeom>
+        </p:spPr>
+      </p:pic>
+    </p:spTree>
+    <p:extLst>
+      <p:ext uri="{BB962C8B-B14F-4D97-AF65-F5344CB8AC3E}">
+        <p14:creationId xmlns:p14="http://schemas.microsoft.com/office/powerpoint/2010/main" val="2405380628"/>
       </p:ext>
     </p:extLst>
   </p:cSld>

--- a/paper-presentation/cmov-presentation.pptx
+++ b/paper-presentation/cmov-presentation.pptx
@@ -4,6 +4,9 @@
   <p:sldMasterIdLst>
     <p:sldMasterId id="2147483648" r:id="rId1"/>
   </p:sldMasterIdLst>
+  <p:notesMasterIdLst>
+    <p:notesMasterId r:id="rId21"/>
+  </p:notesMasterIdLst>
   <p:sldIdLst>
     <p:sldId id="256" r:id="rId2"/>
     <p:sldId id="257" r:id="rId3"/>
@@ -125,6 +128,873 @@
 </p:presentation>
 </file>
 
+<file path=ppt/notesMasters/notesMaster1.xml><?xml version="1.0" encoding="utf-8"?>
+<p:notesMaster xmlns:a="http://schemas.openxmlformats.org/drawingml/2006/main" xmlns:r="http://schemas.openxmlformats.org/officeDocument/2006/relationships" xmlns:p="http://schemas.openxmlformats.org/presentationml/2006/main">
+  <p:cSld>
+    <p:bg>
+      <p:bgRef idx="1001">
+        <a:schemeClr val="bg1"/>
+      </p:bgRef>
+    </p:bg>
+    <p:spTree>
+      <p:nvGrpSpPr>
+        <p:cNvPr id="1" name=""/>
+        <p:cNvGrpSpPr/>
+        <p:nvPr/>
+      </p:nvGrpSpPr>
+      <p:grpSpPr>
+        <a:xfrm>
+          <a:off x="0" y="0"/>
+          <a:ext cx="0" cy="0"/>
+          <a:chOff x="0" y="0"/>
+          <a:chExt cx="0" cy="0"/>
+        </a:xfrm>
+      </p:grpSpPr>
+      <p:sp>
+        <p:nvSpPr>
+          <p:cNvPr id="2" name="Header Placeholder 1"/>
+          <p:cNvSpPr>
+            <a:spLocks noGrp="1"/>
+          </p:cNvSpPr>
+          <p:nvPr>
+            <p:ph type="hdr" sz="quarter"/>
+          </p:nvPr>
+        </p:nvSpPr>
+        <p:spPr>
+          <a:xfrm>
+            <a:off x="0" y="0"/>
+            <a:ext cx="2971800" cy="457200"/>
+          </a:xfrm>
+          <a:prstGeom prst="rect">
+            <a:avLst/>
+          </a:prstGeom>
+        </p:spPr>
+        <p:txBody>
+          <a:bodyPr vert="horz" lIns="91440" tIns="45720" rIns="91440" bIns="45720" rtlCol="0"/>
+          <a:lstStyle>
+            <a:lvl1pPr algn="l">
+              <a:defRPr sz="1200"/>
+            </a:lvl1pPr>
+          </a:lstStyle>
+          <a:p>
+            <a:endParaRPr lang="pt-PT"/>
+          </a:p>
+        </p:txBody>
+      </p:sp>
+      <p:sp>
+        <p:nvSpPr>
+          <p:cNvPr id="3" name="Date Placeholder 2"/>
+          <p:cNvSpPr>
+            <a:spLocks noGrp="1"/>
+          </p:cNvSpPr>
+          <p:nvPr>
+            <p:ph type="dt" idx="1"/>
+          </p:nvPr>
+        </p:nvSpPr>
+        <p:spPr>
+          <a:xfrm>
+            <a:off x="3884613" y="0"/>
+            <a:ext cx="2971800" cy="457200"/>
+          </a:xfrm>
+          <a:prstGeom prst="rect">
+            <a:avLst/>
+          </a:prstGeom>
+        </p:spPr>
+        <p:txBody>
+          <a:bodyPr vert="horz" lIns="91440" tIns="45720" rIns="91440" bIns="45720" rtlCol="0"/>
+          <a:lstStyle>
+            <a:lvl1pPr algn="r">
+              <a:defRPr sz="1200"/>
+            </a:lvl1pPr>
+          </a:lstStyle>
+          <a:p>
+            <a:fld id="{2FA65AC6-C941-6C4C-9AB4-AE5EDD652CCD}" type="datetimeFigureOut">
+              <a:rPr lang="en-US" smtClean="0"/>
+              <a:t>23/03/15</a:t>
+            </a:fld>
+            <a:endParaRPr lang="pt-PT"/>
+          </a:p>
+        </p:txBody>
+      </p:sp>
+      <p:sp>
+        <p:nvSpPr>
+          <p:cNvPr id="4" name="Slide Image Placeholder 3"/>
+          <p:cNvSpPr>
+            <a:spLocks noGrp="1" noRot="1" noChangeAspect="1"/>
+          </p:cNvSpPr>
+          <p:nvPr>
+            <p:ph type="sldImg" idx="2"/>
+          </p:nvPr>
+        </p:nvSpPr>
+        <p:spPr>
+          <a:xfrm>
+            <a:off x="1143000" y="685800"/>
+            <a:ext cx="4572000" cy="3429000"/>
+          </a:xfrm>
+          <a:prstGeom prst="rect">
+            <a:avLst/>
+          </a:prstGeom>
+          <a:noFill/>
+          <a:ln w="12700">
+            <a:solidFill>
+              <a:prstClr val="black"/>
+            </a:solidFill>
+          </a:ln>
+        </p:spPr>
+        <p:txBody>
+          <a:bodyPr vert="horz" lIns="91440" tIns="45720" rIns="91440" bIns="45720" rtlCol="0" anchor="ctr"/>
+          <a:lstStyle/>
+          <a:p>
+            <a:endParaRPr lang="pt-PT"/>
+          </a:p>
+        </p:txBody>
+      </p:sp>
+      <p:sp>
+        <p:nvSpPr>
+          <p:cNvPr id="5" name="Notes Placeholder 4"/>
+          <p:cNvSpPr>
+            <a:spLocks noGrp="1"/>
+          </p:cNvSpPr>
+          <p:nvPr>
+            <p:ph type="body" sz="quarter" idx="3"/>
+          </p:nvPr>
+        </p:nvSpPr>
+        <p:spPr>
+          <a:xfrm>
+            <a:off x="685800" y="4343400"/>
+            <a:ext cx="5486400" cy="4114800"/>
+          </a:xfrm>
+          <a:prstGeom prst="rect">
+            <a:avLst/>
+          </a:prstGeom>
+        </p:spPr>
+        <p:txBody>
+          <a:bodyPr vert="horz" lIns="91440" tIns="45720" rIns="91440" bIns="45720" rtlCol="0"/>
+          <a:lstStyle/>
+          <a:p>
+            <a:pPr lvl="0"/>
+            <a:r>
+              <a:rPr lang="pt-PT" smtClean="0"/>
+              <a:t>Click to edit Master text styles</a:t>
+            </a:r>
+          </a:p>
+          <a:p>
+            <a:pPr lvl="1"/>
+            <a:r>
+              <a:rPr lang="pt-PT" smtClean="0"/>
+              <a:t>Second level</a:t>
+            </a:r>
+          </a:p>
+          <a:p>
+            <a:pPr lvl="2"/>
+            <a:r>
+              <a:rPr lang="pt-PT" smtClean="0"/>
+              <a:t>Third level</a:t>
+            </a:r>
+          </a:p>
+          <a:p>
+            <a:pPr lvl="3"/>
+            <a:r>
+              <a:rPr lang="pt-PT" smtClean="0"/>
+              <a:t>Fourth level</a:t>
+            </a:r>
+          </a:p>
+          <a:p>
+            <a:pPr lvl="4"/>
+            <a:r>
+              <a:rPr lang="pt-PT" smtClean="0"/>
+              <a:t>Fifth level</a:t>
+            </a:r>
+            <a:endParaRPr lang="pt-PT"/>
+          </a:p>
+        </p:txBody>
+      </p:sp>
+      <p:sp>
+        <p:nvSpPr>
+          <p:cNvPr id="6" name="Footer Placeholder 5"/>
+          <p:cNvSpPr>
+            <a:spLocks noGrp="1"/>
+          </p:cNvSpPr>
+          <p:nvPr>
+            <p:ph type="ftr" sz="quarter" idx="4"/>
+          </p:nvPr>
+        </p:nvSpPr>
+        <p:spPr>
+          <a:xfrm>
+            <a:off x="0" y="8685213"/>
+            <a:ext cx="2971800" cy="457200"/>
+          </a:xfrm>
+          <a:prstGeom prst="rect">
+            <a:avLst/>
+          </a:prstGeom>
+        </p:spPr>
+        <p:txBody>
+          <a:bodyPr vert="horz" lIns="91440" tIns="45720" rIns="91440" bIns="45720" rtlCol="0" anchor="b"/>
+          <a:lstStyle>
+            <a:lvl1pPr algn="l">
+              <a:defRPr sz="1200"/>
+            </a:lvl1pPr>
+          </a:lstStyle>
+          <a:p>
+            <a:endParaRPr lang="pt-PT"/>
+          </a:p>
+        </p:txBody>
+      </p:sp>
+      <p:sp>
+        <p:nvSpPr>
+          <p:cNvPr id="7" name="Slide Number Placeholder 6"/>
+          <p:cNvSpPr>
+            <a:spLocks noGrp="1"/>
+          </p:cNvSpPr>
+          <p:nvPr>
+            <p:ph type="sldNum" sz="quarter" idx="5"/>
+          </p:nvPr>
+        </p:nvSpPr>
+        <p:spPr>
+          <a:xfrm>
+            <a:off x="3884613" y="8685213"/>
+            <a:ext cx="2971800" cy="457200"/>
+          </a:xfrm>
+          <a:prstGeom prst="rect">
+            <a:avLst/>
+          </a:prstGeom>
+        </p:spPr>
+        <p:txBody>
+          <a:bodyPr vert="horz" lIns="91440" tIns="45720" rIns="91440" bIns="45720" rtlCol="0" anchor="b"/>
+          <a:lstStyle>
+            <a:lvl1pPr algn="r">
+              <a:defRPr sz="1200"/>
+            </a:lvl1pPr>
+          </a:lstStyle>
+          <a:p>
+            <a:fld id="{9A748405-9382-0240-AC6D-A9FBD5E4014D}" type="slidenum">
+              <a:rPr lang="pt-PT" smtClean="0"/>
+              <a:t>‹#›</a:t>
+            </a:fld>
+            <a:endParaRPr lang="pt-PT"/>
+          </a:p>
+        </p:txBody>
+      </p:sp>
+    </p:spTree>
+    <p:extLst>
+      <p:ext uri="{BB962C8B-B14F-4D97-AF65-F5344CB8AC3E}">
+        <p14:creationId xmlns:p14="http://schemas.microsoft.com/office/powerpoint/2010/main" val="2894109739"/>
+      </p:ext>
+    </p:extLst>
+  </p:cSld>
+  <p:clrMap bg1="lt1" tx1="dk1" bg2="lt2" tx2="dk2" accent1="accent1" accent2="accent2" accent3="accent3" accent4="accent4" accent5="accent5" accent6="accent6" hlink="hlink" folHlink="folHlink"/>
+  <p:notesStyle>
+    <a:lvl1pPr marL="0" algn="l" defTabSz="457200" rtl="0" eaLnBrk="1" latinLnBrk="0" hangingPunct="1">
+      <a:defRPr sz="1200" kern="1200">
+        <a:solidFill>
+          <a:schemeClr val="tx1"/>
+        </a:solidFill>
+        <a:latin typeface="+mn-lt"/>
+        <a:ea typeface="+mn-ea"/>
+        <a:cs typeface="+mn-cs"/>
+      </a:defRPr>
+    </a:lvl1pPr>
+    <a:lvl2pPr marL="457200" algn="l" defTabSz="457200" rtl="0" eaLnBrk="1" latinLnBrk="0" hangingPunct="1">
+      <a:defRPr sz="1200" kern="1200">
+        <a:solidFill>
+          <a:schemeClr val="tx1"/>
+        </a:solidFill>
+        <a:latin typeface="+mn-lt"/>
+        <a:ea typeface="+mn-ea"/>
+        <a:cs typeface="+mn-cs"/>
+      </a:defRPr>
+    </a:lvl2pPr>
+    <a:lvl3pPr marL="914400" algn="l" defTabSz="457200" rtl="0" eaLnBrk="1" latinLnBrk="0" hangingPunct="1">
+      <a:defRPr sz="1200" kern="1200">
+        <a:solidFill>
+          <a:schemeClr val="tx1"/>
+        </a:solidFill>
+        <a:latin typeface="+mn-lt"/>
+        <a:ea typeface="+mn-ea"/>
+        <a:cs typeface="+mn-cs"/>
+      </a:defRPr>
+    </a:lvl3pPr>
+    <a:lvl4pPr marL="1371600" algn="l" defTabSz="457200" rtl="0" eaLnBrk="1" latinLnBrk="0" hangingPunct="1">
+      <a:defRPr sz="1200" kern="1200">
+        <a:solidFill>
+          <a:schemeClr val="tx1"/>
+        </a:solidFill>
+        <a:latin typeface="+mn-lt"/>
+        <a:ea typeface="+mn-ea"/>
+        <a:cs typeface="+mn-cs"/>
+      </a:defRPr>
+    </a:lvl4pPr>
+    <a:lvl5pPr marL="1828800" algn="l" defTabSz="457200" rtl="0" eaLnBrk="1" latinLnBrk="0" hangingPunct="1">
+      <a:defRPr sz="1200" kern="1200">
+        <a:solidFill>
+          <a:schemeClr val="tx1"/>
+        </a:solidFill>
+        <a:latin typeface="+mn-lt"/>
+        <a:ea typeface="+mn-ea"/>
+        <a:cs typeface="+mn-cs"/>
+      </a:defRPr>
+    </a:lvl5pPr>
+    <a:lvl6pPr marL="2286000" algn="l" defTabSz="457200" rtl="0" eaLnBrk="1" latinLnBrk="0" hangingPunct="1">
+      <a:defRPr sz="1200" kern="1200">
+        <a:solidFill>
+          <a:schemeClr val="tx1"/>
+        </a:solidFill>
+        <a:latin typeface="+mn-lt"/>
+        <a:ea typeface="+mn-ea"/>
+        <a:cs typeface="+mn-cs"/>
+      </a:defRPr>
+    </a:lvl6pPr>
+    <a:lvl7pPr marL="2743200" algn="l" defTabSz="457200" rtl="0" eaLnBrk="1" latinLnBrk="0" hangingPunct="1">
+      <a:defRPr sz="1200" kern="1200">
+        <a:solidFill>
+          <a:schemeClr val="tx1"/>
+        </a:solidFill>
+        <a:latin typeface="+mn-lt"/>
+        <a:ea typeface="+mn-ea"/>
+        <a:cs typeface="+mn-cs"/>
+      </a:defRPr>
+    </a:lvl7pPr>
+    <a:lvl8pPr marL="3200400" algn="l" defTabSz="457200" rtl="0" eaLnBrk="1" latinLnBrk="0" hangingPunct="1">
+      <a:defRPr sz="1200" kern="1200">
+        <a:solidFill>
+          <a:schemeClr val="tx1"/>
+        </a:solidFill>
+        <a:latin typeface="+mn-lt"/>
+        <a:ea typeface="+mn-ea"/>
+        <a:cs typeface="+mn-cs"/>
+      </a:defRPr>
+    </a:lvl8pPr>
+    <a:lvl9pPr marL="3657600" algn="l" defTabSz="457200" rtl="0" eaLnBrk="1" latinLnBrk="0" hangingPunct="1">
+      <a:defRPr sz="1200" kern="1200">
+        <a:solidFill>
+          <a:schemeClr val="tx1"/>
+        </a:solidFill>
+        <a:latin typeface="+mn-lt"/>
+        <a:ea typeface="+mn-ea"/>
+        <a:cs typeface="+mn-cs"/>
+      </a:defRPr>
+    </a:lvl9pPr>
+  </p:notesStyle>
+</p:notesMaster>
+</file>
+
+<file path=ppt/notesSlides/notesSlide1.xml><?xml version="1.0" encoding="utf-8"?>
+<p:notes xmlns:a="http://schemas.openxmlformats.org/drawingml/2006/main" xmlns:r="http://schemas.openxmlformats.org/officeDocument/2006/relationships" xmlns:p="http://schemas.openxmlformats.org/presentationml/2006/main">
+  <p:cSld>
+    <p:spTree>
+      <p:nvGrpSpPr>
+        <p:cNvPr id="1" name=""/>
+        <p:cNvGrpSpPr/>
+        <p:nvPr/>
+      </p:nvGrpSpPr>
+      <p:grpSpPr>
+        <a:xfrm>
+          <a:off x="0" y="0"/>
+          <a:ext cx="0" cy="0"/>
+          <a:chOff x="0" y="0"/>
+          <a:chExt cx="0" cy="0"/>
+        </a:xfrm>
+      </p:grpSpPr>
+      <p:sp>
+        <p:nvSpPr>
+          <p:cNvPr id="2" name="Slide Image Placeholder 1"/>
+          <p:cNvSpPr>
+            <a:spLocks noGrp="1" noRot="1" noChangeAspect="1"/>
+          </p:cNvSpPr>
+          <p:nvPr>
+            <p:ph type="sldImg"/>
+          </p:nvPr>
+        </p:nvSpPr>
+        <p:spPr/>
+      </p:sp>
+      <p:sp>
+        <p:nvSpPr>
+          <p:cNvPr id="3" name="Notes Placeholder 2"/>
+          <p:cNvSpPr>
+            <a:spLocks noGrp="1"/>
+          </p:cNvSpPr>
+          <p:nvPr>
+            <p:ph type="body" idx="1"/>
+          </p:nvPr>
+        </p:nvSpPr>
+        <p:spPr/>
+        <p:txBody>
+          <a:bodyPr/>
+          <a:lstStyle/>
+          <a:p>
+            <a:pPr marL="171450" indent="-171450">
+              <a:buFontTx/>
+              <a:buChar char="•"/>
+            </a:pPr>
+            <a:r>
+              <a:rPr lang="en-US" dirty="0" err="1" smtClean="0"/>
+              <a:t>que</a:t>
+            </a:r>
+            <a:r>
+              <a:rPr lang="en-US" baseline="0" dirty="0" smtClean="0"/>
+              <a:t> </a:t>
+            </a:r>
+            <a:r>
+              <a:rPr lang="en-US" baseline="0" dirty="0" err="1" smtClean="0"/>
+              <a:t>queremos</a:t>
+            </a:r>
+            <a:r>
+              <a:rPr lang="en-US" baseline="0" dirty="0" smtClean="0"/>
+              <a:t> </a:t>
+            </a:r>
+            <a:r>
+              <a:rPr lang="en-US" baseline="0" dirty="0" err="1" smtClean="0"/>
+              <a:t>para</a:t>
+            </a:r>
+            <a:r>
+              <a:rPr lang="en-US" baseline="0" dirty="0" smtClean="0"/>
+              <a:t> </a:t>
+            </a:r>
+            <a:r>
+              <a:rPr lang="en-US" baseline="0" dirty="0" err="1" smtClean="0"/>
+              <a:t>este</a:t>
+            </a:r>
+            <a:r>
+              <a:rPr lang="en-US" baseline="0" dirty="0" smtClean="0"/>
+              <a:t> </a:t>
+            </a:r>
+            <a:r>
+              <a:rPr lang="en-US" baseline="0" dirty="0" err="1" smtClean="0"/>
+              <a:t>sistema</a:t>
+            </a:r>
+            <a:r>
+              <a:rPr lang="en-US" baseline="0" dirty="0" smtClean="0"/>
+              <a:t>?</a:t>
+            </a:r>
+          </a:p>
+          <a:p>
+            <a:pPr marL="171450" indent="-171450">
+              <a:buFontTx/>
+              <a:buChar char="•"/>
+            </a:pPr>
+            <a:r>
+              <a:rPr lang="en-US" baseline="0" dirty="0" err="1" smtClean="0"/>
+              <a:t>Objectibo</a:t>
+            </a:r>
+            <a:r>
+              <a:rPr lang="en-US" baseline="0" dirty="0" smtClean="0"/>
+              <a:t> principal</a:t>
+            </a:r>
+          </a:p>
+          <a:p>
+            <a:pPr marL="171450" indent="-171450">
+              <a:buFontTx/>
+              <a:buChar char="•"/>
+            </a:pPr>
+            <a:r>
+              <a:rPr lang="en-US" baseline="0" dirty="0" smtClean="0"/>
+              <a:t>Outros </a:t>
+            </a:r>
+            <a:r>
+              <a:rPr lang="en-US" baseline="0" dirty="0" err="1" smtClean="0"/>
+              <a:t>objectivos</a:t>
+            </a:r>
+            <a:r>
+              <a:rPr lang="en-US" baseline="0" dirty="0" smtClean="0"/>
+              <a:t> </a:t>
+            </a:r>
+            <a:r>
+              <a:rPr lang="en-US" baseline="0" dirty="0" err="1" smtClean="0"/>
+              <a:t>passam</a:t>
+            </a:r>
+            <a:r>
+              <a:rPr lang="en-US" baseline="0" dirty="0" smtClean="0"/>
+              <a:t> </a:t>
+            </a:r>
+            <a:r>
+              <a:rPr lang="en-US" baseline="0" dirty="0" err="1" smtClean="0"/>
+              <a:t>por</a:t>
+            </a:r>
+            <a:r>
+              <a:rPr lang="en-US" baseline="0" dirty="0" smtClean="0"/>
+              <a:t> </a:t>
+            </a:r>
+            <a:r>
+              <a:rPr lang="en-US" baseline="0" dirty="0" err="1" smtClean="0"/>
+              <a:t>bal</a:t>
+            </a:r>
+            <a:endParaRPr lang="en-US" baseline="0" dirty="0" smtClean="0"/>
+          </a:p>
+          <a:p>
+            <a:pPr marL="171450" indent="-171450">
+              <a:buFontTx/>
+              <a:buChar char="•"/>
+            </a:pPr>
+            <a:endParaRPr lang="en-US" baseline="0" dirty="0" smtClean="0"/>
+          </a:p>
+          <a:p>
+            <a:pPr marL="171450" indent="-171450">
+              <a:buFontTx/>
+              <a:buChar char="•"/>
+            </a:pPr>
+            <a:endParaRPr lang="pt-PT" dirty="0"/>
+          </a:p>
+        </p:txBody>
+      </p:sp>
+      <p:sp>
+        <p:nvSpPr>
+          <p:cNvPr id="4" name="Slide Number Placeholder 3"/>
+          <p:cNvSpPr>
+            <a:spLocks noGrp="1"/>
+          </p:cNvSpPr>
+          <p:nvPr>
+            <p:ph type="sldNum" sz="quarter" idx="10"/>
+          </p:nvPr>
+        </p:nvSpPr>
+        <p:spPr/>
+        <p:txBody>
+          <a:bodyPr/>
+          <a:lstStyle/>
+          <a:p>
+            <a:fld id="{9A748405-9382-0240-AC6D-A9FBD5E4014D}" type="slidenum">
+              <a:rPr lang="pt-PT" smtClean="0"/>
+              <a:t>3</a:t>
+            </a:fld>
+            <a:endParaRPr lang="pt-PT"/>
+          </a:p>
+        </p:txBody>
+      </p:sp>
+    </p:spTree>
+    <p:extLst>
+      <p:ext uri="{BB962C8B-B14F-4D97-AF65-F5344CB8AC3E}">
+        <p14:creationId xmlns:p14="http://schemas.microsoft.com/office/powerpoint/2010/main" val="623697416"/>
+      </p:ext>
+    </p:extLst>
+  </p:cSld>
+  <p:clrMapOvr>
+    <a:masterClrMapping/>
+  </p:clrMapOvr>
+</p:notes>
+</file>
+
+<file path=ppt/notesSlides/notesSlide2.xml><?xml version="1.0" encoding="utf-8"?>
+<p:notes xmlns:a="http://schemas.openxmlformats.org/drawingml/2006/main" xmlns:r="http://schemas.openxmlformats.org/officeDocument/2006/relationships" xmlns:p="http://schemas.openxmlformats.org/presentationml/2006/main">
+  <p:cSld>
+    <p:spTree>
+      <p:nvGrpSpPr>
+        <p:cNvPr id="1" name=""/>
+        <p:cNvGrpSpPr/>
+        <p:nvPr/>
+      </p:nvGrpSpPr>
+      <p:grpSpPr>
+        <a:xfrm>
+          <a:off x="0" y="0"/>
+          <a:ext cx="0" cy="0"/>
+          <a:chOff x="0" y="0"/>
+          <a:chExt cx="0" cy="0"/>
+        </a:xfrm>
+      </p:grpSpPr>
+      <p:sp>
+        <p:nvSpPr>
+          <p:cNvPr id="2" name="Slide Image Placeholder 1"/>
+          <p:cNvSpPr>
+            <a:spLocks noGrp="1" noRot="1" noChangeAspect="1"/>
+          </p:cNvSpPr>
+          <p:nvPr>
+            <p:ph type="sldImg"/>
+          </p:nvPr>
+        </p:nvSpPr>
+        <p:spPr/>
+      </p:sp>
+      <p:sp>
+        <p:nvSpPr>
+          <p:cNvPr id="3" name="Notes Placeholder 2"/>
+          <p:cNvSpPr>
+            <a:spLocks noGrp="1"/>
+          </p:cNvSpPr>
+          <p:nvPr>
+            <p:ph type="body" idx="1"/>
+          </p:nvPr>
+        </p:nvSpPr>
+        <p:spPr/>
+        <p:txBody>
+          <a:bodyPr/>
+          <a:lstStyle/>
+          <a:p>
+            <a:r>
+              <a:rPr lang="pt-PT" dirty="0" smtClean="0"/>
+              <a:t>Logo a soluç</a:t>
+            </a:r>
+            <a:r>
+              <a:rPr lang="pt-PT" dirty="0" smtClean="0"/>
+              <a:t>ão deste sistema passa por</a:t>
+            </a:r>
+            <a:r>
+              <a:rPr lang="pt-PT" baseline="0" dirty="0" smtClean="0"/>
+              <a:t> um modelo </a:t>
+            </a:r>
+            <a:r>
+              <a:rPr lang="pt-PT" baseline="0" dirty="0" err="1" smtClean="0"/>
+              <a:t>application</a:t>
+            </a:r>
+            <a:r>
+              <a:rPr lang="pt-PT" baseline="0" dirty="0" smtClean="0"/>
+              <a:t> </a:t>
+            </a:r>
+            <a:r>
+              <a:rPr lang="pt-PT" baseline="0" dirty="0" err="1" smtClean="0"/>
+              <a:t>aware</a:t>
+            </a:r>
+            <a:endParaRPr lang="pt-PT" baseline="0" dirty="0" smtClean="0"/>
+          </a:p>
+          <a:p>
+            <a:r>
+              <a:rPr lang="en-US" baseline="0" dirty="0" err="1" smtClean="0"/>
+              <a:t>Lado</a:t>
+            </a:r>
+            <a:r>
+              <a:rPr lang="en-US" baseline="0" dirty="0" smtClean="0"/>
+              <a:t> </a:t>
+            </a:r>
+            <a:r>
+              <a:rPr lang="en-US" baseline="0" dirty="0" err="1" smtClean="0"/>
+              <a:t>direito</a:t>
+            </a:r>
+            <a:r>
+              <a:rPr lang="en-US" baseline="0" dirty="0" smtClean="0"/>
+              <a:t>: A</a:t>
+            </a:r>
+            <a:r>
+              <a:rPr lang="pt-PT" baseline="0" dirty="0" smtClean="0"/>
+              <a:t>s aplicações não podem decidir o que fazer face à escassez de recursos</a:t>
+            </a:r>
+            <a:endParaRPr lang="pt-PT" dirty="0"/>
+          </a:p>
+        </p:txBody>
+      </p:sp>
+      <p:sp>
+        <p:nvSpPr>
+          <p:cNvPr id="4" name="Slide Number Placeholder 3"/>
+          <p:cNvSpPr>
+            <a:spLocks noGrp="1"/>
+          </p:cNvSpPr>
+          <p:nvPr>
+            <p:ph type="sldNum" sz="quarter" idx="10"/>
+          </p:nvPr>
+        </p:nvSpPr>
+        <p:spPr/>
+        <p:txBody>
+          <a:bodyPr/>
+          <a:lstStyle/>
+          <a:p>
+            <a:fld id="{9A748405-9382-0240-AC6D-A9FBD5E4014D}" type="slidenum">
+              <a:rPr lang="pt-PT" smtClean="0"/>
+              <a:t>5</a:t>
+            </a:fld>
+            <a:endParaRPr lang="pt-PT"/>
+          </a:p>
+        </p:txBody>
+      </p:sp>
+    </p:spTree>
+    <p:extLst>
+      <p:ext uri="{BB962C8B-B14F-4D97-AF65-F5344CB8AC3E}">
+        <p14:creationId xmlns:p14="http://schemas.microsoft.com/office/powerpoint/2010/main" val="3246335932"/>
+      </p:ext>
+    </p:extLst>
+  </p:cSld>
+  <p:clrMapOvr>
+    <a:masterClrMapping/>
+  </p:clrMapOvr>
+</p:notes>
+</file>
+
+<file path=ppt/notesSlides/notesSlide3.xml><?xml version="1.0" encoding="utf-8"?>
+<p:notes xmlns:a="http://schemas.openxmlformats.org/drawingml/2006/main" xmlns:r="http://schemas.openxmlformats.org/officeDocument/2006/relationships" xmlns:p="http://schemas.openxmlformats.org/presentationml/2006/main">
+  <p:cSld>
+    <p:spTree>
+      <p:nvGrpSpPr>
+        <p:cNvPr id="1" name=""/>
+        <p:cNvGrpSpPr/>
+        <p:nvPr/>
+      </p:nvGrpSpPr>
+      <p:grpSpPr>
+        <a:xfrm>
+          <a:off x="0" y="0"/>
+          <a:ext cx="0" cy="0"/>
+          <a:chOff x="0" y="0"/>
+          <a:chExt cx="0" cy="0"/>
+        </a:xfrm>
+      </p:grpSpPr>
+      <p:sp>
+        <p:nvSpPr>
+          <p:cNvPr id="2" name="Slide Image Placeholder 1"/>
+          <p:cNvSpPr>
+            <a:spLocks noGrp="1" noRot="1" noChangeAspect="1"/>
+          </p:cNvSpPr>
+          <p:nvPr>
+            <p:ph type="sldImg"/>
+          </p:nvPr>
+        </p:nvSpPr>
+        <p:spPr/>
+      </p:sp>
+      <p:sp>
+        <p:nvSpPr>
+          <p:cNvPr id="3" name="Notes Placeholder 2"/>
+          <p:cNvSpPr>
+            <a:spLocks noGrp="1"/>
+          </p:cNvSpPr>
+          <p:nvPr>
+            <p:ph type="body" idx="1"/>
+          </p:nvPr>
+        </p:nvSpPr>
+        <p:spPr/>
+        <p:txBody>
+          <a:bodyPr/>
+          <a:lstStyle/>
+          <a:p>
+            <a:endParaRPr lang="pt-PT" dirty="0" smtClean="0"/>
+          </a:p>
+        </p:txBody>
+      </p:sp>
+      <p:sp>
+        <p:nvSpPr>
+          <p:cNvPr id="4" name="Slide Number Placeholder 3"/>
+          <p:cNvSpPr>
+            <a:spLocks noGrp="1"/>
+          </p:cNvSpPr>
+          <p:nvPr>
+            <p:ph type="sldNum" sz="quarter" idx="10"/>
+          </p:nvPr>
+        </p:nvSpPr>
+        <p:spPr/>
+        <p:txBody>
+          <a:bodyPr/>
+          <a:lstStyle/>
+          <a:p>
+            <a:fld id="{9A748405-9382-0240-AC6D-A9FBD5E4014D}" type="slidenum">
+              <a:rPr lang="pt-PT" smtClean="0"/>
+              <a:t>7</a:t>
+            </a:fld>
+            <a:endParaRPr lang="pt-PT"/>
+          </a:p>
+        </p:txBody>
+      </p:sp>
+    </p:spTree>
+    <p:extLst>
+      <p:ext uri="{BB962C8B-B14F-4D97-AF65-F5344CB8AC3E}">
+        <p14:creationId xmlns:p14="http://schemas.microsoft.com/office/powerpoint/2010/main" val="3689476205"/>
+      </p:ext>
+    </p:extLst>
+  </p:cSld>
+  <p:clrMapOvr>
+    <a:masterClrMapping/>
+  </p:clrMapOvr>
+</p:notes>
+</file>
+
+<file path=ppt/notesSlides/notesSlide4.xml><?xml version="1.0" encoding="utf-8"?>
+<p:notes xmlns:a="http://schemas.openxmlformats.org/drawingml/2006/main" xmlns:r="http://schemas.openxmlformats.org/officeDocument/2006/relationships" xmlns:p="http://schemas.openxmlformats.org/presentationml/2006/main">
+  <p:cSld>
+    <p:spTree>
+      <p:nvGrpSpPr>
+        <p:cNvPr id="1" name=""/>
+        <p:cNvGrpSpPr/>
+        <p:nvPr/>
+      </p:nvGrpSpPr>
+      <p:grpSpPr>
+        <a:xfrm>
+          <a:off x="0" y="0"/>
+          <a:ext cx="0" cy="0"/>
+          <a:chOff x="0" y="0"/>
+          <a:chExt cx="0" cy="0"/>
+        </a:xfrm>
+      </p:grpSpPr>
+      <p:sp>
+        <p:nvSpPr>
+          <p:cNvPr id="2" name="Slide Image Placeholder 1"/>
+          <p:cNvSpPr>
+            <a:spLocks noGrp="1" noRot="1" noChangeAspect="1"/>
+          </p:cNvSpPr>
+          <p:nvPr>
+            <p:ph type="sldImg"/>
+          </p:nvPr>
+        </p:nvSpPr>
+        <p:spPr/>
+      </p:sp>
+      <p:sp>
+        <p:nvSpPr>
+          <p:cNvPr id="3" name="Notes Placeholder 2"/>
+          <p:cNvSpPr>
+            <a:spLocks noGrp="1"/>
+          </p:cNvSpPr>
+          <p:nvPr>
+            <p:ph type="body" idx="1"/>
+          </p:nvPr>
+        </p:nvSpPr>
+        <p:spPr/>
+        <p:txBody>
+          <a:bodyPr/>
+          <a:lstStyle/>
+          <a:p>
+            <a:r>
+              <a:rPr lang="pt-PT" dirty="0" smtClean="0"/>
+              <a:t>Para fazer</a:t>
+            </a:r>
+            <a:r>
+              <a:rPr lang="pt-PT" baseline="0" dirty="0" smtClean="0"/>
+              <a:t> com que as aplicaç</a:t>
+            </a:r>
+            <a:r>
+              <a:rPr lang="pt-PT" baseline="0" dirty="0" smtClean="0"/>
+              <a:t>ões se comportassem como as formas de onda descritas atrás, foi preciso gerar descontinuidades na largura de rede. Para isto foi usado uma técnica chamada de </a:t>
+            </a:r>
+            <a:r>
+              <a:rPr lang="pt-PT" b="1" baseline="0" dirty="0" smtClean="0"/>
+              <a:t>trace </a:t>
+            </a:r>
+            <a:r>
+              <a:rPr lang="pt-PT" b="1" baseline="0" dirty="0" err="1" smtClean="0"/>
+              <a:t>modulation</a:t>
+            </a:r>
+            <a:r>
+              <a:rPr lang="pt-PT" b="1" baseline="0" dirty="0" smtClean="0"/>
+              <a:t>. </a:t>
+            </a:r>
+            <a:endParaRPr lang="pt-PT" b="1" dirty="0"/>
+          </a:p>
+        </p:txBody>
+      </p:sp>
+      <p:sp>
+        <p:nvSpPr>
+          <p:cNvPr id="4" name="Slide Number Placeholder 3"/>
+          <p:cNvSpPr>
+            <a:spLocks noGrp="1"/>
+          </p:cNvSpPr>
+          <p:nvPr>
+            <p:ph type="sldNum" sz="quarter" idx="10"/>
+          </p:nvPr>
+        </p:nvSpPr>
+        <p:spPr/>
+        <p:txBody>
+          <a:bodyPr/>
+          <a:lstStyle/>
+          <a:p>
+            <a:fld id="{9A748405-9382-0240-AC6D-A9FBD5E4014D}" type="slidenum">
+              <a:rPr lang="pt-PT" smtClean="0"/>
+              <a:t>14</a:t>
+            </a:fld>
+            <a:endParaRPr lang="pt-PT"/>
+          </a:p>
+        </p:txBody>
+      </p:sp>
+    </p:spTree>
+    <p:extLst>
+      <p:ext uri="{BB962C8B-B14F-4D97-AF65-F5344CB8AC3E}">
+        <p14:creationId xmlns:p14="http://schemas.microsoft.com/office/powerpoint/2010/main" val="4258360902"/>
+      </p:ext>
+    </p:extLst>
+  </p:cSld>
+  <p:clrMapOvr>
+    <a:masterClrMapping/>
+  </p:clrMapOvr>
+</p:notes>
+</file>
+
 <file path=ppt/slideLayouts/slideLayout1.xml><?xml version="1.0" encoding="utf-8"?>
 <p:sldLayout xmlns:a="http://schemas.openxmlformats.org/drawingml/2006/main" xmlns:r="http://schemas.openxmlformats.org/officeDocument/2006/relationships" xmlns:p="http://schemas.openxmlformats.org/presentationml/2006/main" type="title" preserve="1">
   <p:cSld name="Title Slide">
@@ -306,7 +1176,7 @@
           <a:p>
             <a:fld id="{D9600918-0812-DD45-A400-59AEEAE98FF3}" type="datetimeFigureOut">
               <a:rPr lang="en-US" smtClean="0"/>
-              <a:t>21/03/15</a:t>
+              <a:t>23/03/15</a:t>
             </a:fld>
             <a:endParaRPr lang="pt-PT"/>
           </a:p>
@@ -476,7 +1346,7 @@
           <a:p>
             <a:fld id="{D9600918-0812-DD45-A400-59AEEAE98FF3}" type="datetimeFigureOut">
               <a:rPr lang="en-US" smtClean="0"/>
-              <a:t>21/03/15</a:t>
+              <a:t>23/03/15</a:t>
             </a:fld>
             <a:endParaRPr lang="pt-PT"/>
           </a:p>
@@ -656,7 +1526,7 @@
           <a:p>
             <a:fld id="{D9600918-0812-DD45-A400-59AEEAE98FF3}" type="datetimeFigureOut">
               <a:rPr lang="en-US" smtClean="0"/>
-              <a:t>21/03/15</a:t>
+              <a:t>23/03/15</a:t>
             </a:fld>
             <a:endParaRPr lang="pt-PT"/>
           </a:p>
@@ -826,7 +1696,7 @@
           <a:p>
             <a:fld id="{D9600918-0812-DD45-A400-59AEEAE98FF3}" type="datetimeFigureOut">
               <a:rPr lang="en-US" smtClean="0"/>
-              <a:t>21/03/15</a:t>
+              <a:t>23/03/15</a:t>
             </a:fld>
             <a:endParaRPr lang="pt-PT"/>
           </a:p>
@@ -1072,7 +1942,7 @@
           <a:p>
             <a:fld id="{D9600918-0812-DD45-A400-59AEEAE98FF3}" type="datetimeFigureOut">
               <a:rPr lang="en-US" smtClean="0"/>
-              <a:t>21/03/15</a:t>
+              <a:t>23/03/15</a:t>
             </a:fld>
             <a:endParaRPr lang="pt-PT"/>
           </a:p>
@@ -1360,7 +2230,7 @@
           <a:p>
             <a:fld id="{D9600918-0812-DD45-A400-59AEEAE98FF3}" type="datetimeFigureOut">
               <a:rPr lang="en-US" smtClean="0"/>
-              <a:t>21/03/15</a:t>
+              <a:t>23/03/15</a:t>
             </a:fld>
             <a:endParaRPr lang="pt-PT"/>
           </a:p>
@@ -1782,7 +2652,7 @@
           <a:p>
             <a:fld id="{D9600918-0812-DD45-A400-59AEEAE98FF3}" type="datetimeFigureOut">
               <a:rPr lang="en-US" smtClean="0"/>
-              <a:t>21/03/15</a:t>
+              <a:t>23/03/15</a:t>
             </a:fld>
             <a:endParaRPr lang="pt-PT"/>
           </a:p>
@@ -1900,7 +2770,7 @@
           <a:p>
             <a:fld id="{D9600918-0812-DD45-A400-59AEEAE98FF3}" type="datetimeFigureOut">
               <a:rPr lang="en-US" smtClean="0"/>
-              <a:t>21/03/15</a:t>
+              <a:t>23/03/15</a:t>
             </a:fld>
             <a:endParaRPr lang="pt-PT"/>
           </a:p>
@@ -1995,7 +2865,7 @@
           <a:p>
             <a:fld id="{D9600918-0812-DD45-A400-59AEEAE98FF3}" type="datetimeFigureOut">
               <a:rPr lang="en-US" smtClean="0"/>
-              <a:t>21/03/15</a:t>
+              <a:t>23/03/15</a:t>
             </a:fld>
             <a:endParaRPr lang="pt-PT"/>
           </a:p>
@@ -2272,7 +3142,7 @@
           <a:p>
             <a:fld id="{D9600918-0812-DD45-A400-59AEEAE98FF3}" type="datetimeFigureOut">
               <a:rPr lang="en-US" smtClean="0"/>
-              <a:t>21/03/15</a:t>
+              <a:t>23/03/15</a:t>
             </a:fld>
             <a:endParaRPr lang="pt-PT"/>
           </a:p>
@@ -2525,7 +3395,7 @@
           <a:p>
             <a:fld id="{D9600918-0812-DD45-A400-59AEEAE98FF3}" type="datetimeFigureOut">
               <a:rPr lang="en-US" smtClean="0"/>
-              <a:t>21/03/15</a:t>
+              <a:t>23/03/15</a:t>
             </a:fld>
             <a:endParaRPr lang="pt-PT"/>
           </a:p>
@@ -2738,7 +3608,7 @@
           <a:p>
             <a:fld id="{D9600918-0812-DD45-A400-59AEEAE98FF3}" type="datetimeFigureOut">
               <a:rPr lang="en-US" smtClean="0"/>
-              <a:t>21/03/15</a:t>
+              <a:t>23/03/15</a:t>
             </a:fld>
             <a:endParaRPr lang="pt-PT"/>
           </a:p>
@@ -3125,8 +3995,8 @@
         </p:nvSpPr>
         <p:spPr>
           <a:xfrm>
-            <a:off x="685800" y="1096463"/>
-            <a:ext cx="7772400" cy="1470025"/>
+            <a:off x="541495" y="1096463"/>
+            <a:ext cx="8195804" cy="1470025"/>
           </a:xfrm>
         </p:spPr>
         <p:txBody>
@@ -3150,32 +4020,48 @@
               <a:t> </a:t>
             </a:r>
             <a:r>
+              <a:rPr lang="pt-PT" dirty="0" err="1"/>
+              <a:t>A</a:t>
+            </a:r>
+            <a:r>
               <a:rPr lang="pt-PT" dirty="0" err="1" smtClean="0"/>
-              <a:t>application</a:t>
+              <a:t>pplication-</a:t>
             </a:r>
             <a:r>
               <a:rPr lang="pt-PT" dirty="0" err="1"/>
-              <a:t>-</a:t>
+              <a:t>A</a:t>
             </a:r>
             <a:r>
               <a:rPr lang="pt-PT" dirty="0" err="1" smtClean="0"/>
-              <a:t>aware</a:t>
+              <a:t>ware</a:t>
             </a:r>
             <a:r>
               <a:rPr lang="pt-PT" dirty="0" smtClean="0"/>
               <a:t> </a:t>
             </a:r>
             <a:r>
+              <a:rPr lang="pt-PT" dirty="0" err="1"/>
+              <a:t>A</a:t>
+            </a:r>
+            <a:r>
               <a:rPr lang="pt-PT" dirty="0" err="1" smtClean="0"/>
-              <a:t>adaptation</a:t>
+              <a:t>daptation</a:t>
             </a:r>
             <a:r>
               <a:rPr lang="pt-PT" dirty="0" smtClean="0"/>
-              <a:t> for </a:t>
+              <a:t> </a:t>
+            </a:r>
+            <a:r>
+              <a:rPr lang="pt-PT" dirty="0" smtClean="0"/>
+              <a:t>for </a:t>
+            </a:r>
+            <a:r>
+              <a:rPr lang="pt-PT" dirty="0" err="1"/>
+              <a:t>M</a:t>
             </a:r>
             <a:r>
               <a:rPr lang="pt-PT" dirty="0" err="1" smtClean="0"/>
-              <a:t>mobility</a:t>
+              <a:t>obility</a:t>
             </a:r>
             <a:endParaRPr lang="pt-PT" dirty="0"/>
           </a:p>
@@ -3371,8 +4257,8 @@
               <a:t>Pedro </a:t>
             </a:r>
             <a:r>
-              <a:rPr lang="pt-PT" dirty="0" err="1" smtClean="0"/>
-              <a:t>Bráz</a:t>
+              <a:rPr lang="pt-PT" dirty="0" smtClean="0"/>
+              <a:t>Braz</a:t>
             </a:r>
             <a:r>
               <a:rPr lang="pt-PT" dirty="0" smtClean="0"/>
@@ -4083,36 +4969,6 @@
           <p:nvPr/>
         </p:nvPicPr>
         <p:blipFill>
-          <a:blip r:embed="rId2">
-            <a:extLst>
-              <a:ext uri="{28A0092B-C50C-407E-A947-70E740481C1C}">
-                <a14:useLocalDpi xmlns:a14="http://schemas.microsoft.com/office/drawing/2010/main" val="0"/>
-              </a:ext>
-            </a:extLst>
-          </a:blip>
-          <a:stretch>
-            <a:fillRect/>
-          </a:stretch>
-        </p:blipFill>
-        <p:spPr>
-          <a:xfrm>
-            <a:off x="262396" y="239123"/>
-            <a:ext cx="1949172" cy="857340"/>
-          </a:xfrm>
-          <a:prstGeom prst="rect">
-            <a:avLst/>
-          </a:prstGeom>
-        </p:spPr>
-      </p:pic>
-      <p:pic>
-        <p:nvPicPr>
-          <p:cNvPr id="5" name="Picture 4" descr="Captura de ecrã 2015-03-21, às 18.08.43.png"/>
-          <p:cNvPicPr>
-            <a:picLocks noChangeAspect="1"/>
-          </p:cNvPicPr>
-          <p:nvPr/>
-        </p:nvPicPr>
-        <p:blipFill>
           <a:blip r:embed="rId3">
             <a:extLst>
               <a:ext uri="{28A0092B-C50C-407E-A947-70E740481C1C}">
@@ -4126,6 +4982,36 @@
         </p:blipFill>
         <p:spPr>
           <a:xfrm>
+            <a:off x="262396" y="239123"/>
+            <a:ext cx="1949172" cy="857340"/>
+          </a:xfrm>
+          <a:prstGeom prst="rect">
+            <a:avLst/>
+          </a:prstGeom>
+        </p:spPr>
+      </p:pic>
+      <p:pic>
+        <p:nvPicPr>
+          <p:cNvPr id="5" name="Picture 4" descr="Captura de ecrã 2015-03-21, às 18.08.43.png"/>
+          <p:cNvPicPr>
+            <a:picLocks noChangeAspect="1"/>
+          </p:cNvPicPr>
+          <p:nvPr/>
+        </p:nvPicPr>
+        <p:blipFill>
+          <a:blip r:embed="rId4">
+            <a:extLst>
+              <a:ext uri="{28A0092B-C50C-407E-A947-70E740481C1C}">
+                <a14:useLocalDpi xmlns:a14="http://schemas.microsoft.com/office/drawing/2010/main" val="0"/>
+              </a:ext>
+            </a:extLst>
+          </a:blip>
+          <a:stretch>
+            <a:fillRect/>
+          </a:stretch>
+        </p:blipFill>
+        <p:spPr>
+          <a:xfrm>
             <a:off x="188096" y="1796899"/>
             <a:ext cx="4046944" cy="4963404"/>
           </a:xfrm>
@@ -4143,7 +5029,7 @@
           <p:nvPr/>
         </p:nvPicPr>
         <p:blipFill>
-          <a:blip r:embed="rId4">
+          <a:blip r:embed="rId5">
             <a:extLst>
               <a:ext uri="{28A0092B-C50C-407E-A947-70E740481C1C}">
                 <a14:useLocalDpi xmlns:a14="http://schemas.microsoft.com/office/drawing/2010/main" val="0"/>
@@ -5029,7 +5915,7 @@
         <p:spPr>
           <a:xfrm>
             <a:off x="530288" y="2091695"/>
-            <a:ext cx="7927912" cy="3108544"/>
+            <a:ext cx="7927912" cy="3539431"/>
           </a:xfrm>
           <a:prstGeom prst="rect">
             <a:avLst/>
@@ -5141,31 +6027,7 @@
             </a:pPr>
             <a:r>
               <a:rPr lang="pt-PT" sz="2800" dirty="0" err="1" smtClean="0"/>
-              <a:t>He</a:t>
-            </a:r>
-            <a:r>
-              <a:rPr lang="pt-PT" sz="2800" dirty="0" smtClean="0"/>
-              <a:t> </a:t>
-            </a:r>
-            <a:r>
-              <a:rPr lang="pt-PT" sz="2800" dirty="0" err="1" smtClean="0"/>
-              <a:t>interacts</a:t>
-            </a:r>
-            <a:r>
-              <a:rPr lang="pt-PT" sz="2800" dirty="0" smtClean="0"/>
-              <a:t> </a:t>
-            </a:r>
-            <a:r>
-              <a:rPr lang="pt-PT" sz="2800" dirty="0" err="1" smtClean="0"/>
-              <a:t>with</a:t>
-            </a:r>
-            <a:r>
-              <a:rPr lang="pt-PT" sz="2800" dirty="0" smtClean="0"/>
-              <a:t> </a:t>
-            </a:r>
-            <a:r>
-              <a:rPr lang="pt-PT" sz="2800" dirty="0" err="1" smtClean="0"/>
-              <a:t>his</a:t>
+              <a:t>The</a:t>
             </a:r>
             <a:r>
               <a:rPr lang="pt-PT" sz="2800" dirty="0" smtClean="0"/>
@@ -5177,32 +6039,49 @@
             </a:r>
             <a:r>
               <a:rPr lang="pt-PT" sz="2800" dirty="0" smtClean="0"/>
-              <a:t> </a:t>
-            </a:r>
-            <a:r>
-              <a:rPr lang="pt-PT" sz="2800" dirty="0" err="1" smtClean="0"/>
-              <a:t>through</a:t>
-            </a:r>
-            <a:r>
-              <a:rPr lang="pt-PT" sz="2800" dirty="0" smtClean="0"/>
-              <a:t> a </a:t>
-            </a:r>
-            <a:r>
-              <a:rPr lang="pt-PT" sz="2800" dirty="0" err="1" smtClean="0"/>
-              <a:t>speech</a:t>
-            </a:r>
-            <a:r>
-              <a:rPr lang="pt-PT" sz="2800" dirty="0" smtClean="0"/>
-              <a:t> </a:t>
-            </a:r>
-            <a:r>
-              <a:rPr lang="pt-PT" sz="2800" dirty="0" err="1" smtClean="0"/>
-              <a:t>recognizer</a:t>
-            </a:r>
-            <a:r>
-              <a:rPr lang="pt-PT" sz="2800" dirty="0" smtClean="0"/>
-              <a:t> software;</a:t>
-            </a:r>
+              <a:t> can </a:t>
+            </a:r>
+            <a:r>
+              <a:rPr lang="pt-PT" sz="2800" dirty="0" err="1" smtClean="0"/>
+              <a:t>detect</a:t>
+            </a:r>
+            <a:r>
+              <a:rPr lang="pt-PT" sz="2800" dirty="0" smtClean="0"/>
+              <a:t> </a:t>
+            </a:r>
+            <a:r>
+              <a:rPr lang="pt-PT" sz="2800" dirty="0" err="1" smtClean="0"/>
+              <a:t>multiple</a:t>
+            </a:r>
+            <a:r>
+              <a:rPr lang="pt-PT" sz="2800" dirty="0" smtClean="0"/>
+              <a:t> wireless networks </a:t>
+            </a:r>
+            <a:r>
+              <a:rPr lang="pt-PT" sz="2800" dirty="0" err="1" smtClean="0"/>
+              <a:t>and</a:t>
+            </a:r>
+            <a:r>
+              <a:rPr lang="pt-PT" sz="2800" dirty="0" smtClean="0"/>
+              <a:t> </a:t>
+            </a:r>
+            <a:r>
+              <a:rPr lang="pt-PT" sz="2800" dirty="0" err="1" smtClean="0"/>
+              <a:t>switch</a:t>
+            </a:r>
+            <a:r>
+              <a:rPr lang="pt-PT" sz="2800" dirty="0"/>
+              <a:t> </a:t>
+            </a:r>
+            <a:r>
+              <a:rPr lang="pt-PT" sz="2800" dirty="0" err="1" smtClean="0"/>
+              <a:t>automaticaly</a:t>
+            </a:r>
+            <a:r>
+              <a:rPr lang="pt-PT" sz="2800" dirty="0" smtClean="0"/>
+              <a:t>;</a:t>
+            </a:r>
+            <a:endParaRPr lang="pt-PT" sz="2800" dirty="0" smtClean="0"/>
           </a:p>
           <a:p>
             <a:pPr marL="285750" indent="-285750" algn="just">
@@ -5218,11 +6097,11 @@
             </a:pPr>
             <a:r>
               <a:rPr lang="pt-PT" sz="2800" dirty="0" err="1" smtClean="0"/>
-              <a:t>There</a:t>
-            </a:r>
-            <a:r>
-              <a:rPr lang="pt-PT" sz="2800" dirty="0" smtClean="0"/>
-              <a:t> </a:t>
+              <a:t>The</a:t>
+            </a:r>
+            <a:r>
+              <a:rPr lang="pt-PT" sz="2800" dirty="0" smtClean="0"/>
+              <a:t> user </a:t>
             </a:r>
             <a:r>
               <a:rPr lang="pt-PT" sz="2800" dirty="0" err="1" smtClean="0"/>
@@ -5230,15 +6109,71 @@
             </a:r>
             <a:r>
               <a:rPr lang="pt-PT" sz="2800" dirty="0" smtClean="0"/>
-              <a:t> a wireless </a:t>
-            </a:r>
-            <a:r>
-              <a:rPr lang="pt-PT" sz="2800" dirty="0" err="1" smtClean="0"/>
-              <a:t>overlay</a:t>
-            </a:r>
-            <a:r>
-              <a:rPr lang="pt-PT" sz="2800" dirty="0" smtClean="0"/>
-              <a:t> network.</a:t>
+              <a:t> </a:t>
+            </a:r>
+            <a:r>
+              <a:rPr lang="pt-PT" sz="2800" dirty="0" err="1" smtClean="0"/>
+              <a:t>aware</a:t>
+            </a:r>
+            <a:r>
+              <a:rPr lang="pt-PT" sz="2800" dirty="0" smtClean="0"/>
+              <a:t> of </a:t>
+            </a:r>
+            <a:r>
+              <a:rPr lang="pt-PT" sz="2800" dirty="0" err="1" smtClean="0"/>
+              <a:t>applications</a:t>
+            </a:r>
+            <a:r>
+              <a:rPr lang="pt-PT" sz="2800" dirty="0" smtClean="0"/>
+              <a:t> </a:t>
+            </a:r>
+            <a:r>
+              <a:rPr lang="pt-PT" sz="2800" dirty="0" err="1" smtClean="0"/>
+              <a:t>changing</a:t>
+            </a:r>
+            <a:r>
+              <a:rPr lang="pt-PT" sz="2800" dirty="0" smtClean="0"/>
+              <a:t> </a:t>
+            </a:r>
+            <a:r>
+              <a:rPr lang="pt-PT" sz="2800" dirty="0" err="1" smtClean="0"/>
+              <a:t>their</a:t>
+            </a:r>
+            <a:r>
+              <a:rPr lang="pt-PT" sz="2800" dirty="0" smtClean="0"/>
+              <a:t> </a:t>
+            </a:r>
+            <a:r>
+              <a:rPr lang="pt-PT" sz="2800" dirty="0" err="1" smtClean="0"/>
+              <a:t>behaviour</a:t>
+            </a:r>
+            <a:r>
+              <a:rPr lang="pt-PT" sz="2800" dirty="0" smtClean="0"/>
+              <a:t> </a:t>
+            </a:r>
+            <a:r>
+              <a:rPr lang="pt-PT" sz="2800" dirty="0" err="1" smtClean="0"/>
+              <a:t>without</a:t>
+            </a:r>
+            <a:r>
+              <a:rPr lang="pt-PT" sz="2800" dirty="0" smtClean="0"/>
+              <a:t> </a:t>
+            </a:r>
+            <a:r>
+              <a:rPr lang="pt-PT" sz="2800" dirty="0" err="1" smtClean="0"/>
+              <a:t>having</a:t>
+            </a:r>
+            <a:r>
+              <a:rPr lang="pt-PT" sz="2800" dirty="0" smtClean="0"/>
+              <a:t> to </a:t>
+            </a:r>
+            <a:r>
+              <a:rPr lang="pt-PT" sz="2800" dirty="0" err="1" smtClean="0"/>
+              <a:t>participate</a:t>
+            </a:r>
+            <a:r>
+              <a:rPr lang="pt-PT" sz="2800" dirty="0" smtClean="0"/>
+              <a:t>;</a:t>
             </a:r>
             <a:endParaRPr lang="pt-PT" sz="2800" dirty="0"/>
           </a:p>
@@ -5303,7 +6238,7 @@
           <a:p>
             <a:r>
               <a:rPr lang="en-US" sz="5000" dirty="0" smtClean="0"/>
-              <a:t>Goals</a:t>
+              <a:t>Objective</a:t>
             </a:r>
             <a:endParaRPr lang="en-US" sz="5000" dirty="0"/>
           </a:p>
@@ -5318,7 +6253,7 @@
           <p:nvPr/>
         </p:nvPicPr>
         <p:blipFill>
-          <a:blip r:embed="rId2">
+          <a:blip r:embed="rId3">
             <a:extLst>
               <a:ext uri="{28A0092B-C50C-407E-A947-70E740481C1C}">
                 <a14:useLocalDpi xmlns:a14="http://schemas.microsoft.com/office/drawing/2010/main" val="0"/>
@@ -5347,8 +6282,8 @@
         </p:nvSpPr>
         <p:spPr>
           <a:xfrm>
-            <a:off x="530288" y="2091695"/>
-            <a:ext cx="7927912" cy="4832093"/>
+            <a:off x="586109" y="2025907"/>
+            <a:ext cx="8346560" cy="4832093"/>
           </a:xfrm>
           <a:prstGeom prst="rect">
             <a:avLst/>
@@ -5361,49 +6296,78 @@
           </a:bodyPr>
           <a:lstStyle/>
           <a:p>
-            <a:pPr marL="457200" indent="-457200" algn="just">
+            <a:r>
+              <a:rPr lang="pt-PT" sz="2800" b="1" dirty="0" err="1" smtClean="0"/>
+              <a:t>Odyssey</a:t>
+            </a:r>
+            <a:r>
+              <a:rPr lang="pt-PT" sz="2800" dirty="0" smtClean="0"/>
+              <a:t>: </a:t>
+            </a:r>
+            <a:r>
+              <a:rPr lang="pt-PT" sz="2800" dirty="0" err="1" smtClean="0"/>
+              <a:t>Application</a:t>
+            </a:r>
+            <a:r>
+              <a:rPr lang="pt-PT" sz="2800" dirty="0" smtClean="0"/>
+              <a:t> </a:t>
+            </a:r>
+            <a:r>
+              <a:rPr lang="pt-PT" sz="2800" dirty="0" err="1" smtClean="0"/>
+              <a:t>changing</a:t>
+            </a:r>
+            <a:r>
+              <a:rPr lang="pt-PT" sz="2800" dirty="0" smtClean="0"/>
+              <a:t> </a:t>
+            </a:r>
+            <a:r>
+              <a:rPr lang="pt-PT" sz="2800" dirty="0" err="1" smtClean="0"/>
+              <a:t>according</a:t>
+            </a:r>
+            <a:r>
+              <a:rPr lang="pt-PT" sz="2800" dirty="0" smtClean="0"/>
+              <a:t> to </a:t>
+            </a:r>
+            <a:r>
+              <a:rPr lang="pt-PT" sz="2800" dirty="0" err="1" smtClean="0"/>
+              <a:t>resources</a:t>
+            </a:r>
+            <a:endParaRPr lang="pt-PT" sz="2800" dirty="0"/>
+          </a:p>
+          <a:p>
+            <a:endParaRPr lang="pt-PT" sz="2800" dirty="0"/>
+          </a:p>
+          <a:p>
+            <a:r>
+              <a:rPr lang="pt-PT" sz="2800" dirty="0" smtClean="0"/>
+              <a:t> </a:t>
+            </a:r>
+            <a:endParaRPr lang="pt-PT" sz="2800" dirty="0"/>
+          </a:p>
+          <a:p>
+            <a:pPr marL="457200" indent="-457200">
               <a:buFont typeface="Arial"/>
               <a:buChar char="•"/>
             </a:pPr>
             <a:r>
               <a:rPr lang="pt-PT" sz="2800" dirty="0" err="1" smtClean="0"/>
-              <a:t>Dynamic</a:t>
-            </a:r>
-            <a:r>
-              <a:rPr lang="pt-PT" sz="2800" dirty="0" smtClean="0"/>
-              <a:t> </a:t>
-            </a:r>
-            <a:r>
-              <a:rPr lang="pt-PT" sz="2800" dirty="0" err="1" smtClean="0"/>
-              <a:t>adaptation</a:t>
-            </a:r>
-            <a:r>
-              <a:rPr lang="pt-PT" sz="2800" dirty="0" smtClean="0"/>
-              <a:t>: </a:t>
-            </a:r>
-            <a:r>
-              <a:rPr lang="pt-PT" sz="2800" dirty="0" err="1"/>
-              <a:t>c</a:t>
-            </a:r>
-            <a:r>
-              <a:rPr lang="pt-PT" sz="2800" dirty="0" err="1" smtClean="0"/>
-              <a:t>hange</a:t>
-            </a:r>
-            <a:r>
-              <a:rPr lang="pt-PT" sz="2800" dirty="0" smtClean="0"/>
-              <a:t> </a:t>
-            </a:r>
-            <a:r>
-              <a:rPr lang="pt-PT" sz="2800" dirty="0" err="1" smtClean="0"/>
-              <a:t>according</a:t>
-            </a:r>
-            <a:r>
-              <a:rPr lang="pt-PT" sz="2800" dirty="0" smtClean="0"/>
-              <a:t> to </a:t>
-            </a:r>
-            <a:r>
-              <a:rPr lang="pt-PT" sz="2800" dirty="0" err="1" smtClean="0"/>
-              <a:t>resources</a:t>
+              <a:t>Concurrent</a:t>
+            </a:r>
+            <a:r>
+              <a:rPr lang="pt-PT" sz="2800" dirty="0" smtClean="0"/>
+              <a:t> </a:t>
+            </a:r>
+            <a:r>
+              <a:rPr lang="pt-PT" sz="2800" dirty="0" err="1" smtClean="0"/>
+              <a:t>application</a:t>
+            </a:r>
+            <a:r>
+              <a:rPr lang="pt-PT" sz="2800" dirty="0" smtClean="0"/>
+              <a:t> </a:t>
+            </a:r>
+            <a:r>
+              <a:rPr lang="pt-PT" sz="2800" dirty="0" err="1" smtClean="0"/>
+              <a:t>execution</a:t>
             </a:r>
             <a:r>
               <a:rPr lang="pt-PT" sz="2800" dirty="0" smtClean="0"/>
@@ -5411,137 +6375,112 @@
             </a:r>
           </a:p>
           <a:p>
-            <a:pPr marL="457200" indent="-457200" algn="just">
+            <a:pPr marL="457200" indent="-457200">
+              <a:buFont typeface="Arial"/>
+              <a:buChar char="•"/>
+            </a:pPr>
+            <a:endParaRPr lang="pt-PT" sz="2800" dirty="0" smtClean="0"/>
+          </a:p>
+          <a:p>
+            <a:pPr marL="457200" indent="-457200">
+              <a:buFont typeface="Arial"/>
+              <a:buChar char="•"/>
+            </a:pPr>
+            <a:r>
+              <a:rPr lang="pt-PT" sz="2800" dirty="0" err="1" smtClean="0"/>
+              <a:t>Support</a:t>
+            </a:r>
+            <a:r>
+              <a:rPr lang="pt-PT" sz="2800" dirty="0" smtClean="0"/>
+              <a:t> </a:t>
+            </a:r>
+            <a:r>
+              <a:rPr lang="pt-PT" sz="2800" dirty="0" err="1" smtClean="0"/>
+              <a:t>variety</a:t>
+            </a:r>
+            <a:r>
+              <a:rPr lang="pt-PT" sz="2800" dirty="0" smtClean="0"/>
+              <a:t> </a:t>
+            </a:r>
+            <a:r>
+              <a:rPr lang="pt-PT" sz="2800" dirty="0" smtClean="0"/>
+              <a:t>of </a:t>
+            </a:r>
+            <a:r>
+              <a:rPr lang="pt-PT" sz="2800" dirty="0" err="1" smtClean="0"/>
+              <a:t>applications</a:t>
+            </a:r>
+            <a:r>
+              <a:rPr lang="pt-PT" sz="2800" dirty="0" smtClean="0"/>
+              <a:t> </a:t>
+            </a:r>
+            <a:r>
+              <a:rPr lang="pt-PT" sz="2800" dirty="0" err="1" smtClean="0"/>
+              <a:t>and</a:t>
+            </a:r>
+            <a:r>
+              <a:rPr lang="pt-PT" sz="2800" dirty="0" smtClean="0"/>
+              <a:t> </a:t>
+            </a:r>
+            <a:r>
+              <a:rPr lang="pt-PT" sz="2800" dirty="0" err="1" smtClean="0"/>
+              <a:t>resource</a:t>
+            </a:r>
+            <a:r>
+              <a:rPr lang="pt-PT" sz="2800" dirty="0" smtClean="0"/>
+              <a:t> </a:t>
+            </a:r>
+            <a:r>
+              <a:rPr lang="pt-PT" sz="2800" dirty="0" err="1" smtClean="0"/>
+              <a:t>types</a:t>
+            </a:r>
+            <a:r>
+              <a:rPr lang="pt-PT" sz="2800" dirty="0" smtClean="0"/>
+              <a:t>;</a:t>
+            </a:r>
+            <a:endParaRPr lang="pt-PT" sz="2800" dirty="0" smtClean="0"/>
+          </a:p>
+          <a:p>
+            <a:pPr marL="457200" indent="-457200">
               <a:buFont typeface="Arial"/>
               <a:buChar char="•"/>
             </a:pPr>
             <a:endParaRPr lang="pt-PT" sz="2800" dirty="0"/>
           </a:p>
           <a:p>
-            <a:pPr marL="457200" indent="-457200" algn="just">
+            <a:pPr marL="457200" indent="-457200">
               <a:buFont typeface="Arial"/>
               <a:buChar char="•"/>
             </a:pPr>
             <a:r>
               <a:rPr lang="pt-PT" sz="2800" dirty="0" err="1" smtClean="0"/>
-              <a:t>Concurrent</a:t>
-            </a:r>
-            <a:r>
-              <a:rPr lang="pt-PT" sz="2800" dirty="0" smtClean="0"/>
-              <a:t> </a:t>
-            </a:r>
-            <a:r>
-              <a:rPr lang="pt-PT" sz="2800" dirty="0" err="1" smtClean="0"/>
-              <a:t>application</a:t>
-            </a:r>
-            <a:r>
-              <a:rPr lang="pt-PT" sz="2800" dirty="0" smtClean="0"/>
-              <a:t> </a:t>
-            </a:r>
-            <a:r>
-              <a:rPr lang="pt-PT" sz="2800" dirty="0" err="1" smtClean="0"/>
-              <a:t>execution</a:t>
-            </a:r>
-            <a:r>
-              <a:rPr lang="pt-PT" sz="2800" dirty="0" smtClean="0"/>
-              <a:t>;</a:t>
-            </a:r>
-          </a:p>
-          <a:p>
-            <a:pPr marL="457200" indent="-457200" algn="just">
-              <a:buFont typeface="Arial"/>
-              <a:buChar char="•"/>
-            </a:pPr>
-            <a:endParaRPr lang="pt-PT" sz="2800" dirty="0" smtClean="0"/>
-          </a:p>
-          <a:p>
-            <a:pPr marL="457200" indent="-457200" algn="just">
-              <a:buFont typeface="Arial"/>
-              <a:buChar char="•"/>
-            </a:pPr>
-            <a:r>
-              <a:rPr lang="pt-PT" sz="2800" dirty="0" err="1" smtClean="0"/>
-              <a:t>Support</a:t>
-            </a:r>
-            <a:r>
-              <a:rPr lang="pt-PT" sz="2800" dirty="0" smtClean="0"/>
-              <a:t> </a:t>
-            </a:r>
-            <a:r>
-              <a:rPr lang="pt-PT" sz="2800" dirty="0" err="1" smtClean="0"/>
-              <a:t>variaty</a:t>
-            </a:r>
-            <a:r>
-              <a:rPr lang="pt-PT" sz="2800" dirty="0" smtClean="0"/>
-              <a:t> of </a:t>
-            </a:r>
-            <a:r>
-              <a:rPr lang="pt-PT" sz="2800" dirty="0" err="1" smtClean="0"/>
-              <a:t>applications</a:t>
-            </a:r>
-            <a:r>
-              <a:rPr lang="pt-PT" sz="2800" dirty="0" smtClean="0"/>
-              <a:t> </a:t>
-            </a:r>
-            <a:r>
-              <a:rPr lang="pt-PT" sz="2800" dirty="0" err="1" smtClean="0"/>
-              <a:t>and</a:t>
-            </a:r>
-            <a:r>
-              <a:rPr lang="pt-PT" sz="2800" dirty="0" smtClean="0"/>
-              <a:t> data </a:t>
-            </a:r>
-            <a:r>
-              <a:rPr lang="pt-PT" sz="2800" dirty="0" err="1" smtClean="0"/>
-              <a:t>types</a:t>
-            </a:r>
-            <a:r>
-              <a:rPr lang="pt-PT" sz="2800" dirty="0" smtClean="0"/>
-              <a:t>;</a:t>
-            </a:r>
-          </a:p>
-          <a:p>
-            <a:pPr marL="457200" indent="-457200" algn="just">
+              <a:t>Fast</a:t>
+            </a:r>
+            <a:r>
+              <a:rPr lang="pt-PT" sz="2800" dirty="0" smtClean="0"/>
+              <a:t> </a:t>
+            </a:r>
+            <a:r>
+              <a:rPr lang="pt-PT" sz="2800" dirty="0" err="1" smtClean="0"/>
+              <a:t>adaptation</a:t>
+            </a:r>
+            <a:r>
+              <a:rPr lang="pt-PT" sz="2800" dirty="0" smtClean="0"/>
+              <a:t>.</a:t>
+            </a:r>
+          </a:p>
+          <a:p>
+            <a:pPr marL="457200" indent="-457200">
               <a:buFont typeface="Arial"/>
               <a:buChar char="•"/>
             </a:pPr>
             <a:endParaRPr lang="pt-PT" sz="2800" dirty="0"/>
           </a:p>
           <a:p>
-            <a:pPr marL="457200" indent="-457200" algn="just">
-              <a:buFont typeface="Arial"/>
-              <a:buChar char="•"/>
-            </a:pPr>
-            <a:r>
-              <a:rPr lang="pt-PT" sz="2800" dirty="0" err="1" smtClean="0"/>
-              <a:t>Fast</a:t>
-            </a:r>
-            <a:r>
-              <a:rPr lang="pt-PT" sz="2800" dirty="0" smtClean="0"/>
-              <a:t> </a:t>
-            </a:r>
-            <a:r>
-              <a:rPr lang="pt-PT" sz="2800" dirty="0" err="1" smtClean="0"/>
-              <a:t>adaptation</a:t>
-            </a:r>
-            <a:r>
-              <a:rPr lang="pt-PT" sz="2800" dirty="0" smtClean="0"/>
-              <a:t>.</a:t>
-            </a:r>
-          </a:p>
-          <a:p>
-            <a:pPr marL="457200" indent="-457200" algn="just">
-              <a:buFont typeface="Arial"/>
-              <a:buChar char="•"/>
-            </a:pPr>
             <a:endParaRPr lang="pt-PT" sz="2800" dirty="0"/>
           </a:p>
           <a:p>
-            <a:pPr algn="just"/>
-            <a:endParaRPr lang="pt-PT" sz="2800" dirty="0"/>
-          </a:p>
-          <a:p>
-            <a:pPr marL="457200" indent="-457200" algn="just">
+            <a:pPr marL="457200" indent="-457200">
               <a:buFont typeface="Arial"/>
               <a:buChar char="•"/>
             </a:pPr>
@@ -5842,15 +6781,7 @@
           <a:p>
             <a:r>
               <a:rPr lang="en-US" sz="5000" dirty="0" smtClean="0"/>
-              <a:t>M</a:t>
-            </a:r>
-            <a:r>
-              <a:rPr lang="en-US" sz="5000" dirty="0" smtClean="0"/>
-              <a:t>o</a:t>
-            </a:r>
-            <a:r>
-              <a:rPr lang="en-US" sz="5000" dirty="0" smtClean="0"/>
-              <a:t>dels of adaptation</a:t>
+              <a:t>Models of adaptation</a:t>
             </a:r>
             <a:endParaRPr lang="en-US" sz="5000" dirty="0"/>
           </a:p>
@@ -5859,178 +6790,6 @@
       <p:pic>
         <p:nvPicPr>
           <p:cNvPr id="4" name="Picture 3" descr="ist.jpg"/>
-          <p:cNvPicPr>
-            <a:picLocks noChangeAspect="1"/>
-          </p:cNvPicPr>
-          <p:nvPr/>
-        </p:nvPicPr>
-        <p:blipFill>
-          <a:blip r:embed="rId2">
-            <a:extLst>
-              <a:ext uri="{28A0092B-C50C-407E-A947-70E740481C1C}">
-                <a14:useLocalDpi xmlns:a14="http://schemas.microsoft.com/office/drawing/2010/main" val="0"/>
-              </a:ext>
-            </a:extLst>
-          </a:blip>
-          <a:stretch>
-            <a:fillRect/>
-          </a:stretch>
-        </p:blipFill>
-        <p:spPr>
-          <a:xfrm>
-            <a:off x="262396" y="239123"/>
-            <a:ext cx="1949172" cy="857340"/>
-          </a:xfrm>
-          <a:prstGeom prst="rect">
-            <a:avLst/>
-          </a:prstGeom>
-        </p:spPr>
-      </p:pic>
-      <p:sp>
-        <p:nvSpPr>
-          <p:cNvPr id="5" name="TextBox 4"/>
-          <p:cNvSpPr txBox="1"/>
-          <p:nvPr/>
-        </p:nvSpPr>
-        <p:spPr>
-          <a:xfrm>
-            <a:off x="685800" y="2091695"/>
-            <a:ext cx="7772400" cy="3108544"/>
-          </a:xfrm>
-          <a:prstGeom prst="rect">
-            <a:avLst/>
-          </a:prstGeom>
-          <a:noFill/>
-        </p:spPr>
-        <p:txBody>
-          <a:bodyPr wrap="square" rtlCol="0">
-            <a:spAutoFit/>
-          </a:bodyPr>
-          <a:lstStyle/>
-          <a:p>
-            <a:pPr algn="just"/>
-            <a:r>
-              <a:rPr lang="pt-PT" sz="2800" dirty="0" err="1" smtClean="0"/>
-              <a:t>Who</a:t>
-            </a:r>
-            <a:r>
-              <a:rPr lang="pt-PT" sz="2800" dirty="0" smtClean="0"/>
-              <a:t> </a:t>
-            </a:r>
-            <a:r>
-              <a:rPr lang="pt-PT" sz="2800" dirty="0" err="1" smtClean="0"/>
-              <a:t>is</a:t>
-            </a:r>
-            <a:r>
-              <a:rPr lang="pt-PT" sz="2800" dirty="0" smtClean="0"/>
-              <a:t> </a:t>
-            </a:r>
-            <a:r>
-              <a:rPr lang="pt-PT" sz="2800" dirty="0" err="1" smtClean="0"/>
-              <a:t>responsible</a:t>
-            </a:r>
-            <a:r>
-              <a:rPr lang="pt-PT" sz="2800" dirty="0" smtClean="0"/>
-              <a:t> for </a:t>
-            </a:r>
-            <a:r>
-              <a:rPr lang="pt-PT" sz="2800" dirty="0" err="1" smtClean="0"/>
-              <a:t>adaptation</a:t>
-            </a:r>
-            <a:r>
-              <a:rPr lang="pt-PT" sz="2800" dirty="0" smtClean="0"/>
-              <a:t>?</a:t>
-            </a:r>
-          </a:p>
-          <a:p>
-            <a:pPr algn="just"/>
-            <a:endParaRPr lang="pt-PT" sz="2800" dirty="0"/>
-          </a:p>
-          <a:p>
-            <a:pPr marL="914400" lvl="1" indent="-457200" algn="just">
-              <a:buFont typeface="Arial"/>
-              <a:buChar char="•"/>
-            </a:pPr>
-            <a:r>
-              <a:rPr lang="pt-PT" sz="2800" dirty="0" smtClean="0"/>
-              <a:t>Individual </a:t>
-            </a:r>
-            <a:r>
-              <a:rPr lang="pt-PT" sz="2800" dirty="0" err="1" smtClean="0"/>
-              <a:t>applications</a:t>
-            </a:r>
-            <a:r>
-              <a:rPr lang="pt-PT" sz="2800" dirty="0" smtClean="0"/>
-              <a:t> (Eudora);</a:t>
-            </a:r>
-          </a:p>
-          <a:p>
-            <a:pPr marL="914400" lvl="1" indent="-457200" algn="just">
-              <a:buFont typeface="Arial"/>
-              <a:buChar char="•"/>
-            </a:pPr>
-            <a:r>
-              <a:rPr lang="pt-PT" sz="2800" dirty="0" err="1" smtClean="0"/>
-              <a:t>The</a:t>
-            </a:r>
-            <a:r>
-              <a:rPr lang="pt-PT" sz="2800" dirty="0" smtClean="0"/>
-              <a:t> </a:t>
-            </a:r>
-            <a:r>
-              <a:rPr lang="pt-PT" sz="2800" dirty="0" err="1" smtClean="0"/>
-              <a:t>system</a:t>
-            </a:r>
-            <a:r>
-              <a:rPr lang="pt-PT" sz="2800" dirty="0" smtClean="0"/>
-              <a:t> (Coda);</a:t>
-            </a:r>
-          </a:p>
-          <a:p>
-            <a:pPr marL="914400" lvl="1" indent="-457200" algn="just">
-              <a:buFont typeface="Arial"/>
-              <a:buChar char="•"/>
-            </a:pPr>
-            <a:r>
-              <a:rPr lang="pt-PT" sz="2800" dirty="0" smtClean="0"/>
-              <a:t>Both (</a:t>
-            </a:r>
-            <a:r>
-              <a:rPr lang="pt-PT" sz="2800" dirty="0" err="1"/>
-              <a:t>O</a:t>
-            </a:r>
-            <a:r>
-              <a:rPr lang="pt-PT" sz="2800" dirty="0" err="1" smtClean="0"/>
-              <a:t>dyssey</a:t>
-            </a:r>
-            <a:r>
-              <a:rPr lang="pt-PT" sz="2800" dirty="0" smtClean="0"/>
-              <a:t>);</a:t>
-            </a:r>
-          </a:p>
-          <a:p>
-            <a:pPr marL="914400" lvl="1" indent="-457200" algn="just">
-              <a:buFont typeface="Arial"/>
-              <a:buChar char="•"/>
-            </a:pPr>
-            <a:endParaRPr lang="pt-PT" sz="2800" dirty="0" smtClean="0"/>
-          </a:p>
-          <a:p>
-            <a:pPr marL="914400" lvl="1" indent="-457200" algn="just">
-              <a:buFont typeface="Arial"/>
-              <a:buChar char="•"/>
-            </a:pPr>
-            <a:r>
-              <a:rPr lang="pt-PT" sz="2800" dirty="0" smtClean="0"/>
-              <a:t>	</a:t>
-            </a:r>
-            <a:endParaRPr lang="pt-PT" sz="2800" dirty="0"/>
-          </a:p>
-        </p:txBody>
-      </p:sp>
-      <p:pic>
-        <p:nvPicPr>
-          <p:cNvPr id="3" name="Picture 2" descr="Captura de ecrã 2015-03-21, às 16.37.29.png"/>
           <p:cNvPicPr>
             <a:picLocks noChangeAspect="1"/>
           </p:cNvPicPr>
@@ -6050,7 +6809,179 @@
         </p:blipFill>
         <p:spPr>
           <a:xfrm>
-            <a:off x="796917" y="4529117"/>
+            <a:off x="262396" y="239123"/>
+            <a:ext cx="1949172" cy="857340"/>
+          </a:xfrm>
+          <a:prstGeom prst="rect">
+            <a:avLst/>
+          </a:prstGeom>
+        </p:spPr>
+      </p:pic>
+      <p:sp>
+        <p:nvSpPr>
+          <p:cNvPr id="5" name="TextBox 4"/>
+          <p:cNvSpPr txBox="1"/>
+          <p:nvPr/>
+        </p:nvSpPr>
+        <p:spPr>
+          <a:xfrm>
+            <a:off x="685800" y="2091695"/>
+            <a:ext cx="7772400" cy="3108544"/>
+          </a:xfrm>
+          <a:prstGeom prst="rect">
+            <a:avLst/>
+          </a:prstGeom>
+          <a:noFill/>
+        </p:spPr>
+        <p:txBody>
+          <a:bodyPr wrap="square" rtlCol="0">
+            <a:spAutoFit/>
+          </a:bodyPr>
+          <a:lstStyle/>
+          <a:p>
+            <a:pPr algn="just"/>
+            <a:r>
+              <a:rPr lang="pt-PT" sz="2800" dirty="0" err="1" smtClean="0"/>
+              <a:t>Who</a:t>
+            </a:r>
+            <a:r>
+              <a:rPr lang="pt-PT" sz="2800" dirty="0" smtClean="0"/>
+              <a:t> </a:t>
+            </a:r>
+            <a:r>
+              <a:rPr lang="pt-PT" sz="2800" dirty="0" err="1" smtClean="0"/>
+              <a:t>is</a:t>
+            </a:r>
+            <a:r>
+              <a:rPr lang="pt-PT" sz="2800" dirty="0" smtClean="0"/>
+              <a:t> </a:t>
+            </a:r>
+            <a:r>
+              <a:rPr lang="pt-PT" sz="2800" dirty="0" err="1" smtClean="0"/>
+              <a:t>responsible</a:t>
+            </a:r>
+            <a:r>
+              <a:rPr lang="pt-PT" sz="2800" dirty="0" smtClean="0"/>
+              <a:t> for </a:t>
+            </a:r>
+            <a:r>
+              <a:rPr lang="pt-PT" sz="2800" dirty="0" err="1" smtClean="0"/>
+              <a:t>adaptation</a:t>
+            </a:r>
+            <a:r>
+              <a:rPr lang="pt-PT" sz="2800" dirty="0" smtClean="0"/>
+              <a:t>?</a:t>
+            </a:r>
+          </a:p>
+          <a:p>
+            <a:pPr algn="just"/>
+            <a:endParaRPr lang="pt-PT" sz="2800" dirty="0"/>
+          </a:p>
+          <a:p>
+            <a:pPr marL="914400" lvl="1" indent="-457200" algn="just">
+              <a:buFont typeface="Arial"/>
+              <a:buChar char="•"/>
+            </a:pPr>
+            <a:r>
+              <a:rPr lang="pt-PT" sz="2800" dirty="0" smtClean="0"/>
+              <a:t>Individual </a:t>
+            </a:r>
+            <a:r>
+              <a:rPr lang="pt-PT" sz="2800" dirty="0" err="1" smtClean="0"/>
+              <a:t>applications</a:t>
+            </a:r>
+            <a:r>
+              <a:rPr lang="pt-PT" sz="2800" dirty="0" smtClean="0"/>
+              <a:t> (Eudora);</a:t>
+            </a:r>
+          </a:p>
+          <a:p>
+            <a:pPr marL="914400" lvl="1" indent="-457200" algn="just">
+              <a:buFont typeface="Arial"/>
+              <a:buChar char="•"/>
+            </a:pPr>
+            <a:r>
+              <a:rPr lang="pt-PT" sz="2800" dirty="0" err="1" smtClean="0"/>
+              <a:t>The</a:t>
+            </a:r>
+            <a:r>
+              <a:rPr lang="pt-PT" sz="2800" dirty="0" smtClean="0"/>
+              <a:t> </a:t>
+            </a:r>
+            <a:r>
+              <a:rPr lang="pt-PT" sz="2800" dirty="0" err="1" smtClean="0"/>
+              <a:t>system</a:t>
+            </a:r>
+            <a:r>
+              <a:rPr lang="pt-PT" sz="2800" dirty="0" smtClean="0"/>
+              <a:t> (Coda);</a:t>
+            </a:r>
+          </a:p>
+          <a:p>
+            <a:pPr marL="914400" lvl="1" indent="-457200" algn="just">
+              <a:buFont typeface="Arial"/>
+              <a:buChar char="•"/>
+            </a:pPr>
+            <a:r>
+              <a:rPr lang="pt-PT" sz="2800" dirty="0" smtClean="0"/>
+              <a:t>Both (</a:t>
+            </a:r>
+            <a:r>
+              <a:rPr lang="pt-PT" sz="2800" dirty="0" err="1"/>
+              <a:t>O</a:t>
+            </a:r>
+            <a:r>
+              <a:rPr lang="pt-PT" sz="2800" dirty="0" err="1" smtClean="0"/>
+              <a:t>dyssey</a:t>
+            </a:r>
+            <a:r>
+              <a:rPr lang="pt-PT" sz="2800" dirty="0" smtClean="0"/>
+              <a:t>);</a:t>
+            </a:r>
+          </a:p>
+          <a:p>
+            <a:pPr marL="914400" lvl="1" indent="-457200" algn="just">
+              <a:buFont typeface="Arial"/>
+              <a:buChar char="•"/>
+            </a:pPr>
+            <a:endParaRPr lang="pt-PT" sz="2800" dirty="0" smtClean="0"/>
+          </a:p>
+          <a:p>
+            <a:pPr marL="914400" lvl="1" indent="-457200" algn="just">
+              <a:buFont typeface="Arial"/>
+              <a:buChar char="•"/>
+            </a:pPr>
+            <a:r>
+              <a:rPr lang="pt-PT" sz="2800" dirty="0" smtClean="0"/>
+              <a:t>	</a:t>
+            </a:r>
+            <a:endParaRPr lang="pt-PT" sz="2800" dirty="0"/>
+          </a:p>
+        </p:txBody>
+      </p:sp>
+      <p:pic>
+        <p:nvPicPr>
+          <p:cNvPr id="3" name="Picture 2" descr="Captura de ecrã 2015-03-21, às 16.37.29.png"/>
+          <p:cNvPicPr>
+            <a:picLocks noChangeAspect="1"/>
+          </p:cNvPicPr>
+          <p:nvPr/>
+        </p:nvPicPr>
+        <p:blipFill>
+          <a:blip r:embed="rId4">
+            <a:extLst>
+              <a:ext uri="{28A0092B-C50C-407E-A947-70E740481C1C}">
+                <a14:useLocalDpi xmlns:a14="http://schemas.microsoft.com/office/drawing/2010/main" val="0"/>
+              </a:ext>
+            </a:extLst>
+          </a:blip>
+          <a:stretch>
+            <a:fillRect/>
+          </a:stretch>
+        </p:blipFill>
+        <p:spPr>
+          <a:xfrm>
+            <a:off x="796917" y="4389549"/>
             <a:ext cx="7661283" cy="2328883"/>
           </a:xfrm>
           <a:prstGeom prst="rect">
@@ -6117,11 +7048,7 @@
           <a:p>
             <a:r>
               <a:rPr lang="pt-PT" sz="5000" dirty="0" err="1" smtClean="0"/>
-              <a:t>Pro</a:t>
-            </a:r>
-            <a:r>
-              <a:rPr lang="pt-PT" sz="5000" dirty="0" err="1" smtClean="0"/>
-              <a:t>perties</a:t>
+              <a:t>Properties</a:t>
             </a:r>
             <a:endParaRPr lang="en-US" sz="5000" dirty="0"/>
           </a:p>
@@ -6488,7 +7415,7 @@
           <p:nvPr/>
         </p:nvPicPr>
         <p:blipFill>
-          <a:blip r:embed="rId2">
+          <a:blip r:embed="rId3">
             <a:extLst>
               <a:ext uri="{28A0092B-C50C-407E-A947-70E740481C1C}">
                 <a14:useLocalDpi xmlns:a14="http://schemas.microsoft.com/office/drawing/2010/main" val="0"/>
@@ -6518,7 +7445,7 @@
           <p:nvPr/>
         </p:nvPicPr>
         <p:blipFill>
-          <a:blip r:embed="rId3">
+          <a:blip r:embed="rId4">
             <a:extLst>
               <a:ext uri="{28A0092B-C50C-407E-A947-70E740481C1C}">
                 <a14:useLocalDpi xmlns:a14="http://schemas.microsoft.com/office/drawing/2010/main" val="0"/>
@@ -6598,7 +7525,7 @@
           <a:p>
             <a:r>
               <a:rPr lang="pt-PT" sz="5000" dirty="0" err="1" smtClean="0"/>
-              <a:t>Vicery</a:t>
+              <a:t>Viceroy</a:t>
             </a:r>
             <a:r>
               <a:rPr lang="pt-PT" sz="5000" dirty="0" smtClean="0"/>
@@ -6702,7 +7629,7 @@
             </a:r>
             <a:r>
               <a:rPr lang="pt-PT" sz="2800" dirty="0" err="1" smtClean="0"/>
-              <a:t>support</a:t>
+              <a:t>supports</a:t>
             </a:r>
             <a:r>
               <a:rPr lang="pt-PT" sz="2800" dirty="0" smtClean="0"/>
@@ -6759,7 +7686,7 @@
             </a:pPr>
             <a:r>
               <a:rPr lang="pt-PT" sz="2800" b="1" dirty="0" err="1" smtClean="0"/>
-              <a:t>Vicery</a:t>
+              <a:t>Viceroy</a:t>
             </a:r>
             <a:r>
               <a:rPr lang="pt-PT" sz="2800" dirty="0" smtClean="0"/>
@@ -6795,15 +7722,19 @@
             </a:r>
             <a:r>
               <a:rPr lang="pt-PT" sz="2800" dirty="0" smtClean="0"/>
-              <a:t> </a:t>
-            </a:r>
-            <a:r>
-              <a:rPr lang="pt-PT" sz="2800" dirty="0" err="1" smtClean="0"/>
-              <a:t>responsibe</a:t>
-            </a:r>
-            <a:r>
-              <a:rPr lang="pt-PT" sz="2800" dirty="0" smtClean="0"/>
-              <a:t> for </a:t>
+              <a:t>, </a:t>
+            </a:r>
+            <a:r>
+              <a:rPr lang="pt-PT" sz="2800" dirty="0" err="1" smtClean="0"/>
+              <a:t>responsible</a:t>
+            </a:r>
+            <a:r>
+              <a:rPr lang="pt-PT" sz="2800" dirty="0" smtClean="0"/>
+              <a:t> </a:t>
+            </a:r>
+            <a:r>
+              <a:rPr lang="pt-PT" sz="2800" dirty="0" smtClean="0"/>
+              <a:t>for </a:t>
             </a:r>
             <a:r>
               <a:rPr lang="pt-PT" sz="2800" dirty="0" err="1" smtClean="0"/>
@@ -6827,8 +7758,33 @@
             </a:r>
             <a:r>
               <a:rPr lang="pt-PT" sz="2800" dirty="0" smtClean="0"/>
+              <a:t> </a:t>
+            </a:r>
+            <a:r>
+              <a:rPr lang="pt-PT" sz="2800" dirty="0" err="1" smtClean="0"/>
+              <a:t>and</a:t>
+            </a:r>
+            <a:r>
+              <a:rPr lang="pt-PT" sz="2800" dirty="0" smtClean="0"/>
+              <a:t> </a:t>
+            </a:r>
+            <a:r>
+              <a:rPr lang="pt-PT" sz="2800" dirty="0" err="1" smtClean="0"/>
+              <a:t>monitori</a:t>
+            </a:r>
+            <a:r>
+              <a:rPr lang="pt-PT" sz="2800" dirty="0" err="1"/>
+              <a:t>z</a:t>
+            </a:r>
+            <a:r>
+              <a:rPr lang="pt-PT" sz="2800" dirty="0" err="1" smtClean="0"/>
+              <a:t>ation</a:t>
+            </a:r>
+            <a:r>
+              <a:rPr lang="pt-PT" sz="2800" dirty="0" smtClean="0"/>
               <a:t>.</a:t>
             </a:r>
+            <a:endParaRPr lang="pt-PT" sz="2800" dirty="0" smtClean="0"/>
           </a:p>
         </p:txBody>
       </p:sp>
@@ -7364,4 +8320,324 @@
   </a:objectDefaults>
   <a:extraClrSchemeLst/>
 </a:theme>
+</file>
+
+<file path=ppt/theme/theme2.xml><?xml version="1.0" encoding="utf-8"?>
+<a:theme xmlns:a="http://schemas.openxmlformats.org/drawingml/2006/main" name="Office Theme">
+  <a:themeElements>
+    <a:clrScheme name="Office">
+      <a:dk1>
+        <a:sysClr val="windowText" lastClr="000000"/>
+      </a:dk1>
+      <a:lt1>
+        <a:sysClr val="window" lastClr="FFFFFF"/>
+      </a:lt1>
+      <a:dk2>
+        <a:srgbClr val="1F497D"/>
+      </a:dk2>
+      <a:lt2>
+        <a:srgbClr val="EEECE1"/>
+      </a:lt2>
+      <a:accent1>
+        <a:srgbClr val="4F81BD"/>
+      </a:accent1>
+      <a:accent2>
+        <a:srgbClr val="C0504D"/>
+      </a:accent2>
+      <a:accent3>
+        <a:srgbClr val="9BBB59"/>
+      </a:accent3>
+      <a:accent4>
+        <a:srgbClr val="8064A2"/>
+      </a:accent4>
+      <a:accent5>
+        <a:srgbClr val="4BACC6"/>
+      </a:accent5>
+      <a:accent6>
+        <a:srgbClr val="F79646"/>
+      </a:accent6>
+      <a:hlink>
+        <a:srgbClr val="0000FF"/>
+      </a:hlink>
+      <a:folHlink>
+        <a:srgbClr val="800080"/>
+      </a:folHlink>
+    </a:clrScheme>
+    <a:fontScheme name="Office">
+      <a:majorFont>
+        <a:latin typeface="Calibri"/>
+        <a:ea typeface=""/>
+        <a:cs typeface=""/>
+        <a:font script="Jpan" typeface="ＭＳ Ｐゴシック"/>
+        <a:font script="Hang" typeface="맑은 고딕"/>
+        <a:font script="Hans" typeface="宋体"/>
+        <a:font script="Hant" typeface="新細明體"/>
+        <a:font script="Arab" typeface="Times New Roman"/>
+        <a:font script="Hebr" typeface="Times New Roman"/>
+        <a:font script="Thai" typeface="Angsana New"/>
+        <a:font script="Ethi" typeface="Nyala"/>
+        <a:font script="Beng" typeface="Vrinda"/>
+        <a:font script="Gujr" typeface="Shruti"/>
+        <a:font script="Khmr" typeface="MoolBoran"/>
+        <a:font script="Knda" typeface="Tunga"/>
+        <a:font script="Guru" typeface="Raavi"/>
+        <a:font script="Cans" typeface="Euphemia"/>
+        <a:font script="Cher" typeface="Plantagenet Cherokee"/>
+        <a:font script="Yiii" typeface="Microsoft Yi Baiti"/>
+        <a:font script="Tibt" typeface="Microsoft Himalaya"/>
+        <a:font script="Thaa" typeface="MV Boli"/>
+        <a:font script="Deva" typeface="Mangal"/>
+        <a:font script="Telu" typeface="Gautami"/>
+        <a:font script="Taml" typeface="Latha"/>
+        <a:font script="Syrc" typeface="Estrangelo Edessa"/>
+        <a:font script="Orya" typeface="Kalinga"/>
+        <a:font script="Mlym" typeface="Kartika"/>
+        <a:font script="Laoo" typeface="DokChampa"/>
+        <a:font script="Sinh" typeface="Iskoola Pota"/>
+        <a:font script="Mong" typeface="Mongolian Baiti"/>
+        <a:font script="Viet" typeface="Times New Roman"/>
+        <a:font script="Uigh" typeface="Microsoft Uighur"/>
+        <a:font script="Geor" typeface="Sylfaen"/>
+      </a:majorFont>
+      <a:minorFont>
+        <a:latin typeface="Calibri"/>
+        <a:ea typeface=""/>
+        <a:cs typeface=""/>
+        <a:font script="Jpan" typeface="ＭＳ Ｐゴシック"/>
+        <a:font script="Hang" typeface="맑은 고딕"/>
+        <a:font script="Hans" typeface="宋体"/>
+        <a:font script="Hant" typeface="新細明體"/>
+        <a:font script="Arab" typeface="Arial"/>
+        <a:font script="Hebr" typeface="Arial"/>
+        <a:font script="Thai" typeface="Cordia New"/>
+        <a:font script="Ethi" typeface="Nyala"/>
+        <a:font script="Beng" typeface="Vrinda"/>
+        <a:font script="Gujr" typeface="Shruti"/>
+        <a:font script="Khmr" typeface="DaunPenh"/>
+        <a:font script="Knda" typeface="Tunga"/>
+        <a:font script="Guru" typeface="Raavi"/>
+        <a:font script="Cans" typeface="Euphemia"/>
+        <a:font script="Cher" typeface="Plantagenet Cherokee"/>
+        <a:font script="Yiii" typeface="Microsoft Yi Baiti"/>
+        <a:font script="Tibt" typeface="Microsoft Himalaya"/>
+        <a:font script="Thaa" typeface="MV Boli"/>
+        <a:font script="Deva" typeface="Mangal"/>
+        <a:font script="Telu" typeface="Gautami"/>
+        <a:font script="Taml" typeface="Latha"/>
+        <a:font script="Syrc" typeface="Estrangelo Edessa"/>
+        <a:font script="Orya" typeface="Kalinga"/>
+        <a:font script="Mlym" typeface="Kartika"/>
+        <a:font script="Laoo" typeface="DokChampa"/>
+        <a:font script="Sinh" typeface="Iskoola Pota"/>
+        <a:font script="Mong" typeface="Mongolian Baiti"/>
+        <a:font script="Viet" typeface="Arial"/>
+        <a:font script="Uigh" typeface="Microsoft Uighur"/>
+        <a:font script="Geor" typeface="Sylfaen"/>
+      </a:minorFont>
+    </a:fontScheme>
+    <a:fmtScheme name="Office">
+      <a:fillStyleLst>
+        <a:solidFill>
+          <a:schemeClr val="phClr"/>
+        </a:solidFill>
+        <a:gradFill rotWithShape="1">
+          <a:gsLst>
+            <a:gs pos="0">
+              <a:schemeClr val="phClr">
+                <a:tint val="50000"/>
+                <a:satMod val="300000"/>
+              </a:schemeClr>
+            </a:gs>
+            <a:gs pos="35000">
+              <a:schemeClr val="phClr">
+                <a:tint val="37000"/>
+                <a:satMod val="300000"/>
+              </a:schemeClr>
+            </a:gs>
+            <a:gs pos="100000">
+              <a:schemeClr val="phClr">
+                <a:tint val="15000"/>
+                <a:satMod val="350000"/>
+              </a:schemeClr>
+            </a:gs>
+          </a:gsLst>
+          <a:lin ang="16200000" scaled="1"/>
+        </a:gradFill>
+        <a:gradFill rotWithShape="1">
+          <a:gsLst>
+            <a:gs pos="0">
+              <a:schemeClr val="phClr">
+                <a:tint val="100000"/>
+                <a:shade val="100000"/>
+                <a:satMod val="130000"/>
+              </a:schemeClr>
+            </a:gs>
+            <a:gs pos="100000">
+              <a:schemeClr val="phClr">
+                <a:tint val="50000"/>
+                <a:shade val="100000"/>
+                <a:satMod val="350000"/>
+              </a:schemeClr>
+            </a:gs>
+          </a:gsLst>
+          <a:lin ang="16200000" scaled="0"/>
+        </a:gradFill>
+      </a:fillStyleLst>
+      <a:lnStyleLst>
+        <a:ln w="9525" cap="flat" cmpd="sng" algn="ctr">
+          <a:solidFill>
+            <a:schemeClr val="phClr">
+              <a:shade val="95000"/>
+              <a:satMod val="105000"/>
+            </a:schemeClr>
+          </a:solidFill>
+          <a:prstDash val="solid"/>
+        </a:ln>
+        <a:ln w="25400" cap="flat" cmpd="sng" algn="ctr">
+          <a:solidFill>
+            <a:schemeClr val="phClr"/>
+          </a:solidFill>
+          <a:prstDash val="solid"/>
+        </a:ln>
+        <a:ln w="38100" cap="flat" cmpd="sng" algn="ctr">
+          <a:solidFill>
+            <a:schemeClr val="phClr"/>
+          </a:solidFill>
+          <a:prstDash val="solid"/>
+        </a:ln>
+      </a:lnStyleLst>
+      <a:effectStyleLst>
+        <a:effectStyle>
+          <a:effectLst>
+            <a:outerShdw blurRad="40000" dist="20000" dir="5400000" rotWithShape="0">
+              <a:srgbClr val="000000">
+                <a:alpha val="38000"/>
+              </a:srgbClr>
+            </a:outerShdw>
+          </a:effectLst>
+        </a:effectStyle>
+        <a:effectStyle>
+          <a:effectLst>
+            <a:outerShdw blurRad="40000" dist="23000" dir="5400000" rotWithShape="0">
+              <a:srgbClr val="000000">
+                <a:alpha val="35000"/>
+              </a:srgbClr>
+            </a:outerShdw>
+          </a:effectLst>
+        </a:effectStyle>
+        <a:effectStyle>
+          <a:effectLst>
+            <a:outerShdw blurRad="40000" dist="23000" dir="5400000" rotWithShape="0">
+              <a:srgbClr val="000000">
+                <a:alpha val="35000"/>
+              </a:srgbClr>
+            </a:outerShdw>
+          </a:effectLst>
+          <a:scene3d>
+            <a:camera prst="orthographicFront">
+              <a:rot lat="0" lon="0" rev="0"/>
+            </a:camera>
+            <a:lightRig rig="threePt" dir="t">
+              <a:rot lat="0" lon="0" rev="1200000"/>
+            </a:lightRig>
+          </a:scene3d>
+          <a:sp3d>
+            <a:bevelT w="63500" h="25400"/>
+          </a:sp3d>
+        </a:effectStyle>
+      </a:effectStyleLst>
+      <a:bgFillStyleLst>
+        <a:solidFill>
+          <a:schemeClr val="phClr"/>
+        </a:solidFill>
+        <a:gradFill rotWithShape="1">
+          <a:gsLst>
+            <a:gs pos="0">
+              <a:schemeClr val="phClr">
+                <a:tint val="40000"/>
+                <a:satMod val="350000"/>
+              </a:schemeClr>
+            </a:gs>
+            <a:gs pos="40000">
+              <a:schemeClr val="phClr">
+                <a:tint val="45000"/>
+                <a:shade val="99000"/>
+                <a:satMod val="350000"/>
+              </a:schemeClr>
+            </a:gs>
+            <a:gs pos="100000">
+              <a:schemeClr val="phClr">
+                <a:shade val="20000"/>
+                <a:satMod val="255000"/>
+              </a:schemeClr>
+            </a:gs>
+          </a:gsLst>
+          <a:path path="circle">
+            <a:fillToRect l="50000" t="-80000" r="50000" b="180000"/>
+          </a:path>
+        </a:gradFill>
+        <a:gradFill rotWithShape="1">
+          <a:gsLst>
+            <a:gs pos="0">
+              <a:schemeClr val="phClr">
+                <a:tint val="80000"/>
+                <a:satMod val="300000"/>
+              </a:schemeClr>
+            </a:gs>
+            <a:gs pos="100000">
+              <a:schemeClr val="phClr">
+                <a:shade val="30000"/>
+                <a:satMod val="200000"/>
+              </a:schemeClr>
+            </a:gs>
+          </a:gsLst>
+          <a:path path="circle">
+            <a:fillToRect l="50000" t="50000" r="50000" b="50000"/>
+          </a:path>
+        </a:gradFill>
+      </a:bgFillStyleLst>
+    </a:fmtScheme>
+  </a:themeElements>
+  <a:objectDefaults>
+    <a:spDef>
+      <a:spPr/>
+      <a:bodyPr/>
+      <a:lstStyle/>
+      <a:style>
+        <a:lnRef idx="1">
+          <a:schemeClr val="accent1"/>
+        </a:lnRef>
+        <a:fillRef idx="3">
+          <a:schemeClr val="accent1"/>
+        </a:fillRef>
+        <a:effectRef idx="2">
+          <a:schemeClr val="accent1"/>
+        </a:effectRef>
+        <a:fontRef idx="minor">
+          <a:schemeClr val="lt1"/>
+        </a:fontRef>
+      </a:style>
+    </a:spDef>
+    <a:lnDef>
+      <a:spPr/>
+      <a:bodyPr/>
+      <a:lstStyle/>
+      <a:style>
+        <a:lnRef idx="2">
+          <a:schemeClr val="accent1"/>
+        </a:lnRef>
+        <a:fillRef idx="0">
+          <a:schemeClr val="accent1"/>
+        </a:fillRef>
+        <a:effectRef idx="1">
+          <a:schemeClr val="accent1"/>
+        </a:effectRef>
+        <a:fontRef idx="minor">
+          <a:schemeClr val="tx1"/>
+        </a:fontRef>
+      </a:style>
+    </a:lnDef>
+  </a:objectDefaults>
+  <a:extraClrSchemeLst/>
+</a:theme>
 </file>
--- a/paper-presentation/cmov-presentation.pptx
+++ b/paper-presentation/cmov-presentation.pptx
@@ -5,7 +5,7 @@
     <p:sldMasterId id="2147483648" r:id="rId1"/>
   </p:sldMasterIdLst>
   <p:notesMasterIdLst>
-    <p:notesMasterId r:id="rId21"/>
+    <p:notesMasterId r:id="rId22"/>
   </p:notesMasterIdLst>
   <p:sldIdLst>
     <p:sldId id="256" r:id="rId2"/>
@@ -27,6 +27,7 @@
     <p:sldId id="272" r:id="rId18"/>
     <p:sldId id="273" r:id="rId19"/>
     <p:sldId id="274" r:id="rId20"/>
+    <p:sldId id="275" r:id="rId21"/>
   </p:sldIdLst>
   <p:sldSz cx="9144000" cy="6858000" type="screen4x3"/>
   <p:notesSz cx="6858000" cy="9144000"/>
@@ -210,7 +211,7 @@
           <a:p>
             <a:fld id="{2FA65AC6-C941-6C4C-9AB4-AE5EDD652CCD}" type="datetimeFigureOut">
               <a:rPr lang="en-US" smtClean="0"/>
-              <a:t>23/03/15</a:t>
+              <a:t>26/03/15</a:t>
             </a:fld>
             <a:endParaRPr lang="pt-PT"/>
           </a:p>
@@ -718,11 +719,7 @@
           <a:p>
             <a:r>
               <a:rPr lang="pt-PT" dirty="0" smtClean="0"/>
-              <a:t>Logo a soluç</a:t>
-            </a:r>
-            <a:r>
-              <a:rPr lang="pt-PT" dirty="0" smtClean="0"/>
-              <a:t>ão deste sistema passa por</a:t>
+              <a:t>Logo a solução deste sistema passa por</a:t>
             </a:r>
             <a:r>
               <a:rPr lang="pt-PT" baseline="0" dirty="0" smtClean="0"/>
@@ -937,11 +934,7 @@
             </a:r>
             <a:r>
               <a:rPr lang="pt-PT" baseline="0" dirty="0" smtClean="0"/>
-              <a:t> com que as aplicaç</a:t>
-            </a:r>
-            <a:r>
-              <a:rPr lang="pt-PT" baseline="0" dirty="0" smtClean="0"/>
-              <a:t>ões se comportassem como as formas de onda descritas atrás, foi preciso gerar descontinuidades na largura de rede. Para isto foi usado uma técnica chamada de </a:t>
+              <a:t> com que as aplicações se comportassem como as formas de onda descritas atrás, foi preciso gerar descontinuidades na largura de rede. Para isto foi usado uma técnica chamada de </a:t>
             </a:r>
             <a:r>
               <a:rPr lang="pt-PT" b="1" baseline="0" dirty="0" smtClean="0"/>
@@ -1176,7 +1169,7 @@
           <a:p>
             <a:fld id="{D9600918-0812-DD45-A400-59AEEAE98FF3}" type="datetimeFigureOut">
               <a:rPr lang="en-US" smtClean="0"/>
-              <a:t>23/03/15</a:t>
+              <a:t>26/03/15</a:t>
             </a:fld>
             <a:endParaRPr lang="pt-PT"/>
           </a:p>
@@ -1346,7 +1339,7 @@
           <a:p>
             <a:fld id="{D9600918-0812-DD45-A400-59AEEAE98FF3}" type="datetimeFigureOut">
               <a:rPr lang="en-US" smtClean="0"/>
-              <a:t>23/03/15</a:t>
+              <a:t>26/03/15</a:t>
             </a:fld>
             <a:endParaRPr lang="pt-PT"/>
           </a:p>
@@ -1526,7 +1519,7 @@
           <a:p>
             <a:fld id="{D9600918-0812-DD45-A400-59AEEAE98FF3}" type="datetimeFigureOut">
               <a:rPr lang="en-US" smtClean="0"/>
-              <a:t>23/03/15</a:t>
+              <a:t>26/03/15</a:t>
             </a:fld>
             <a:endParaRPr lang="pt-PT"/>
           </a:p>
@@ -1696,7 +1689,7 @@
           <a:p>
             <a:fld id="{D9600918-0812-DD45-A400-59AEEAE98FF3}" type="datetimeFigureOut">
               <a:rPr lang="en-US" smtClean="0"/>
-              <a:t>23/03/15</a:t>
+              <a:t>26/03/15</a:t>
             </a:fld>
             <a:endParaRPr lang="pt-PT"/>
           </a:p>
@@ -1942,7 +1935,7 @@
           <a:p>
             <a:fld id="{D9600918-0812-DD45-A400-59AEEAE98FF3}" type="datetimeFigureOut">
               <a:rPr lang="en-US" smtClean="0"/>
-              <a:t>23/03/15</a:t>
+              <a:t>26/03/15</a:t>
             </a:fld>
             <a:endParaRPr lang="pt-PT"/>
           </a:p>
@@ -2230,7 +2223,7 @@
           <a:p>
             <a:fld id="{D9600918-0812-DD45-A400-59AEEAE98FF3}" type="datetimeFigureOut">
               <a:rPr lang="en-US" smtClean="0"/>
-              <a:t>23/03/15</a:t>
+              <a:t>26/03/15</a:t>
             </a:fld>
             <a:endParaRPr lang="pt-PT"/>
           </a:p>
@@ -2652,7 +2645,7 @@
           <a:p>
             <a:fld id="{D9600918-0812-DD45-A400-59AEEAE98FF3}" type="datetimeFigureOut">
               <a:rPr lang="en-US" smtClean="0"/>
-              <a:t>23/03/15</a:t>
+              <a:t>26/03/15</a:t>
             </a:fld>
             <a:endParaRPr lang="pt-PT"/>
           </a:p>
@@ -2770,7 +2763,7 @@
           <a:p>
             <a:fld id="{D9600918-0812-DD45-A400-59AEEAE98FF3}" type="datetimeFigureOut">
               <a:rPr lang="en-US" smtClean="0"/>
-              <a:t>23/03/15</a:t>
+              <a:t>26/03/15</a:t>
             </a:fld>
             <a:endParaRPr lang="pt-PT"/>
           </a:p>
@@ -2865,7 +2858,7 @@
           <a:p>
             <a:fld id="{D9600918-0812-DD45-A400-59AEEAE98FF3}" type="datetimeFigureOut">
               <a:rPr lang="en-US" smtClean="0"/>
-              <a:t>23/03/15</a:t>
+              <a:t>26/03/15</a:t>
             </a:fld>
             <a:endParaRPr lang="pt-PT"/>
           </a:p>
@@ -3142,7 +3135,7 @@
           <a:p>
             <a:fld id="{D9600918-0812-DD45-A400-59AEEAE98FF3}" type="datetimeFigureOut">
               <a:rPr lang="en-US" smtClean="0"/>
-              <a:t>23/03/15</a:t>
+              <a:t>26/03/15</a:t>
             </a:fld>
             <a:endParaRPr lang="pt-PT"/>
           </a:p>
@@ -3395,7 +3388,7 @@
           <a:p>
             <a:fld id="{D9600918-0812-DD45-A400-59AEEAE98FF3}" type="datetimeFigureOut">
               <a:rPr lang="en-US" smtClean="0"/>
-              <a:t>23/03/15</a:t>
+              <a:t>26/03/15</a:t>
             </a:fld>
             <a:endParaRPr lang="pt-PT"/>
           </a:p>
@@ -3608,7 +3601,7 @@
           <a:p>
             <a:fld id="{D9600918-0812-DD45-A400-59AEEAE98FF3}" type="datetimeFigureOut">
               <a:rPr lang="en-US" smtClean="0"/>
-              <a:t>23/03/15</a:t>
+              <a:t>26/03/15</a:t>
             </a:fld>
             <a:endParaRPr lang="pt-PT"/>
           </a:p>
@@ -4049,11 +4042,7 @@
             </a:r>
             <a:r>
               <a:rPr lang="pt-PT" dirty="0" smtClean="0"/>
-              <a:t> </a:t>
-            </a:r>
-            <a:r>
-              <a:rPr lang="pt-PT" dirty="0" smtClean="0"/>
-              <a:t>for </a:t>
+              <a:t> for </a:t>
             </a:r>
             <a:r>
               <a:rPr lang="pt-PT" dirty="0" err="1"/>
@@ -4254,15 +4243,7 @@
           <a:p>
             <a:r>
               <a:rPr lang="pt-PT" dirty="0" smtClean="0"/>
-              <a:t>Pedro </a:t>
-            </a:r>
-            <a:r>
-              <a:rPr lang="pt-PT" dirty="0" smtClean="0"/>
-              <a:t>Braz</a:t>
-            </a:r>
-            <a:r>
-              <a:rPr lang="pt-PT" dirty="0" smtClean="0"/>
-              <a:t>, 73991</a:t>
+              <a:t>Pedro Braz, 73991</a:t>
             </a:r>
           </a:p>
           <a:p>
@@ -6081,7 +6062,6 @@
               <a:rPr lang="pt-PT" sz="2800" dirty="0" smtClean="0"/>
               <a:t>;</a:t>
             </a:r>
-            <a:endParaRPr lang="pt-PT" sz="2800" dirty="0" smtClean="0"/>
           </a:p>
           <a:p>
             <a:pPr marL="285750" indent="-285750" algn="just">
@@ -6183,6 +6163,224 @@
     <p:extLst>
       <p:ext uri="{BB962C8B-B14F-4D97-AF65-F5344CB8AC3E}">
         <p14:creationId xmlns:p14="http://schemas.microsoft.com/office/powerpoint/2010/main" val="2481420638"/>
+      </p:ext>
+    </p:extLst>
+  </p:cSld>
+  <p:clrMapOvr>
+    <a:masterClrMapping/>
+  </p:clrMapOvr>
+  <p:timing>
+    <p:tnLst>
+      <p:par>
+        <p:cTn xmlns:p14="http://schemas.microsoft.com/office/powerpoint/2010/main" id="1" dur="indefinite" restart="never" nodeType="tmRoot"/>
+      </p:par>
+    </p:tnLst>
+  </p:timing>
+</p:sld>
+</file>
+
+<file path=ppt/slides/slide20.xml><?xml version="1.0" encoding="utf-8"?>
+<p:sld xmlns:a="http://schemas.openxmlformats.org/drawingml/2006/main" xmlns:r="http://schemas.openxmlformats.org/officeDocument/2006/relationships" xmlns:p="http://schemas.openxmlformats.org/presentationml/2006/main">
+  <p:cSld>
+    <p:spTree>
+      <p:nvGrpSpPr>
+        <p:cNvPr id="1" name=""/>
+        <p:cNvGrpSpPr/>
+        <p:nvPr/>
+      </p:nvGrpSpPr>
+      <p:grpSpPr>
+        <a:xfrm>
+          <a:off x="0" y="0"/>
+          <a:ext cx="0" cy="0"/>
+          <a:chOff x="0" y="0"/>
+          <a:chExt cx="0" cy="0"/>
+        </a:xfrm>
+      </p:grpSpPr>
+      <p:sp>
+        <p:nvSpPr>
+          <p:cNvPr id="2" name="Title 1"/>
+          <p:cNvSpPr>
+            <a:spLocks noGrp="1"/>
+          </p:cNvSpPr>
+          <p:nvPr>
+            <p:ph type="ctrTitle"/>
+          </p:nvPr>
+        </p:nvSpPr>
+        <p:spPr>
+          <a:xfrm>
+            <a:off x="685800" y="927277"/>
+            <a:ext cx="7772400" cy="1190627"/>
+          </a:xfrm>
+        </p:spPr>
+        <p:txBody>
+          <a:bodyPr>
+            <a:normAutofit/>
+          </a:bodyPr>
+          <a:lstStyle/>
+          <a:p>
+            <a:pPr marL="457200" indent="-457200"/>
+            <a:r>
+              <a:rPr lang="pt-PT" sz="5400" dirty="0" err="1" smtClean="0"/>
+              <a:t>Speakers</a:t>
+            </a:r>
+            <a:endParaRPr lang="pt-PT" sz="5400" dirty="0"/>
+          </a:p>
+        </p:txBody>
+      </p:sp>
+      <p:pic>
+        <p:nvPicPr>
+          <p:cNvPr id="4" name="Picture 3" descr="ist.jpg"/>
+          <p:cNvPicPr>
+            <a:picLocks noChangeAspect="1"/>
+          </p:cNvPicPr>
+          <p:nvPr/>
+        </p:nvPicPr>
+        <p:blipFill>
+          <a:blip r:embed="rId2">
+            <a:extLst>
+              <a:ext uri="{28A0092B-C50C-407E-A947-70E740481C1C}">
+                <a14:useLocalDpi xmlns:a14="http://schemas.microsoft.com/office/drawing/2010/main" val="0"/>
+              </a:ext>
+            </a:extLst>
+          </a:blip>
+          <a:stretch>
+            <a:fillRect/>
+          </a:stretch>
+        </p:blipFill>
+        <p:spPr>
+          <a:xfrm>
+            <a:off x="262396" y="239123"/>
+            <a:ext cx="1949172" cy="857340"/>
+          </a:xfrm>
+          <a:prstGeom prst="rect">
+            <a:avLst/>
+          </a:prstGeom>
+        </p:spPr>
+      </p:pic>
+      <p:pic>
+        <p:nvPicPr>
+          <p:cNvPr id="5" name="Picture 4" descr="Captura de ecrã 2015-03-26, às 10.30.22.png"/>
+          <p:cNvPicPr>
+            <a:picLocks noChangeAspect="1"/>
+          </p:cNvPicPr>
+          <p:nvPr/>
+        </p:nvPicPr>
+        <p:blipFill>
+          <a:blip r:embed="rId3">
+            <a:extLst>
+              <a:ext uri="{28A0092B-C50C-407E-A947-70E740481C1C}">
+                <a14:useLocalDpi xmlns:a14="http://schemas.microsoft.com/office/drawing/2010/main" val="0"/>
+              </a:ext>
+            </a:extLst>
+          </a:blip>
+          <a:stretch>
+            <a:fillRect/>
+          </a:stretch>
+        </p:blipFill>
+        <p:spPr>
+          <a:xfrm>
+            <a:off x="1050592" y="2607663"/>
+            <a:ext cx="2057400" cy="2070100"/>
+          </a:xfrm>
+          <a:prstGeom prst="rect">
+            <a:avLst/>
+          </a:prstGeom>
+        </p:spPr>
+      </p:pic>
+      <p:pic>
+        <p:nvPicPr>
+          <p:cNvPr id="6" name="Picture 5" descr="Captura de ecrã 2015-03-26, às 10.29.51.png"/>
+          <p:cNvPicPr>
+            <a:picLocks noChangeAspect="1"/>
+          </p:cNvPicPr>
+          <p:nvPr/>
+        </p:nvPicPr>
+        <p:blipFill>
+          <a:blip r:embed="rId4">
+            <a:extLst>
+              <a:ext uri="{28A0092B-C50C-407E-A947-70E740481C1C}">
+                <a14:useLocalDpi xmlns:a14="http://schemas.microsoft.com/office/drawing/2010/main" val="0"/>
+              </a:ext>
+            </a:extLst>
+          </a:blip>
+          <a:stretch>
+            <a:fillRect/>
+          </a:stretch>
+        </p:blipFill>
+        <p:spPr>
+          <a:xfrm>
+            <a:off x="5735496" y="2607663"/>
+            <a:ext cx="2031024" cy="2053973"/>
+          </a:xfrm>
+          <a:prstGeom prst="rect">
+            <a:avLst/>
+          </a:prstGeom>
+        </p:spPr>
+      </p:pic>
+      <p:sp>
+        <p:nvSpPr>
+          <p:cNvPr id="7" name="TextBox 6"/>
+          <p:cNvSpPr txBox="1"/>
+          <p:nvPr/>
+        </p:nvSpPr>
+        <p:spPr>
+          <a:xfrm>
+            <a:off x="1050592" y="5088123"/>
+            <a:ext cx="2679356" cy="430887"/>
+          </a:xfrm>
+          <a:prstGeom prst="rect">
+            <a:avLst/>
+          </a:prstGeom>
+          <a:noFill/>
+        </p:spPr>
+        <p:txBody>
+          <a:bodyPr wrap="square" rtlCol="0">
+            <a:spAutoFit/>
+          </a:bodyPr>
+          <a:lstStyle/>
+          <a:p>
+            <a:r>
+              <a:rPr lang="pt-PT" sz="2200" dirty="0" smtClean="0"/>
+              <a:t>Rui Pereira 70600</a:t>
+            </a:r>
+            <a:endParaRPr lang="pt-PT" sz="2200" dirty="0"/>
+          </a:p>
+        </p:txBody>
+      </p:sp>
+      <p:sp>
+        <p:nvSpPr>
+          <p:cNvPr id="8" name="TextBox 7"/>
+          <p:cNvSpPr txBox="1"/>
+          <p:nvPr/>
+        </p:nvSpPr>
+        <p:spPr>
+          <a:xfrm>
+            <a:off x="5735496" y="5088123"/>
+            <a:ext cx="2679356" cy="430887"/>
+          </a:xfrm>
+          <a:prstGeom prst="rect">
+            <a:avLst/>
+          </a:prstGeom>
+          <a:noFill/>
+        </p:spPr>
+        <p:txBody>
+          <a:bodyPr wrap="square" rtlCol="0">
+            <a:spAutoFit/>
+          </a:bodyPr>
+          <a:lstStyle/>
+          <a:p>
+            <a:r>
+              <a:rPr lang="pt-PT" sz="2200" dirty="0" smtClean="0"/>
+              <a:t>Pedro Braz 73991</a:t>
+            </a:r>
+            <a:endParaRPr lang="pt-PT" sz="2200" dirty="0"/>
+          </a:p>
+        </p:txBody>
+      </p:sp>
+    </p:spTree>
+    <p:extLst>
+      <p:ext uri="{BB962C8B-B14F-4D97-AF65-F5344CB8AC3E}">
+        <p14:creationId xmlns:p14="http://schemas.microsoft.com/office/powerpoint/2010/main" val="2441599229"/>
       </p:ext>
     </p:extLst>
   </p:cSld>
@@ -6400,11 +6598,7 @@
             </a:r>
             <a:r>
               <a:rPr lang="pt-PT" sz="2800" dirty="0" smtClean="0"/>
-              <a:t> </a:t>
-            </a:r>
-            <a:r>
-              <a:rPr lang="pt-PT" sz="2800" dirty="0" smtClean="0"/>
-              <a:t>of </a:t>
+              <a:t> of </a:t>
             </a:r>
             <a:r>
               <a:rPr lang="pt-PT" sz="2800" dirty="0" err="1" smtClean="0"/>
@@ -6438,7 +6632,6 @@
               <a:rPr lang="pt-PT" sz="2800" dirty="0" smtClean="0"/>
               <a:t>;</a:t>
             </a:r>
-            <a:endParaRPr lang="pt-PT" sz="2800" dirty="0" smtClean="0"/>
           </a:p>
           <a:p>
             <a:pPr marL="457200" indent="-457200">
@@ -7730,11 +7923,7 @@
             </a:r>
             <a:r>
               <a:rPr lang="pt-PT" sz="2800" dirty="0" smtClean="0"/>
-              <a:t> </a:t>
-            </a:r>
-            <a:r>
-              <a:rPr lang="pt-PT" sz="2800" dirty="0" smtClean="0"/>
-              <a:t>for </a:t>
+              <a:t> for </a:t>
             </a:r>
             <a:r>
               <a:rPr lang="pt-PT" sz="2800" dirty="0" err="1" smtClean="0"/>
@@ -7784,7 +7973,6 @@
               <a:rPr lang="pt-PT" sz="2800" dirty="0" smtClean="0"/>
               <a:t>.</a:t>
             </a:r>
-            <a:endParaRPr lang="pt-PT" sz="2800" dirty="0" smtClean="0"/>
           </a:p>
         </p:txBody>
       </p:sp>
